--- a/CC Group 2 Final Presentation.pptx
+++ b/CC Group 2 Final Presentation.pptx
@@ -1,44 +1,44 @@
 
 <file path=ppt/presentation.xml><?xml version="1.0" encoding="utf-8"?>
-<p:presentation xmlns:a="http://schemas.openxmlformats.org/drawingml/2006/main" xmlns:r="http://schemas.openxmlformats.org/officeDocument/2006/relationships" xmlns:mc="http://schemas.openxmlformats.org/markup-compatibility/2006" xmlns:mv="urn:schemas-microsoft-com:mac:vml" xmlns:p="http://schemas.openxmlformats.org/presentationml/2006/main" xmlns:c="http://schemas.openxmlformats.org/drawingml/2006/chart" xmlns:dgm="http://schemas.openxmlformats.org/drawingml/2006/diagram" xmlns:o="urn:schemas-microsoft-com:office:office" xmlns:v="urn:schemas-microsoft-com:vml" xmlns:pvml="urn:schemas-microsoft-com:office:powerpoint" xmlns:com="http://schemas.openxmlformats.org/drawingml/2006/compatibility" xmlns:p14="http://schemas.microsoft.com/office/powerpoint/2010/main" xmlns:p15="http://schemas.microsoft.com/office/powerpoint/2012/main" xmlns:ahyp="http://schemas.microsoft.com/office/drawing/2018/hyperlinkcolor" autoCompressPictures="0" embedTrueTypeFonts="1" strictFirstAndLastChars="0" saveSubsetFonts="1">
+<p:presentation xmlns:a="http://schemas.openxmlformats.org/drawingml/2006/main" xmlns:r="http://schemas.openxmlformats.org/officeDocument/2006/relationships" xmlns:p="http://schemas.openxmlformats.org/presentationml/2006/main" strictFirstAndLastChars="0" embedTrueTypeFonts="1" saveSubsetFonts="1" autoCompressPictures="0">
   <p:sldMasterIdLst>
-    <p:sldMasterId id="2147483659" r:id="rId4"/>
+    <p:sldMasterId id="2147483659" r:id="rId1"/>
   </p:sldMasterIdLst>
   <p:notesMasterIdLst>
-    <p:notesMasterId r:id="rId5"/>
+    <p:notesMasterId r:id="rId12"/>
   </p:notesMasterIdLst>
   <p:sldIdLst>
-    <p:sldId id="256" r:id="rId6"/>
-    <p:sldId id="257" r:id="rId7"/>
-    <p:sldId id="258" r:id="rId8"/>
-    <p:sldId id="259" r:id="rId9"/>
-    <p:sldId id="260" r:id="rId10"/>
-    <p:sldId id="261" r:id="rId11"/>
-    <p:sldId id="262" r:id="rId12"/>
-    <p:sldId id="263" r:id="rId13"/>
-    <p:sldId id="264" r:id="rId14"/>
-    <p:sldId id="265" r:id="rId15"/>
+    <p:sldId id="256" r:id="rId2"/>
+    <p:sldId id="257" r:id="rId3"/>
+    <p:sldId id="258" r:id="rId4"/>
+    <p:sldId id="259" r:id="rId5"/>
+    <p:sldId id="260" r:id="rId6"/>
+    <p:sldId id="261" r:id="rId7"/>
+    <p:sldId id="262" r:id="rId8"/>
+    <p:sldId id="263" r:id="rId9"/>
+    <p:sldId id="264" r:id="rId10"/>
+    <p:sldId id="265" r:id="rId11"/>
   </p:sldIdLst>
-  <p:sldSz cy="5143500" cx="9144000"/>
+  <p:sldSz cx="9144000" cy="5143500" type="screen16x9"/>
   <p:notesSz cx="6858000" cy="9144000"/>
   <p:embeddedFontLst>
     <p:embeddedFont>
-      <p:font typeface="Roboto"/>
-      <p:regular r:id="rId16"/>
-      <p:bold r:id="rId17"/>
-      <p:italic r:id="rId18"/>
-      <p:boldItalic r:id="rId19"/>
+      <p:font typeface="Merriweather" panose="00000500000000000000" pitchFamily="2" charset="0"/>
+      <p:regular r:id="rId13"/>
+      <p:bold r:id="rId14"/>
+      <p:italic r:id="rId15"/>
+      <p:boldItalic r:id="rId16"/>
     </p:embeddedFont>
     <p:embeddedFont>
-      <p:font typeface="Merriweather"/>
-      <p:regular r:id="rId20"/>
-      <p:bold r:id="rId21"/>
-      <p:italic r:id="rId22"/>
-      <p:boldItalic r:id="rId23"/>
+      <p:font typeface="Roboto" panose="02000000000000000000" pitchFamily="2" charset="0"/>
+      <p:regular r:id="rId17"/>
+      <p:bold r:id="rId18"/>
+      <p:italic r:id="rId19"/>
+      <p:boldItalic r:id="rId20"/>
     </p:embeddedFont>
   </p:embeddedFontLst>
   <p:defaultTextStyle>
-    <a:defPPr lvl="0" marR="0" rtl="0" algn="l">
+    <a:defPPr marR="0" lvl="0" algn="l" rtl="0">
       <a:lnSpc>
         <a:spcPct val="100000"/>
       </a:lnSpc>
@@ -49,7 +49,7 @@
         <a:spcPts val="0"/>
       </a:spcAft>
     </a:defPPr>
-    <a:lvl1pPr lvl="0" marR="0" rtl="0" algn="l">
+    <a:lvl1pPr marR="0" lvl="0" algn="l" rtl="0">
       <a:lnSpc>
         <a:spcPct val="100000"/>
       </a:lnSpc>
@@ -63,7 +63,7 @@
         <a:srgbClr val="000000"/>
       </a:buClr>
       <a:buFont typeface="Arial"/>
-      <a:defRPr b="0" i="0" sz="1400" u="none" cap="none" strike="noStrike">
+      <a:defRPr sz="1400" b="0" i="0" u="none" strike="noStrike" cap="none">
         <a:solidFill>
           <a:srgbClr val="000000"/>
         </a:solidFill>
@@ -73,7 +73,7 @@
         <a:sym typeface="Arial"/>
       </a:defRPr>
     </a:lvl1pPr>
-    <a:lvl2pPr lvl="1" marR="0" rtl="0" algn="l">
+    <a:lvl2pPr marR="0" lvl="1" algn="l" rtl="0">
       <a:lnSpc>
         <a:spcPct val="100000"/>
       </a:lnSpc>
@@ -87,7 +87,7 @@
         <a:srgbClr val="000000"/>
       </a:buClr>
       <a:buFont typeface="Arial"/>
-      <a:defRPr b="0" i="0" sz="1400" u="none" cap="none" strike="noStrike">
+      <a:defRPr sz="1400" b="0" i="0" u="none" strike="noStrike" cap="none">
         <a:solidFill>
           <a:srgbClr val="000000"/>
         </a:solidFill>
@@ -97,7 +97,7 @@
         <a:sym typeface="Arial"/>
       </a:defRPr>
     </a:lvl2pPr>
-    <a:lvl3pPr lvl="2" marR="0" rtl="0" algn="l">
+    <a:lvl3pPr marR="0" lvl="2" algn="l" rtl="0">
       <a:lnSpc>
         <a:spcPct val="100000"/>
       </a:lnSpc>
@@ -111,7 +111,7 @@
         <a:srgbClr val="000000"/>
       </a:buClr>
       <a:buFont typeface="Arial"/>
-      <a:defRPr b="0" i="0" sz="1400" u="none" cap="none" strike="noStrike">
+      <a:defRPr sz="1400" b="0" i="0" u="none" strike="noStrike" cap="none">
         <a:solidFill>
           <a:srgbClr val="000000"/>
         </a:solidFill>
@@ -121,7 +121,7 @@
         <a:sym typeface="Arial"/>
       </a:defRPr>
     </a:lvl3pPr>
-    <a:lvl4pPr lvl="3" marR="0" rtl="0" algn="l">
+    <a:lvl4pPr marR="0" lvl="3" algn="l" rtl="0">
       <a:lnSpc>
         <a:spcPct val="100000"/>
       </a:lnSpc>
@@ -135,7 +135,7 @@
         <a:srgbClr val="000000"/>
       </a:buClr>
       <a:buFont typeface="Arial"/>
-      <a:defRPr b="0" i="0" sz="1400" u="none" cap="none" strike="noStrike">
+      <a:defRPr sz="1400" b="0" i="0" u="none" strike="noStrike" cap="none">
         <a:solidFill>
           <a:srgbClr val="000000"/>
         </a:solidFill>
@@ -145,7 +145,7 @@
         <a:sym typeface="Arial"/>
       </a:defRPr>
     </a:lvl4pPr>
-    <a:lvl5pPr lvl="4" marR="0" rtl="0" algn="l">
+    <a:lvl5pPr marR="0" lvl="4" algn="l" rtl="0">
       <a:lnSpc>
         <a:spcPct val="100000"/>
       </a:lnSpc>
@@ -159,7 +159,7 @@
         <a:srgbClr val="000000"/>
       </a:buClr>
       <a:buFont typeface="Arial"/>
-      <a:defRPr b="0" i="0" sz="1400" u="none" cap="none" strike="noStrike">
+      <a:defRPr sz="1400" b="0" i="0" u="none" strike="noStrike" cap="none">
         <a:solidFill>
           <a:srgbClr val="000000"/>
         </a:solidFill>
@@ -169,7 +169,7 @@
         <a:sym typeface="Arial"/>
       </a:defRPr>
     </a:lvl5pPr>
-    <a:lvl6pPr lvl="5" marR="0" rtl="0" algn="l">
+    <a:lvl6pPr marR="0" lvl="5" algn="l" rtl="0">
       <a:lnSpc>
         <a:spcPct val="100000"/>
       </a:lnSpc>
@@ -183,7 +183,7 @@
         <a:srgbClr val="000000"/>
       </a:buClr>
       <a:buFont typeface="Arial"/>
-      <a:defRPr b="0" i="0" sz="1400" u="none" cap="none" strike="noStrike">
+      <a:defRPr sz="1400" b="0" i="0" u="none" strike="noStrike" cap="none">
         <a:solidFill>
           <a:srgbClr val="000000"/>
         </a:solidFill>
@@ -193,7 +193,7 @@
         <a:sym typeface="Arial"/>
       </a:defRPr>
     </a:lvl6pPr>
-    <a:lvl7pPr lvl="6" marR="0" rtl="0" algn="l">
+    <a:lvl7pPr marR="0" lvl="6" algn="l" rtl="0">
       <a:lnSpc>
         <a:spcPct val="100000"/>
       </a:lnSpc>
@@ -207,7 +207,7 @@
         <a:srgbClr val="000000"/>
       </a:buClr>
       <a:buFont typeface="Arial"/>
-      <a:defRPr b="0" i="0" sz="1400" u="none" cap="none" strike="noStrike">
+      <a:defRPr sz="1400" b="0" i="0" u="none" strike="noStrike" cap="none">
         <a:solidFill>
           <a:srgbClr val="000000"/>
         </a:solidFill>
@@ -217,7 +217,7 @@
         <a:sym typeface="Arial"/>
       </a:defRPr>
     </a:lvl7pPr>
-    <a:lvl8pPr lvl="7" marR="0" rtl="0" algn="l">
+    <a:lvl8pPr marR="0" lvl="7" algn="l" rtl="0">
       <a:lnSpc>
         <a:spcPct val="100000"/>
       </a:lnSpc>
@@ -231,7 +231,7 @@
         <a:srgbClr val="000000"/>
       </a:buClr>
       <a:buFont typeface="Arial"/>
-      <a:defRPr b="0" i="0" sz="1400" u="none" cap="none" strike="noStrike">
+      <a:defRPr sz="1400" b="0" i="0" u="none" strike="noStrike" cap="none">
         <a:solidFill>
           <a:srgbClr val="000000"/>
         </a:solidFill>
@@ -241,7 +241,7 @@
         <a:sym typeface="Arial"/>
       </a:defRPr>
     </a:lvl8pPr>
-    <a:lvl9pPr lvl="8" marR="0" rtl="0" algn="l">
+    <a:lvl9pPr marR="0" lvl="8" algn="l" rtl="0">
       <a:lnSpc>
         <a:spcPct val="100000"/>
       </a:lnSpc>
@@ -255,7 +255,7 @@
         <a:srgbClr val="000000"/>
       </a:buClr>
       <a:buFont typeface="Arial"/>
-      <a:defRPr b="0" i="0" sz="1400" u="none" cap="none" strike="noStrike">
+      <a:defRPr sz="1400" b="0" i="0" u="none" strike="noStrike" cap="none">
         <a:solidFill>
           <a:srgbClr val="000000"/>
         </a:solidFill>
@@ -268,7 +268,7 @@
   </p:defaultTextStyle>
   <p:extLst>
     <p:ext uri="{EFAFB233-063F-42B5-8137-9DF3F51BA10A}">
-      <p15:sldGuideLst>
+      <p15:sldGuideLst xmlns:p15="http://schemas.microsoft.com/office/powerpoint/2012/main">
         <p15:guide id="1" orient="horz" pos="1620">
           <p15:clr>
             <a:srgbClr val="A4A3A4"/>
@@ -286,11 +286,16 @@
 </file>
 
 <file path=ppt/notesMasters/notesMaster1.xml><?xml version="1.0" encoding="utf-8"?>
-<p:notesMaster xmlns:a="http://schemas.openxmlformats.org/drawingml/2006/main" xmlns:r="http://schemas.openxmlformats.org/officeDocument/2006/relationships" xmlns:mc="http://schemas.openxmlformats.org/markup-compatibility/2006" xmlns:mv="urn:schemas-microsoft-com:mac:vml" xmlns:p="http://schemas.openxmlformats.org/presentationml/2006/main" xmlns:c="http://schemas.openxmlformats.org/drawingml/2006/chart" xmlns:dgm="http://schemas.openxmlformats.org/drawingml/2006/diagram" xmlns:o="urn:schemas-microsoft-com:office:office" xmlns:v="urn:schemas-microsoft-com:vml" xmlns:pvml="urn:schemas-microsoft-com:office:powerpoint" xmlns:com="http://schemas.openxmlformats.org/drawingml/2006/compatibility" xmlns:p14="http://schemas.microsoft.com/office/powerpoint/2010/main" xmlns:p15="http://schemas.microsoft.com/office/powerpoint/2012/main" xmlns:ahyp="http://schemas.microsoft.com/office/drawing/2018/hyperlinkcolor">
+<p:notesMaster xmlns:a="http://schemas.openxmlformats.org/drawingml/2006/main" xmlns:r="http://schemas.openxmlformats.org/officeDocument/2006/relationships" xmlns:p="http://schemas.openxmlformats.org/presentationml/2006/main">
   <p:cSld>
+    <p:bg>
+      <p:bgRef idx="1001">
+        <a:schemeClr val="bg1"/>
+      </p:bgRef>
+    </p:bg>
     <p:spTree>
       <p:nvGrpSpPr>
-        <p:cNvPr id="2" name="Shape 2"/>
+        <p:cNvPr id="1" name="Shape 2"/>
         <p:cNvGrpSpPr/>
         <p:nvPr/>
       </p:nvGrpSpPr>
@@ -305,9 +310,11 @@
       <p:sp>
         <p:nvSpPr>
           <p:cNvPr id="3" name="Google Shape;3;n"/>
-          <p:cNvSpPr/>
+          <p:cNvSpPr>
+            <a:spLocks noGrp="1" noRot="1" noChangeAspect="1"/>
+          </p:cNvSpPr>
           <p:nvPr>
-            <p:ph idx="2" type="sldImg"/>
+            <p:ph type="sldImg" idx="2"/>
           </p:nvPr>
         </p:nvSpPr>
         <p:spPr>
@@ -316,9 +323,13 @@
             <a:ext cx="6096075" cy="3429000"/>
           </a:xfrm>
           <a:custGeom>
-            <a:rect b="b" l="l" r="r" t="t"/>
+            <a:avLst/>
+            <a:gdLst/>
+            <a:ahLst/>
+            <a:cxnLst/>
+            <a:rect l="l" t="t" r="r" b="b"/>
             <a:pathLst>
-              <a:path extrusionOk="0" h="120000" w="120000">
+              <a:path w="120000" h="120000" extrusionOk="0">
                 <a:moveTo>
                   <a:pt x="0" y="0"/>
                 </a:moveTo>
@@ -336,23 +347,25 @@
             </a:pathLst>
           </a:custGeom>
           <a:noFill/>
-          <a:ln cap="flat" cmpd="sng" w="9525">
+          <a:ln w="9525" cap="flat" cmpd="sng">
             <a:solidFill>
               <a:srgbClr val="000000"/>
             </a:solidFill>
             <a:prstDash val="solid"/>
             <a:round/>
-            <a:headEnd len="sm" w="sm" type="none"/>
-            <a:tailEnd len="sm" w="sm" type="none"/>
+            <a:headEnd type="none" w="sm" len="sm"/>
+            <a:tailEnd type="none" w="sm" len="sm"/>
           </a:ln>
         </p:spPr>
       </p:sp>
       <p:sp>
         <p:nvSpPr>
           <p:cNvPr id="4" name="Google Shape;4;n"/>
-          <p:cNvSpPr txBox="1"/>
+          <p:cNvSpPr txBox="1">
+            <a:spLocks noGrp="1"/>
+          </p:cNvSpPr>
           <p:nvPr>
-            <p:ph idx="1" type="body"/>
+            <p:ph type="body" idx="1"/>
           </p:nvPr>
         </p:nvSpPr>
         <p:spPr>
@@ -369,11 +382,11 @@
           </a:ln>
         </p:spPr>
         <p:txBody>
-          <a:bodyPr anchorCtr="0" anchor="t" bIns="91425" lIns="91425" spcFirstLastPara="1" rIns="91425" wrap="square" tIns="91425">
+          <a:bodyPr spcFirstLastPara="1" wrap="square" lIns="91425" tIns="91425" rIns="91425" bIns="91425" anchor="t" anchorCtr="0">
             <a:noAutofit/>
           </a:bodyPr>
           <a:lstStyle>
-            <a:lvl1pPr indent="-298450" lvl="0" marL="457200">
+            <a:lvl1pPr marL="457200" lvl="0" indent="-298450">
               <a:spcBef>
                 <a:spcPts val="0"/>
               </a:spcBef>
@@ -384,7 +397,7 @@
               <a:buChar char="●"/>
               <a:defRPr sz="1100"/>
             </a:lvl1pPr>
-            <a:lvl2pPr indent="-298450" lvl="1" marL="914400">
+            <a:lvl2pPr marL="914400" lvl="1" indent="-298450">
               <a:spcBef>
                 <a:spcPts val="0"/>
               </a:spcBef>
@@ -395,7 +408,7 @@
               <a:buChar char="○"/>
               <a:defRPr sz="1100"/>
             </a:lvl2pPr>
-            <a:lvl3pPr indent="-298450" lvl="2" marL="1371600">
+            <a:lvl3pPr marL="1371600" lvl="2" indent="-298450">
               <a:spcBef>
                 <a:spcPts val="0"/>
               </a:spcBef>
@@ -406,7 +419,7 @@
               <a:buChar char="■"/>
               <a:defRPr sz="1100"/>
             </a:lvl3pPr>
-            <a:lvl4pPr indent="-298450" lvl="3" marL="1828800">
+            <a:lvl4pPr marL="1828800" lvl="3" indent="-298450">
               <a:spcBef>
                 <a:spcPts val="0"/>
               </a:spcBef>
@@ -417,7 +430,7 @@
               <a:buChar char="●"/>
               <a:defRPr sz="1100"/>
             </a:lvl4pPr>
-            <a:lvl5pPr indent="-298450" lvl="4" marL="2286000">
+            <a:lvl5pPr marL="2286000" lvl="4" indent="-298450">
               <a:spcBef>
                 <a:spcPts val="0"/>
               </a:spcBef>
@@ -428,7 +441,7 @@
               <a:buChar char="○"/>
               <a:defRPr sz="1100"/>
             </a:lvl5pPr>
-            <a:lvl6pPr indent="-298450" lvl="5" marL="2743200">
+            <a:lvl6pPr marL="2743200" lvl="5" indent="-298450">
               <a:spcBef>
                 <a:spcPts val="0"/>
               </a:spcBef>
@@ -439,7 +452,7 @@
               <a:buChar char="■"/>
               <a:defRPr sz="1100"/>
             </a:lvl6pPr>
-            <a:lvl7pPr indent="-298450" lvl="6" marL="3200400">
+            <a:lvl7pPr marL="3200400" lvl="6" indent="-298450">
               <a:spcBef>
                 <a:spcPts val="0"/>
               </a:spcBef>
@@ -450,7 +463,7 @@
               <a:buChar char="●"/>
               <a:defRPr sz="1100"/>
             </a:lvl7pPr>
-            <a:lvl8pPr indent="-298450" lvl="7" marL="3657600">
+            <a:lvl8pPr marL="3657600" lvl="7" indent="-298450">
               <a:spcBef>
                 <a:spcPts val="0"/>
               </a:spcBef>
@@ -461,7 +474,7 @@
               <a:buChar char="○"/>
               <a:defRPr sz="1100"/>
             </a:lvl8pPr>
-            <a:lvl9pPr indent="-298450" lvl="8" marL="4114800">
+            <a:lvl9pPr marL="4114800" lvl="8" indent="-298450">
               <a:spcBef>
                 <a:spcPts val="0"/>
               </a:spcBef>
@@ -473,14 +486,16 @@
               <a:defRPr sz="1100"/>
             </a:lvl9pPr>
           </a:lstStyle>
-          <a:p/>
+          <a:p>
+            <a:endParaRPr/>
+          </a:p>
         </p:txBody>
       </p:sp>
     </p:spTree>
   </p:cSld>
-  <p:clrMap accent1="accent1" accent2="accent2" accent3="accent3" accent4="accent4" accent5="accent5" accent6="accent6" bg1="lt1" bg2="dk2" tx1="dk1" tx2="lt2" folHlink="folHlink" hlink="hlink"/>
+  <p:clrMap bg1="lt1" tx1="dk1" bg2="dk2" tx2="lt2" accent1="accent1" accent2="accent2" accent3="accent3" accent4="accent4" accent5="accent5" accent6="accent6" hlink="hlink" folHlink="folHlink"/>
   <p:notesStyle>
-    <a:defPPr lvl="0" marR="0" rtl="0" algn="l">
+    <a:defPPr marR="0" lvl="0" algn="l" rtl="0">
       <a:lnSpc>
         <a:spcPct val="100000"/>
       </a:lnSpc>
@@ -491,7 +506,7 @@
         <a:spcPts val="0"/>
       </a:spcAft>
     </a:defPPr>
-    <a:lvl1pPr lvl="0" marR="0" rtl="0" algn="l">
+    <a:lvl1pPr marR="0" lvl="0" algn="l" rtl="0">
       <a:lnSpc>
         <a:spcPct val="100000"/>
       </a:lnSpc>
@@ -505,7 +520,7 @@
         <a:srgbClr val="000000"/>
       </a:buClr>
       <a:buFont typeface="Arial"/>
-      <a:defRPr b="0" i="0" sz="1400" u="none" cap="none" strike="noStrike">
+      <a:defRPr sz="1400" b="0" i="0" u="none" strike="noStrike" cap="none">
         <a:solidFill>
           <a:srgbClr val="000000"/>
         </a:solidFill>
@@ -515,7 +530,7 @@
         <a:sym typeface="Arial"/>
       </a:defRPr>
     </a:lvl1pPr>
-    <a:lvl2pPr lvl="1" marR="0" rtl="0" algn="l">
+    <a:lvl2pPr marR="0" lvl="1" algn="l" rtl="0">
       <a:lnSpc>
         <a:spcPct val="100000"/>
       </a:lnSpc>
@@ -529,7 +544,7 @@
         <a:srgbClr val="000000"/>
       </a:buClr>
       <a:buFont typeface="Arial"/>
-      <a:defRPr b="0" i="0" sz="1400" u="none" cap="none" strike="noStrike">
+      <a:defRPr sz="1400" b="0" i="0" u="none" strike="noStrike" cap="none">
         <a:solidFill>
           <a:srgbClr val="000000"/>
         </a:solidFill>
@@ -539,7 +554,7 @@
         <a:sym typeface="Arial"/>
       </a:defRPr>
     </a:lvl2pPr>
-    <a:lvl3pPr lvl="2" marR="0" rtl="0" algn="l">
+    <a:lvl3pPr marR="0" lvl="2" algn="l" rtl="0">
       <a:lnSpc>
         <a:spcPct val="100000"/>
       </a:lnSpc>
@@ -553,7 +568,7 @@
         <a:srgbClr val="000000"/>
       </a:buClr>
       <a:buFont typeface="Arial"/>
-      <a:defRPr b="0" i="0" sz="1400" u="none" cap="none" strike="noStrike">
+      <a:defRPr sz="1400" b="0" i="0" u="none" strike="noStrike" cap="none">
         <a:solidFill>
           <a:srgbClr val="000000"/>
         </a:solidFill>
@@ -563,7 +578,7 @@
         <a:sym typeface="Arial"/>
       </a:defRPr>
     </a:lvl3pPr>
-    <a:lvl4pPr lvl="3" marR="0" rtl="0" algn="l">
+    <a:lvl4pPr marR="0" lvl="3" algn="l" rtl="0">
       <a:lnSpc>
         <a:spcPct val="100000"/>
       </a:lnSpc>
@@ -577,7 +592,7 @@
         <a:srgbClr val="000000"/>
       </a:buClr>
       <a:buFont typeface="Arial"/>
-      <a:defRPr b="0" i="0" sz="1400" u="none" cap="none" strike="noStrike">
+      <a:defRPr sz="1400" b="0" i="0" u="none" strike="noStrike" cap="none">
         <a:solidFill>
           <a:srgbClr val="000000"/>
         </a:solidFill>
@@ -587,7 +602,7 @@
         <a:sym typeface="Arial"/>
       </a:defRPr>
     </a:lvl4pPr>
-    <a:lvl5pPr lvl="4" marR="0" rtl="0" algn="l">
+    <a:lvl5pPr marR="0" lvl="4" algn="l" rtl="0">
       <a:lnSpc>
         <a:spcPct val="100000"/>
       </a:lnSpc>
@@ -601,7 +616,7 @@
         <a:srgbClr val="000000"/>
       </a:buClr>
       <a:buFont typeface="Arial"/>
-      <a:defRPr b="0" i="0" sz="1400" u="none" cap="none" strike="noStrike">
+      <a:defRPr sz="1400" b="0" i="0" u="none" strike="noStrike" cap="none">
         <a:solidFill>
           <a:srgbClr val="000000"/>
         </a:solidFill>
@@ -611,7 +626,7 @@
         <a:sym typeface="Arial"/>
       </a:defRPr>
     </a:lvl5pPr>
-    <a:lvl6pPr lvl="5" marR="0" rtl="0" algn="l">
+    <a:lvl6pPr marR="0" lvl="5" algn="l" rtl="0">
       <a:lnSpc>
         <a:spcPct val="100000"/>
       </a:lnSpc>
@@ -625,7 +640,7 @@
         <a:srgbClr val="000000"/>
       </a:buClr>
       <a:buFont typeface="Arial"/>
-      <a:defRPr b="0" i="0" sz="1400" u="none" cap="none" strike="noStrike">
+      <a:defRPr sz="1400" b="0" i="0" u="none" strike="noStrike" cap="none">
         <a:solidFill>
           <a:srgbClr val="000000"/>
         </a:solidFill>
@@ -635,7 +650,7 @@
         <a:sym typeface="Arial"/>
       </a:defRPr>
     </a:lvl6pPr>
-    <a:lvl7pPr lvl="6" marR="0" rtl="0" algn="l">
+    <a:lvl7pPr marR="0" lvl="6" algn="l" rtl="0">
       <a:lnSpc>
         <a:spcPct val="100000"/>
       </a:lnSpc>
@@ -649,7 +664,7 @@
         <a:srgbClr val="000000"/>
       </a:buClr>
       <a:buFont typeface="Arial"/>
-      <a:defRPr b="0" i="0" sz="1400" u="none" cap="none" strike="noStrike">
+      <a:defRPr sz="1400" b="0" i="0" u="none" strike="noStrike" cap="none">
         <a:solidFill>
           <a:srgbClr val="000000"/>
         </a:solidFill>
@@ -659,7 +674,7 @@
         <a:sym typeface="Arial"/>
       </a:defRPr>
     </a:lvl7pPr>
-    <a:lvl8pPr lvl="7" marR="0" rtl="0" algn="l">
+    <a:lvl8pPr marR="0" lvl="7" algn="l" rtl="0">
       <a:lnSpc>
         <a:spcPct val="100000"/>
       </a:lnSpc>
@@ -673,7 +688,7 @@
         <a:srgbClr val="000000"/>
       </a:buClr>
       <a:buFont typeface="Arial"/>
-      <a:defRPr b="0" i="0" sz="1400" u="none" cap="none" strike="noStrike">
+      <a:defRPr sz="1400" b="0" i="0" u="none" strike="noStrike" cap="none">
         <a:solidFill>
           <a:srgbClr val="000000"/>
         </a:solidFill>
@@ -683,7 +698,7 @@
         <a:sym typeface="Arial"/>
       </a:defRPr>
     </a:lvl8pPr>
-    <a:lvl9pPr lvl="8" marR="0" rtl="0" algn="l">
+    <a:lvl9pPr marR="0" lvl="8" algn="l" rtl="0">
       <a:lnSpc>
         <a:spcPct val="100000"/>
       </a:lnSpc>
@@ -697,7 +712,7 @@
         <a:srgbClr val="000000"/>
       </a:buClr>
       <a:buFont typeface="Arial"/>
-      <a:defRPr b="0" i="0" sz="1400" u="none" cap="none" strike="noStrike">
+      <a:defRPr sz="1400" b="0" i="0" u="none" strike="noStrike" cap="none">
         <a:solidFill>
           <a:srgbClr val="000000"/>
         </a:solidFill>
@@ -712,11 +727,11 @@
 </file>
 
 <file path=ppt/notesSlides/notesSlide1.xml><?xml version="1.0" encoding="utf-8"?>
-<p:notes xmlns:a="http://schemas.openxmlformats.org/drawingml/2006/main" xmlns:r="http://schemas.openxmlformats.org/officeDocument/2006/relationships" xmlns:mc="http://schemas.openxmlformats.org/markup-compatibility/2006" xmlns:mv="urn:schemas-microsoft-com:mac:vml" xmlns:p="http://schemas.openxmlformats.org/presentationml/2006/main" xmlns:c="http://schemas.openxmlformats.org/drawingml/2006/chart" xmlns:dgm="http://schemas.openxmlformats.org/drawingml/2006/diagram" xmlns:o="urn:schemas-microsoft-com:office:office" xmlns:v="urn:schemas-microsoft-com:vml" xmlns:pvml="urn:schemas-microsoft-com:office:powerpoint" xmlns:com="http://schemas.openxmlformats.org/drawingml/2006/compatibility" xmlns:p14="http://schemas.microsoft.com/office/powerpoint/2010/main" xmlns:p15="http://schemas.microsoft.com/office/powerpoint/2012/main" xmlns:ahyp="http://schemas.microsoft.com/office/drawing/2018/hyperlinkcolor" showMasterPhAnim="0" showMasterSp="0">
+<p:notes xmlns:a="http://schemas.openxmlformats.org/drawingml/2006/main" xmlns:r="http://schemas.openxmlformats.org/officeDocument/2006/relationships" xmlns:p="http://schemas.openxmlformats.org/presentationml/2006/main" showMasterSp="0" showMasterPhAnim="0">
   <p:cSld>
     <p:spTree>
       <p:nvGrpSpPr>
-        <p:cNvPr id="60" name="Shape 60"/>
+        <p:cNvPr id="1" name="Shape 60"/>
         <p:cNvGrpSpPr/>
         <p:nvPr/>
       </p:nvGrpSpPr>
@@ -731,9 +746,11 @@
       <p:sp>
         <p:nvSpPr>
           <p:cNvPr id="61" name="Google Shape;61;p:notes"/>
-          <p:cNvSpPr/>
+          <p:cNvSpPr>
+            <a:spLocks noGrp="1" noRot="1" noChangeAspect="1"/>
+          </p:cNvSpPr>
           <p:nvPr>
-            <p:ph idx="2" type="sldImg"/>
+            <p:ph type="sldImg" idx="2"/>
           </p:nvPr>
         </p:nvSpPr>
         <p:spPr>
@@ -742,9 +759,13 @@
             <a:ext cx="6096075" cy="3429000"/>
           </a:xfrm>
           <a:custGeom>
-            <a:rect b="b" l="l" r="r" t="t"/>
+            <a:avLst/>
+            <a:gdLst/>
+            <a:ahLst/>
+            <a:cxnLst/>
+            <a:rect l="l" t="t" r="r" b="b"/>
             <a:pathLst>
-              <a:path extrusionOk="0" h="120000" w="120000">
+              <a:path w="120000" h="120000" extrusionOk="0">
                 <a:moveTo>
                   <a:pt x="0" y="0"/>
                 </a:moveTo>
@@ -766,9 +787,11 @@
       <p:sp>
         <p:nvSpPr>
           <p:cNvPr id="62" name="Google Shape;62;p:notes"/>
-          <p:cNvSpPr txBox="1"/>
+          <p:cNvSpPr txBox="1">
+            <a:spLocks noGrp="1"/>
+          </p:cNvSpPr>
           <p:nvPr>
-            <p:ph idx="1" type="body"/>
+            <p:ph type="body" idx="1"/>
           </p:nvPr>
         </p:nvSpPr>
         <p:spPr>
@@ -781,23 +804,20 @@
           </a:prstGeom>
         </p:spPr>
         <p:txBody>
-          <a:bodyPr anchorCtr="0" anchor="t" bIns="91425" lIns="91425" spcFirstLastPara="1" rIns="91425" wrap="square" tIns="91425">
+          <a:bodyPr spcFirstLastPara="1" wrap="square" lIns="91425" tIns="91425" rIns="91425" bIns="91425" anchor="t" anchorCtr="0">
             <a:noAutofit/>
           </a:bodyPr>
           <a:lstStyle/>
           <a:p>
-            <a:pPr indent="0" lvl="0" marL="0" rtl="0" algn="l">
-              <a:spcBef>
-                <a:spcPts val="0"/>
-              </a:spcBef>
-              <a:spcAft>
-                <a:spcPts val="0"/>
-              </a:spcAft>
-              <a:buNone/>
-            </a:pPr>
-            <a:r>
-              <a:t/>
-            </a:r>
+            <a:pPr marL="0" lvl="0" indent="0" algn="l" rtl="0">
+              <a:spcBef>
+                <a:spcPts val="0"/>
+              </a:spcBef>
+              <a:spcAft>
+                <a:spcPts val="0"/>
+              </a:spcAft>
+              <a:buNone/>
+            </a:pPr>
             <a:endParaRPr/>
           </a:p>
         </p:txBody>
@@ -811,11 +831,11 @@
 </file>
 
 <file path=ppt/notesSlides/notesSlide10.xml><?xml version="1.0" encoding="utf-8"?>
-<p:notes xmlns:a="http://schemas.openxmlformats.org/drawingml/2006/main" xmlns:r="http://schemas.openxmlformats.org/officeDocument/2006/relationships" xmlns:mc="http://schemas.openxmlformats.org/markup-compatibility/2006" xmlns:mv="urn:schemas-microsoft-com:mac:vml" xmlns:p="http://schemas.openxmlformats.org/presentationml/2006/main" xmlns:c="http://schemas.openxmlformats.org/drawingml/2006/chart" xmlns:dgm="http://schemas.openxmlformats.org/drawingml/2006/diagram" xmlns:o="urn:schemas-microsoft-com:office:office" xmlns:v="urn:schemas-microsoft-com:vml" xmlns:pvml="urn:schemas-microsoft-com:office:powerpoint" xmlns:com="http://schemas.openxmlformats.org/drawingml/2006/compatibility" xmlns:p14="http://schemas.microsoft.com/office/powerpoint/2010/main" xmlns:p15="http://schemas.microsoft.com/office/powerpoint/2012/main" xmlns:ahyp="http://schemas.microsoft.com/office/drawing/2018/hyperlinkcolor" showMasterPhAnim="0" showMasterSp="0">
+<p:notes xmlns:a="http://schemas.openxmlformats.org/drawingml/2006/main" xmlns:r="http://schemas.openxmlformats.org/officeDocument/2006/relationships" xmlns:p="http://schemas.openxmlformats.org/presentationml/2006/main" showMasterSp="0" showMasterPhAnim="0">
   <p:cSld>
     <p:spTree>
       <p:nvGrpSpPr>
-        <p:cNvPr id="148" name="Shape 148"/>
+        <p:cNvPr id="1" name="Shape 148"/>
         <p:cNvGrpSpPr/>
         <p:nvPr/>
       </p:nvGrpSpPr>
@@ -830,9 +850,11 @@
       <p:sp>
         <p:nvSpPr>
           <p:cNvPr id="149" name="Google Shape;149;g1022a8c53dc_0_0:notes"/>
-          <p:cNvSpPr/>
+          <p:cNvSpPr>
+            <a:spLocks noGrp="1" noRot="1" noChangeAspect="1"/>
+          </p:cNvSpPr>
           <p:nvPr>
-            <p:ph idx="2" type="sldImg"/>
+            <p:ph type="sldImg" idx="2"/>
           </p:nvPr>
         </p:nvSpPr>
         <p:spPr>
@@ -841,9 +863,13 @@
             <a:ext cx="6096000" cy="3429000"/>
           </a:xfrm>
           <a:custGeom>
-            <a:rect b="b" l="l" r="r" t="t"/>
+            <a:avLst/>
+            <a:gdLst/>
+            <a:ahLst/>
+            <a:cxnLst/>
+            <a:rect l="l" t="t" r="r" b="b"/>
             <a:pathLst>
-              <a:path extrusionOk="0" h="120000" w="120000">
+              <a:path w="120000" h="120000" extrusionOk="0">
                 <a:moveTo>
                   <a:pt x="0" y="0"/>
                 </a:moveTo>
@@ -865,9 +891,11 @@
       <p:sp>
         <p:nvSpPr>
           <p:cNvPr id="150" name="Google Shape;150;g1022a8c53dc_0_0:notes"/>
-          <p:cNvSpPr txBox="1"/>
+          <p:cNvSpPr txBox="1">
+            <a:spLocks noGrp="1"/>
+          </p:cNvSpPr>
           <p:nvPr>
-            <p:ph idx="1" type="body"/>
+            <p:ph type="body" idx="1"/>
           </p:nvPr>
         </p:nvSpPr>
         <p:spPr>
@@ -880,23 +908,20 @@
           </a:prstGeom>
         </p:spPr>
         <p:txBody>
-          <a:bodyPr anchorCtr="0" anchor="t" bIns="91425" lIns="91425" spcFirstLastPara="1" rIns="91425" wrap="square" tIns="91425">
+          <a:bodyPr spcFirstLastPara="1" wrap="square" lIns="91425" tIns="91425" rIns="91425" bIns="91425" anchor="t" anchorCtr="0">
             <a:noAutofit/>
           </a:bodyPr>
           <a:lstStyle/>
           <a:p>
-            <a:pPr indent="0" lvl="0" marL="0" rtl="0" algn="l">
-              <a:spcBef>
-                <a:spcPts val="0"/>
-              </a:spcBef>
-              <a:spcAft>
-                <a:spcPts val="0"/>
-              </a:spcAft>
-              <a:buNone/>
-            </a:pPr>
-            <a:r>
-              <a:t/>
-            </a:r>
+            <a:pPr marL="0" lvl="0" indent="0" algn="l" rtl="0">
+              <a:spcBef>
+                <a:spcPts val="0"/>
+              </a:spcBef>
+              <a:spcAft>
+                <a:spcPts val="0"/>
+              </a:spcAft>
+              <a:buNone/>
+            </a:pPr>
             <a:endParaRPr/>
           </a:p>
         </p:txBody>
@@ -910,11 +935,11 @@
 </file>
 
 <file path=ppt/notesSlides/notesSlide2.xml><?xml version="1.0" encoding="utf-8"?>
-<p:notes xmlns:a="http://schemas.openxmlformats.org/drawingml/2006/main" xmlns:r="http://schemas.openxmlformats.org/officeDocument/2006/relationships" xmlns:mc="http://schemas.openxmlformats.org/markup-compatibility/2006" xmlns:mv="urn:schemas-microsoft-com:mac:vml" xmlns:p="http://schemas.openxmlformats.org/presentationml/2006/main" xmlns:c="http://schemas.openxmlformats.org/drawingml/2006/chart" xmlns:dgm="http://schemas.openxmlformats.org/drawingml/2006/diagram" xmlns:o="urn:schemas-microsoft-com:office:office" xmlns:v="urn:schemas-microsoft-com:vml" xmlns:pvml="urn:schemas-microsoft-com:office:powerpoint" xmlns:com="http://schemas.openxmlformats.org/drawingml/2006/compatibility" xmlns:p14="http://schemas.microsoft.com/office/powerpoint/2010/main" xmlns:p15="http://schemas.microsoft.com/office/powerpoint/2012/main" xmlns:ahyp="http://schemas.microsoft.com/office/drawing/2018/hyperlinkcolor" showMasterPhAnim="0" showMasterSp="0">
+<p:notes xmlns:a="http://schemas.openxmlformats.org/drawingml/2006/main" xmlns:r="http://schemas.openxmlformats.org/officeDocument/2006/relationships" xmlns:p="http://schemas.openxmlformats.org/presentationml/2006/main" showMasterSp="0" showMasterPhAnim="0">
   <p:cSld>
     <p:spTree>
       <p:nvGrpSpPr>
-        <p:cNvPr id="67" name="Shape 67"/>
+        <p:cNvPr id="1" name="Shape 67"/>
         <p:cNvGrpSpPr/>
         <p:nvPr/>
       </p:nvGrpSpPr>
@@ -929,9 +954,11 @@
       <p:sp>
         <p:nvSpPr>
           <p:cNvPr id="68" name="Google Shape;68;g103549951e6_1_5:notes"/>
-          <p:cNvSpPr/>
+          <p:cNvSpPr>
+            <a:spLocks noGrp="1" noRot="1" noChangeAspect="1"/>
+          </p:cNvSpPr>
           <p:nvPr>
-            <p:ph idx="2" type="sldImg"/>
+            <p:ph type="sldImg" idx="2"/>
           </p:nvPr>
         </p:nvSpPr>
         <p:spPr>
@@ -940,9 +967,13 @@
             <a:ext cx="6096000" cy="3429000"/>
           </a:xfrm>
           <a:custGeom>
-            <a:rect b="b" l="l" r="r" t="t"/>
+            <a:avLst/>
+            <a:gdLst/>
+            <a:ahLst/>
+            <a:cxnLst/>
+            <a:rect l="l" t="t" r="r" b="b"/>
             <a:pathLst>
-              <a:path extrusionOk="0" h="120000" w="120000">
+              <a:path w="120000" h="120000" extrusionOk="0">
                 <a:moveTo>
                   <a:pt x="0" y="0"/>
                 </a:moveTo>
@@ -964,9 +995,11 @@
       <p:sp>
         <p:nvSpPr>
           <p:cNvPr id="69" name="Google Shape;69;g103549951e6_1_5:notes"/>
-          <p:cNvSpPr txBox="1"/>
+          <p:cNvSpPr txBox="1">
+            <a:spLocks noGrp="1"/>
+          </p:cNvSpPr>
           <p:nvPr>
-            <p:ph idx="1" type="body"/>
+            <p:ph type="body" idx="1"/>
           </p:nvPr>
         </p:nvSpPr>
         <p:spPr>
@@ -979,23 +1012,20 @@
           </a:prstGeom>
         </p:spPr>
         <p:txBody>
-          <a:bodyPr anchorCtr="0" anchor="t" bIns="91425" lIns="91425" spcFirstLastPara="1" rIns="91425" wrap="square" tIns="91425">
+          <a:bodyPr spcFirstLastPara="1" wrap="square" lIns="91425" tIns="91425" rIns="91425" bIns="91425" anchor="t" anchorCtr="0">
             <a:noAutofit/>
           </a:bodyPr>
           <a:lstStyle/>
           <a:p>
-            <a:pPr indent="0" lvl="0" marL="0" rtl="0" algn="l">
-              <a:spcBef>
-                <a:spcPts val="0"/>
-              </a:spcBef>
-              <a:spcAft>
-                <a:spcPts val="0"/>
-              </a:spcAft>
-              <a:buNone/>
-            </a:pPr>
-            <a:r>
-              <a:t/>
-            </a:r>
+            <a:pPr marL="0" lvl="0" indent="0" algn="l" rtl="0">
+              <a:spcBef>
+                <a:spcPts val="0"/>
+              </a:spcBef>
+              <a:spcAft>
+                <a:spcPts val="0"/>
+              </a:spcAft>
+              <a:buNone/>
+            </a:pPr>
             <a:endParaRPr/>
           </a:p>
         </p:txBody>
@@ -1009,11 +1039,11 @@
 </file>
 
 <file path=ppt/notesSlides/notesSlide3.xml><?xml version="1.0" encoding="utf-8"?>
-<p:notes xmlns:a="http://schemas.openxmlformats.org/drawingml/2006/main" xmlns:r="http://schemas.openxmlformats.org/officeDocument/2006/relationships" xmlns:mc="http://schemas.openxmlformats.org/markup-compatibility/2006" xmlns:mv="urn:schemas-microsoft-com:mac:vml" xmlns:p="http://schemas.openxmlformats.org/presentationml/2006/main" xmlns:c="http://schemas.openxmlformats.org/drawingml/2006/chart" xmlns:dgm="http://schemas.openxmlformats.org/drawingml/2006/diagram" xmlns:o="urn:schemas-microsoft-com:office:office" xmlns:v="urn:schemas-microsoft-com:vml" xmlns:pvml="urn:schemas-microsoft-com:office:powerpoint" xmlns:com="http://schemas.openxmlformats.org/drawingml/2006/compatibility" xmlns:p14="http://schemas.microsoft.com/office/powerpoint/2010/main" xmlns:p15="http://schemas.microsoft.com/office/powerpoint/2012/main" xmlns:ahyp="http://schemas.microsoft.com/office/drawing/2018/hyperlinkcolor" showMasterPhAnim="0" showMasterSp="0">
+<p:notes xmlns:a="http://schemas.openxmlformats.org/drawingml/2006/main" xmlns:r="http://schemas.openxmlformats.org/officeDocument/2006/relationships" xmlns:p="http://schemas.openxmlformats.org/presentationml/2006/main" showMasterSp="0" showMasterPhAnim="0">
   <p:cSld>
     <p:spTree>
       <p:nvGrpSpPr>
-        <p:cNvPr id="75" name="Shape 75"/>
+        <p:cNvPr id="1" name="Shape 75"/>
         <p:cNvGrpSpPr/>
         <p:nvPr/>
       </p:nvGrpSpPr>
@@ -1028,9 +1058,11 @@
       <p:sp>
         <p:nvSpPr>
           <p:cNvPr id="76" name="Google Shape;76;g103549951e6_1_10:notes"/>
-          <p:cNvSpPr/>
+          <p:cNvSpPr>
+            <a:spLocks noGrp="1" noRot="1" noChangeAspect="1"/>
+          </p:cNvSpPr>
           <p:nvPr>
-            <p:ph idx="2" type="sldImg"/>
+            <p:ph type="sldImg" idx="2"/>
           </p:nvPr>
         </p:nvSpPr>
         <p:spPr>
@@ -1039,9 +1071,13 @@
             <a:ext cx="6096000" cy="3429000"/>
           </a:xfrm>
           <a:custGeom>
-            <a:rect b="b" l="l" r="r" t="t"/>
+            <a:avLst/>
+            <a:gdLst/>
+            <a:ahLst/>
+            <a:cxnLst/>
+            <a:rect l="l" t="t" r="r" b="b"/>
             <a:pathLst>
-              <a:path extrusionOk="0" h="120000" w="120000">
+              <a:path w="120000" h="120000" extrusionOk="0">
                 <a:moveTo>
                   <a:pt x="0" y="0"/>
                 </a:moveTo>
@@ -1063,9 +1099,11 @@
       <p:sp>
         <p:nvSpPr>
           <p:cNvPr id="77" name="Google Shape;77;g103549951e6_1_10:notes"/>
-          <p:cNvSpPr txBox="1"/>
+          <p:cNvSpPr txBox="1">
+            <a:spLocks noGrp="1"/>
+          </p:cNvSpPr>
           <p:nvPr>
-            <p:ph idx="1" type="body"/>
+            <p:ph type="body" idx="1"/>
           </p:nvPr>
         </p:nvSpPr>
         <p:spPr>
@@ -1078,23 +1116,20 @@
           </a:prstGeom>
         </p:spPr>
         <p:txBody>
-          <a:bodyPr anchorCtr="0" anchor="t" bIns="91425" lIns="91425" spcFirstLastPara="1" rIns="91425" wrap="square" tIns="91425">
+          <a:bodyPr spcFirstLastPara="1" wrap="square" lIns="91425" tIns="91425" rIns="91425" bIns="91425" anchor="t" anchorCtr="0">
             <a:noAutofit/>
           </a:bodyPr>
           <a:lstStyle/>
           <a:p>
-            <a:pPr indent="0" lvl="0" marL="0" rtl="0" algn="l">
-              <a:spcBef>
-                <a:spcPts val="0"/>
-              </a:spcBef>
-              <a:spcAft>
-                <a:spcPts val="0"/>
-              </a:spcAft>
-              <a:buNone/>
-            </a:pPr>
-            <a:r>
-              <a:t/>
-            </a:r>
+            <a:pPr marL="0" lvl="0" indent="0" algn="l" rtl="0">
+              <a:spcBef>
+                <a:spcPts val="0"/>
+              </a:spcBef>
+              <a:spcAft>
+                <a:spcPts val="0"/>
+              </a:spcAft>
+              <a:buNone/>
+            </a:pPr>
             <a:endParaRPr/>
           </a:p>
         </p:txBody>
@@ -1108,11 +1143,11 @@
 </file>
 
 <file path=ppt/notesSlides/notesSlide4.xml><?xml version="1.0" encoding="utf-8"?>
-<p:notes xmlns:a="http://schemas.openxmlformats.org/drawingml/2006/main" xmlns:r="http://schemas.openxmlformats.org/officeDocument/2006/relationships" xmlns:mc="http://schemas.openxmlformats.org/markup-compatibility/2006" xmlns:mv="urn:schemas-microsoft-com:mac:vml" xmlns:p="http://schemas.openxmlformats.org/presentationml/2006/main" xmlns:c="http://schemas.openxmlformats.org/drawingml/2006/chart" xmlns:dgm="http://schemas.openxmlformats.org/drawingml/2006/diagram" xmlns:o="urn:schemas-microsoft-com:office:office" xmlns:v="urn:schemas-microsoft-com:vml" xmlns:pvml="urn:schemas-microsoft-com:office:powerpoint" xmlns:com="http://schemas.openxmlformats.org/drawingml/2006/compatibility" xmlns:p14="http://schemas.microsoft.com/office/powerpoint/2010/main" xmlns:p15="http://schemas.microsoft.com/office/powerpoint/2012/main" xmlns:ahyp="http://schemas.microsoft.com/office/drawing/2018/hyperlinkcolor" showMasterPhAnim="0" showMasterSp="0">
+<p:notes xmlns:a="http://schemas.openxmlformats.org/drawingml/2006/main" xmlns:r="http://schemas.openxmlformats.org/officeDocument/2006/relationships" xmlns:p="http://schemas.openxmlformats.org/presentationml/2006/main" showMasterSp="0" showMasterPhAnim="0">
   <p:cSld>
     <p:spTree>
       <p:nvGrpSpPr>
-        <p:cNvPr id="89" name="Shape 89"/>
+        <p:cNvPr id="1" name="Shape 89"/>
         <p:cNvGrpSpPr/>
         <p:nvPr/>
       </p:nvGrpSpPr>
@@ -1127,9 +1162,11 @@
       <p:sp>
         <p:nvSpPr>
           <p:cNvPr id="90" name="Google Shape;90;g103549951e6_1_23:notes"/>
-          <p:cNvSpPr/>
+          <p:cNvSpPr>
+            <a:spLocks noGrp="1" noRot="1" noChangeAspect="1"/>
+          </p:cNvSpPr>
           <p:nvPr>
-            <p:ph idx="2" type="sldImg"/>
+            <p:ph type="sldImg" idx="2"/>
           </p:nvPr>
         </p:nvSpPr>
         <p:spPr>
@@ -1138,9 +1175,13 @@
             <a:ext cx="6096000" cy="3429000"/>
           </a:xfrm>
           <a:custGeom>
-            <a:rect b="b" l="l" r="r" t="t"/>
+            <a:avLst/>
+            <a:gdLst/>
+            <a:ahLst/>
+            <a:cxnLst/>
+            <a:rect l="l" t="t" r="r" b="b"/>
             <a:pathLst>
-              <a:path extrusionOk="0" h="120000" w="120000">
+              <a:path w="120000" h="120000" extrusionOk="0">
                 <a:moveTo>
                   <a:pt x="0" y="0"/>
                 </a:moveTo>
@@ -1162,9 +1203,11 @@
       <p:sp>
         <p:nvSpPr>
           <p:cNvPr id="91" name="Google Shape;91;g103549951e6_1_23:notes"/>
-          <p:cNvSpPr txBox="1"/>
+          <p:cNvSpPr txBox="1">
+            <a:spLocks noGrp="1"/>
+          </p:cNvSpPr>
           <p:nvPr>
-            <p:ph idx="1" type="body"/>
+            <p:ph type="body" idx="1"/>
           </p:nvPr>
         </p:nvSpPr>
         <p:spPr>
@@ -1177,23 +1220,20 @@
           </a:prstGeom>
         </p:spPr>
         <p:txBody>
-          <a:bodyPr anchorCtr="0" anchor="t" bIns="91425" lIns="91425" spcFirstLastPara="1" rIns="91425" wrap="square" tIns="91425">
+          <a:bodyPr spcFirstLastPara="1" wrap="square" lIns="91425" tIns="91425" rIns="91425" bIns="91425" anchor="t" anchorCtr="0">
             <a:noAutofit/>
           </a:bodyPr>
           <a:lstStyle/>
           <a:p>
-            <a:pPr indent="0" lvl="0" marL="0" rtl="0" algn="l">
-              <a:spcBef>
-                <a:spcPts val="0"/>
-              </a:spcBef>
-              <a:spcAft>
-                <a:spcPts val="0"/>
-              </a:spcAft>
-              <a:buNone/>
-            </a:pPr>
-            <a:r>
-              <a:t/>
-            </a:r>
+            <a:pPr marL="0" lvl="0" indent="0" algn="l" rtl="0">
+              <a:spcBef>
+                <a:spcPts val="0"/>
+              </a:spcBef>
+              <a:spcAft>
+                <a:spcPts val="0"/>
+              </a:spcAft>
+              <a:buNone/>
+            </a:pPr>
             <a:endParaRPr/>
           </a:p>
         </p:txBody>
@@ -1207,11 +1247,11 @@
 </file>
 
 <file path=ppt/notesSlides/notesSlide5.xml><?xml version="1.0" encoding="utf-8"?>
-<p:notes xmlns:a="http://schemas.openxmlformats.org/drawingml/2006/main" xmlns:r="http://schemas.openxmlformats.org/officeDocument/2006/relationships" xmlns:mc="http://schemas.openxmlformats.org/markup-compatibility/2006" xmlns:mv="urn:schemas-microsoft-com:mac:vml" xmlns:p="http://schemas.openxmlformats.org/presentationml/2006/main" xmlns:c="http://schemas.openxmlformats.org/drawingml/2006/chart" xmlns:dgm="http://schemas.openxmlformats.org/drawingml/2006/diagram" xmlns:o="urn:schemas-microsoft-com:office:office" xmlns:v="urn:schemas-microsoft-com:vml" xmlns:pvml="urn:schemas-microsoft-com:office:powerpoint" xmlns:com="http://schemas.openxmlformats.org/drawingml/2006/compatibility" xmlns:p14="http://schemas.microsoft.com/office/powerpoint/2010/main" xmlns:p15="http://schemas.microsoft.com/office/powerpoint/2012/main" xmlns:ahyp="http://schemas.microsoft.com/office/drawing/2018/hyperlinkcolor" showMasterPhAnim="0" showMasterSp="0">
+<p:notes xmlns:a="http://schemas.openxmlformats.org/drawingml/2006/main" xmlns:r="http://schemas.openxmlformats.org/officeDocument/2006/relationships" xmlns:p="http://schemas.openxmlformats.org/presentationml/2006/main" showMasterSp="0" showMasterPhAnim="0">
   <p:cSld>
     <p:spTree>
       <p:nvGrpSpPr>
-        <p:cNvPr id="95" name="Shape 95"/>
+        <p:cNvPr id="1" name="Shape 95"/>
         <p:cNvGrpSpPr/>
         <p:nvPr/>
       </p:nvGrpSpPr>
@@ -1226,9 +1266,11 @@
       <p:sp>
         <p:nvSpPr>
           <p:cNvPr id="96" name="Google Shape;96;g103549951e6_1_31:notes"/>
-          <p:cNvSpPr/>
+          <p:cNvSpPr>
+            <a:spLocks noGrp="1" noRot="1" noChangeAspect="1"/>
+          </p:cNvSpPr>
           <p:nvPr>
-            <p:ph idx="2" type="sldImg"/>
+            <p:ph type="sldImg" idx="2"/>
           </p:nvPr>
         </p:nvSpPr>
         <p:spPr>
@@ -1237,9 +1279,13 @@
             <a:ext cx="6096000" cy="3429000"/>
           </a:xfrm>
           <a:custGeom>
-            <a:rect b="b" l="l" r="r" t="t"/>
+            <a:avLst/>
+            <a:gdLst/>
+            <a:ahLst/>
+            <a:cxnLst/>
+            <a:rect l="l" t="t" r="r" b="b"/>
             <a:pathLst>
-              <a:path extrusionOk="0" h="120000" w="120000">
+              <a:path w="120000" h="120000" extrusionOk="0">
                 <a:moveTo>
                   <a:pt x="0" y="0"/>
                 </a:moveTo>
@@ -1261,9 +1307,11 @@
       <p:sp>
         <p:nvSpPr>
           <p:cNvPr id="97" name="Google Shape;97;g103549951e6_1_31:notes"/>
-          <p:cNvSpPr txBox="1"/>
+          <p:cNvSpPr txBox="1">
+            <a:spLocks noGrp="1"/>
+          </p:cNvSpPr>
           <p:nvPr>
-            <p:ph idx="1" type="body"/>
+            <p:ph type="body" idx="1"/>
           </p:nvPr>
         </p:nvSpPr>
         <p:spPr>
@@ -1276,23 +1324,20 @@
           </a:prstGeom>
         </p:spPr>
         <p:txBody>
-          <a:bodyPr anchorCtr="0" anchor="t" bIns="91425" lIns="91425" spcFirstLastPara="1" rIns="91425" wrap="square" tIns="91425">
+          <a:bodyPr spcFirstLastPara="1" wrap="square" lIns="91425" tIns="91425" rIns="91425" bIns="91425" anchor="t" anchorCtr="0">
             <a:noAutofit/>
           </a:bodyPr>
           <a:lstStyle/>
           <a:p>
-            <a:pPr indent="0" lvl="0" marL="0" rtl="0" algn="l">
-              <a:spcBef>
-                <a:spcPts val="0"/>
-              </a:spcBef>
-              <a:spcAft>
-                <a:spcPts val="0"/>
-              </a:spcAft>
-              <a:buNone/>
-            </a:pPr>
-            <a:r>
-              <a:t/>
-            </a:r>
+            <a:pPr marL="0" lvl="0" indent="0" algn="l" rtl="0">
+              <a:spcBef>
+                <a:spcPts val="0"/>
+              </a:spcBef>
+              <a:spcAft>
+                <a:spcPts val="0"/>
+              </a:spcAft>
+              <a:buNone/>
+            </a:pPr>
             <a:endParaRPr/>
           </a:p>
         </p:txBody>
@@ -1306,11 +1351,11 @@
 </file>
 
 <file path=ppt/notesSlides/notesSlide6.xml><?xml version="1.0" encoding="utf-8"?>
-<p:notes xmlns:a="http://schemas.openxmlformats.org/drawingml/2006/main" xmlns:r="http://schemas.openxmlformats.org/officeDocument/2006/relationships" xmlns:mc="http://schemas.openxmlformats.org/markup-compatibility/2006" xmlns:mv="urn:schemas-microsoft-com:mac:vml" xmlns:p="http://schemas.openxmlformats.org/presentationml/2006/main" xmlns:c="http://schemas.openxmlformats.org/drawingml/2006/chart" xmlns:dgm="http://schemas.openxmlformats.org/drawingml/2006/diagram" xmlns:o="urn:schemas-microsoft-com:office:office" xmlns:v="urn:schemas-microsoft-com:vml" xmlns:pvml="urn:schemas-microsoft-com:office:powerpoint" xmlns:com="http://schemas.openxmlformats.org/drawingml/2006/compatibility" xmlns:p14="http://schemas.microsoft.com/office/powerpoint/2010/main" xmlns:p15="http://schemas.microsoft.com/office/powerpoint/2012/main" xmlns:ahyp="http://schemas.microsoft.com/office/drawing/2018/hyperlinkcolor" showMasterPhAnim="0" showMasterSp="0">
+<p:notes xmlns:a="http://schemas.openxmlformats.org/drawingml/2006/main" xmlns:r="http://schemas.openxmlformats.org/officeDocument/2006/relationships" xmlns:p="http://schemas.openxmlformats.org/presentationml/2006/main" showMasterSp="0" showMasterPhAnim="0">
   <p:cSld>
     <p:spTree>
       <p:nvGrpSpPr>
-        <p:cNvPr id="102" name="Shape 102"/>
+        <p:cNvPr id="1" name="Shape 102"/>
         <p:cNvGrpSpPr/>
         <p:nvPr/>
       </p:nvGrpSpPr>
@@ -1325,9 +1370,11 @@
       <p:sp>
         <p:nvSpPr>
           <p:cNvPr id="103" name="Google Shape;103;g10361d2820b_2_0:notes"/>
-          <p:cNvSpPr/>
+          <p:cNvSpPr>
+            <a:spLocks noGrp="1" noRot="1" noChangeAspect="1"/>
+          </p:cNvSpPr>
           <p:nvPr>
-            <p:ph idx="2" type="sldImg"/>
+            <p:ph type="sldImg" idx="2"/>
           </p:nvPr>
         </p:nvSpPr>
         <p:spPr>
@@ -1336,9 +1383,13 @@
             <a:ext cx="6096000" cy="3429000"/>
           </a:xfrm>
           <a:custGeom>
-            <a:rect b="b" l="l" r="r" t="t"/>
+            <a:avLst/>
+            <a:gdLst/>
+            <a:ahLst/>
+            <a:cxnLst/>
+            <a:rect l="l" t="t" r="r" b="b"/>
             <a:pathLst>
-              <a:path extrusionOk="0" h="120000" w="120000">
+              <a:path w="120000" h="120000" extrusionOk="0">
                 <a:moveTo>
                   <a:pt x="0" y="0"/>
                 </a:moveTo>
@@ -1360,9 +1411,11 @@
       <p:sp>
         <p:nvSpPr>
           <p:cNvPr id="104" name="Google Shape;104;g10361d2820b_2_0:notes"/>
-          <p:cNvSpPr txBox="1"/>
+          <p:cNvSpPr txBox="1">
+            <a:spLocks noGrp="1"/>
+          </p:cNvSpPr>
           <p:nvPr>
-            <p:ph idx="1" type="body"/>
+            <p:ph type="body" idx="1"/>
           </p:nvPr>
         </p:nvSpPr>
         <p:spPr>
@@ -1375,23 +1428,20 @@
           </a:prstGeom>
         </p:spPr>
         <p:txBody>
-          <a:bodyPr anchorCtr="0" anchor="t" bIns="91425" lIns="91425" spcFirstLastPara="1" rIns="91425" wrap="square" tIns="91425">
+          <a:bodyPr spcFirstLastPara="1" wrap="square" lIns="91425" tIns="91425" rIns="91425" bIns="91425" anchor="t" anchorCtr="0">
             <a:noAutofit/>
           </a:bodyPr>
           <a:lstStyle/>
           <a:p>
-            <a:pPr indent="0" lvl="0" marL="0" rtl="0" algn="l">
-              <a:spcBef>
-                <a:spcPts val="0"/>
-              </a:spcBef>
-              <a:spcAft>
-                <a:spcPts val="0"/>
-              </a:spcAft>
-              <a:buNone/>
-            </a:pPr>
-            <a:r>
-              <a:t/>
-            </a:r>
+            <a:pPr marL="0" lvl="0" indent="0" algn="l" rtl="0">
+              <a:spcBef>
+                <a:spcPts val="0"/>
+              </a:spcBef>
+              <a:spcAft>
+                <a:spcPts val="0"/>
+              </a:spcAft>
+              <a:buNone/>
+            </a:pPr>
             <a:endParaRPr/>
           </a:p>
         </p:txBody>
@@ -1405,11 +1455,11 @@
 </file>
 
 <file path=ppt/notesSlides/notesSlide7.xml><?xml version="1.0" encoding="utf-8"?>
-<p:notes xmlns:a="http://schemas.openxmlformats.org/drawingml/2006/main" xmlns:r="http://schemas.openxmlformats.org/officeDocument/2006/relationships" xmlns:mc="http://schemas.openxmlformats.org/markup-compatibility/2006" xmlns:mv="urn:schemas-microsoft-com:mac:vml" xmlns:p="http://schemas.openxmlformats.org/presentationml/2006/main" xmlns:c="http://schemas.openxmlformats.org/drawingml/2006/chart" xmlns:dgm="http://schemas.openxmlformats.org/drawingml/2006/diagram" xmlns:o="urn:schemas-microsoft-com:office:office" xmlns:v="urn:schemas-microsoft-com:vml" xmlns:pvml="urn:schemas-microsoft-com:office:powerpoint" xmlns:com="http://schemas.openxmlformats.org/drawingml/2006/compatibility" xmlns:p14="http://schemas.microsoft.com/office/powerpoint/2010/main" xmlns:p15="http://schemas.microsoft.com/office/powerpoint/2012/main" xmlns:ahyp="http://schemas.microsoft.com/office/drawing/2018/hyperlinkcolor" showMasterPhAnim="0" showMasterSp="0">
+<p:notes xmlns:a="http://schemas.openxmlformats.org/drawingml/2006/main" xmlns:r="http://schemas.openxmlformats.org/officeDocument/2006/relationships" xmlns:p="http://schemas.openxmlformats.org/presentationml/2006/main" showMasterSp="0" showMasterPhAnim="0">
   <p:cSld>
     <p:spTree>
       <p:nvGrpSpPr>
-        <p:cNvPr id="130" name="Shape 130"/>
+        <p:cNvPr id="1" name="Shape 130"/>
         <p:cNvGrpSpPr/>
         <p:nvPr/>
       </p:nvGrpSpPr>
@@ -1424,9 +1474,11 @@
       <p:sp>
         <p:nvSpPr>
           <p:cNvPr id="131" name="Google Shape;131;g103549951e6_1_35:notes"/>
-          <p:cNvSpPr/>
+          <p:cNvSpPr>
+            <a:spLocks noGrp="1" noRot="1" noChangeAspect="1"/>
+          </p:cNvSpPr>
           <p:nvPr>
-            <p:ph idx="2" type="sldImg"/>
+            <p:ph type="sldImg" idx="2"/>
           </p:nvPr>
         </p:nvSpPr>
         <p:spPr>
@@ -1435,9 +1487,13 @@
             <a:ext cx="6096000" cy="3429000"/>
           </a:xfrm>
           <a:custGeom>
-            <a:rect b="b" l="l" r="r" t="t"/>
+            <a:avLst/>
+            <a:gdLst/>
+            <a:ahLst/>
+            <a:cxnLst/>
+            <a:rect l="l" t="t" r="r" b="b"/>
             <a:pathLst>
-              <a:path extrusionOk="0" h="120000" w="120000">
+              <a:path w="120000" h="120000" extrusionOk="0">
                 <a:moveTo>
                   <a:pt x="0" y="0"/>
                 </a:moveTo>
@@ -1459,9 +1515,11 @@
       <p:sp>
         <p:nvSpPr>
           <p:cNvPr id="132" name="Google Shape;132;g103549951e6_1_35:notes"/>
-          <p:cNvSpPr txBox="1"/>
+          <p:cNvSpPr txBox="1">
+            <a:spLocks noGrp="1"/>
+          </p:cNvSpPr>
           <p:nvPr>
-            <p:ph idx="1" type="body"/>
+            <p:ph type="body" idx="1"/>
           </p:nvPr>
         </p:nvSpPr>
         <p:spPr>
@@ -1474,23 +1532,20 @@
           </a:prstGeom>
         </p:spPr>
         <p:txBody>
-          <a:bodyPr anchorCtr="0" anchor="t" bIns="91425" lIns="91425" spcFirstLastPara="1" rIns="91425" wrap="square" tIns="91425">
+          <a:bodyPr spcFirstLastPara="1" wrap="square" lIns="91425" tIns="91425" rIns="91425" bIns="91425" anchor="t" anchorCtr="0">
             <a:noAutofit/>
           </a:bodyPr>
           <a:lstStyle/>
           <a:p>
-            <a:pPr indent="0" lvl="0" marL="0" rtl="0" algn="l">
-              <a:spcBef>
-                <a:spcPts val="0"/>
-              </a:spcBef>
-              <a:spcAft>
-                <a:spcPts val="0"/>
-              </a:spcAft>
-              <a:buNone/>
-            </a:pPr>
-            <a:r>
-              <a:t/>
-            </a:r>
+            <a:pPr marL="0" lvl="0" indent="0" algn="l" rtl="0">
+              <a:spcBef>
+                <a:spcPts val="0"/>
+              </a:spcBef>
+              <a:spcAft>
+                <a:spcPts val="0"/>
+              </a:spcAft>
+              <a:buNone/>
+            </a:pPr>
             <a:endParaRPr/>
           </a:p>
         </p:txBody>
@@ -1504,11 +1559,11 @@
 </file>
 
 <file path=ppt/notesSlides/notesSlide8.xml><?xml version="1.0" encoding="utf-8"?>
-<p:notes xmlns:a="http://schemas.openxmlformats.org/drawingml/2006/main" xmlns:r="http://schemas.openxmlformats.org/officeDocument/2006/relationships" xmlns:mc="http://schemas.openxmlformats.org/markup-compatibility/2006" xmlns:mv="urn:schemas-microsoft-com:mac:vml" xmlns:p="http://schemas.openxmlformats.org/presentationml/2006/main" xmlns:c="http://schemas.openxmlformats.org/drawingml/2006/chart" xmlns:dgm="http://schemas.openxmlformats.org/drawingml/2006/diagram" xmlns:o="urn:schemas-microsoft-com:office:office" xmlns:v="urn:schemas-microsoft-com:vml" xmlns:pvml="urn:schemas-microsoft-com:office:powerpoint" xmlns:com="http://schemas.openxmlformats.org/drawingml/2006/compatibility" xmlns:p14="http://schemas.microsoft.com/office/powerpoint/2010/main" xmlns:p15="http://schemas.microsoft.com/office/powerpoint/2012/main" xmlns:ahyp="http://schemas.microsoft.com/office/drawing/2018/hyperlinkcolor" showMasterPhAnim="0" showMasterSp="0">
+<p:notes xmlns:a="http://schemas.openxmlformats.org/drawingml/2006/main" xmlns:r="http://schemas.openxmlformats.org/officeDocument/2006/relationships" xmlns:p="http://schemas.openxmlformats.org/presentationml/2006/main" showMasterSp="0" showMasterPhAnim="0">
   <p:cSld>
     <p:spTree>
       <p:nvGrpSpPr>
-        <p:cNvPr id="136" name="Shape 136"/>
+        <p:cNvPr id="1" name="Shape 136"/>
         <p:cNvGrpSpPr/>
         <p:nvPr/>
       </p:nvGrpSpPr>
@@ -1523,9 +1578,11 @@
       <p:sp>
         <p:nvSpPr>
           <p:cNvPr id="137" name="Google Shape;137;g103549951e6_1_48:notes"/>
-          <p:cNvSpPr/>
+          <p:cNvSpPr>
+            <a:spLocks noGrp="1" noRot="1" noChangeAspect="1"/>
+          </p:cNvSpPr>
           <p:nvPr>
-            <p:ph idx="2" type="sldImg"/>
+            <p:ph type="sldImg" idx="2"/>
           </p:nvPr>
         </p:nvSpPr>
         <p:spPr>
@@ -1534,9 +1591,13 @@
             <a:ext cx="6096000" cy="3429000"/>
           </a:xfrm>
           <a:custGeom>
-            <a:rect b="b" l="l" r="r" t="t"/>
+            <a:avLst/>
+            <a:gdLst/>
+            <a:ahLst/>
+            <a:cxnLst/>
+            <a:rect l="l" t="t" r="r" b="b"/>
             <a:pathLst>
-              <a:path extrusionOk="0" h="120000" w="120000">
+              <a:path w="120000" h="120000" extrusionOk="0">
                 <a:moveTo>
                   <a:pt x="0" y="0"/>
                 </a:moveTo>
@@ -1558,9 +1619,11 @@
       <p:sp>
         <p:nvSpPr>
           <p:cNvPr id="138" name="Google Shape;138;g103549951e6_1_48:notes"/>
-          <p:cNvSpPr txBox="1"/>
+          <p:cNvSpPr txBox="1">
+            <a:spLocks noGrp="1"/>
+          </p:cNvSpPr>
           <p:nvPr>
-            <p:ph idx="1" type="body"/>
+            <p:ph type="body" idx="1"/>
           </p:nvPr>
         </p:nvSpPr>
         <p:spPr>
@@ -1573,23 +1636,20 @@
           </a:prstGeom>
         </p:spPr>
         <p:txBody>
-          <a:bodyPr anchorCtr="0" anchor="t" bIns="91425" lIns="91425" spcFirstLastPara="1" rIns="91425" wrap="square" tIns="91425">
+          <a:bodyPr spcFirstLastPara="1" wrap="square" lIns="91425" tIns="91425" rIns="91425" bIns="91425" anchor="t" anchorCtr="0">
             <a:noAutofit/>
           </a:bodyPr>
           <a:lstStyle/>
           <a:p>
-            <a:pPr indent="0" lvl="0" marL="0" rtl="0" algn="l">
-              <a:spcBef>
-                <a:spcPts val="0"/>
-              </a:spcBef>
-              <a:spcAft>
-                <a:spcPts val="0"/>
-              </a:spcAft>
-              <a:buNone/>
-            </a:pPr>
-            <a:r>
-              <a:t/>
-            </a:r>
+            <a:pPr marL="0" lvl="0" indent="0" algn="l" rtl="0">
+              <a:spcBef>
+                <a:spcPts val="0"/>
+              </a:spcBef>
+              <a:spcAft>
+                <a:spcPts val="0"/>
+              </a:spcAft>
+              <a:buNone/>
+            </a:pPr>
             <a:endParaRPr/>
           </a:p>
         </p:txBody>
@@ -1603,11 +1663,11 @@
 </file>
 
 <file path=ppt/notesSlides/notesSlide9.xml><?xml version="1.0" encoding="utf-8"?>
-<p:notes xmlns:a="http://schemas.openxmlformats.org/drawingml/2006/main" xmlns:r="http://schemas.openxmlformats.org/officeDocument/2006/relationships" xmlns:mc="http://schemas.openxmlformats.org/markup-compatibility/2006" xmlns:mv="urn:schemas-microsoft-com:mac:vml" xmlns:p="http://schemas.openxmlformats.org/presentationml/2006/main" xmlns:c="http://schemas.openxmlformats.org/drawingml/2006/chart" xmlns:dgm="http://schemas.openxmlformats.org/drawingml/2006/diagram" xmlns:o="urn:schemas-microsoft-com:office:office" xmlns:v="urn:schemas-microsoft-com:vml" xmlns:pvml="urn:schemas-microsoft-com:office:powerpoint" xmlns:com="http://schemas.openxmlformats.org/drawingml/2006/compatibility" xmlns:p14="http://schemas.microsoft.com/office/powerpoint/2010/main" xmlns:p15="http://schemas.microsoft.com/office/powerpoint/2012/main" xmlns:ahyp="http://schemas.microsoft.com/office/drawing/2018/hyperlinkcolor" showMasterPhAnim="0" showMasterSp="0">
+<p:notes xmlns:a="http://schemas.openxmlformats.org/drawingml/2006/main" xmlns:r="http://schemas.openxmlformats.org/officeDocument/2006/relationships" xmlns:p="http://schemas.openxmlformats.org/presentationml/2006/main" showMasterSp="0" showMasterPhAnim="0">
   <p:cSld>
     <p:spTree>
       <p:nvGrpSpPr>
-        <p:cNvPr id="142" name="Shape 142"/>
+        <p:cNvPr id="1" name="Shape 142"/>
         <p:cNvGrpSpPr/>
         <p:nvPr/>
       </p:nvGrpSpPr>
@@ -1622,9 +1682,11 @@
       <p:sp>
         <p:nvSpPr>
           <p:cNvPr id="143" name="Google Shape;143;g103549951e6_1_57:notes"/>
-          <p:cNvSpPr/>
+          <p:cNvSpPr>
+            <a:spLocks noGrp="1" noRot="1" noChangeAspect="1"/>
+          </p:cNvSpPr>
           <p:nvPr>
-            <p:ph idx="2" type="sldImg"/>
+            <p:ph type="sldImg" idx="2"/>
           </p:nvPr>
         </p:nvSpPr>
         <p:spPr>
@@ -1633,9 +1695,13 @@
             <a:ext cx="6096000" cy="3429000"/>
           </a:xfrm>
           <a:custGeom>
-            <a:rect b="b" l="l" r="r" t="t"/>
+            <a:avLst/>
+            <a:gdLst/>
+            <a:ahLst/>
+            <a:cxnLst/>
+            <a:rect l="l" t="t" r="r" b="b"/>
             <a:pathLst>
-              <a:path extrusionOk="0" h="120000" w="120000">
+              <a:path w="120000" h="120000" extrusionOk="0">
                 <a:moveTo>
                   <a:pt x="0" y="0"/>
                 </a:moveTo>
@@ -1657,9 +1723,11 @@
       <p:sp>
         <p:nvSpPr>
           <p:cNvPr id="144" name="Google Shape;144;g103549951e6_1_57:notes"/>
-          <p:cNvSpPr txBox="1"/>
+          <p:cNvSpPr txBox="1">
+            <a:spLocks noGrp="1"/>
+          </p:cNvSpPr>
           <p:nvPr>
-            <p:ph idx="1" type="body"/>
+            <p:ph type="body" idx="1"/>
           </p:nvPr>
         </p:nvSpPr>
         <p:spPr>
@@ -1672,23 +1740,20 @@
           </a:prstGeom>
         </p:spPr>
         <p:txBody>
-          <a:bodyPr anchorCtr="0" anchor="t" bIns="91425" lIns="91425" spcFirstLastPara="1" rIns="91425" wrap="square" tIns="91425">
+          <a:bodyPr spcFirstLastPara="1" wrap="square" lIns="91425" tIns="91425" rIns="91425" bIns="91425" anchor="t" anchorCtr="0">
             <a:noAutofit/>
           </a:bodyPr>
           <a:lstStyle/>
           <a:p>
-            <a:pPr indent="0" lvl="0" marL="0" rtl="0" algn="l">
-              <a:spcBef>
-                <a:spcPts val="0"/>
-              </a:spcBef>
-              <a:spcAft>
-                <a:spcPts val="0"/>
-              </a:spcAft>
-              <a:buNone/>
-            </a:pPr>
-            <a:r>
-              <a:t/>
-            </a:r>
+            <a:pPr marL="0" lvl="0" indent="0" algn="l" rtl="0">
+              <a:spcBef>
+                <a:spcPts val="0"/>
+              </a:spcBef>
+              <a:spcAft>
+                <a:spcPts val="0"/>
+              </a:spcAft>
+              <a:buNone/>
+            </a:pPr>
             <a:endParaRPr/>
           </a:p>
         </p:txBody>
@@ -1702,18 +1767,19 @@
 </file>
 
 <file path=ppt/slideLayouts/slideLayout1.xml><?xml version="1.0" encoding="utf-8"?>
-<p:sldLayout xmlns:a="http://schemas.openxmlformats.org/drawingml/2006/main" xmlns:r="http://schemas.openxmlformats.org/officeDocument/2006/relationships" xmlns:mc="http://schemas.openxmlformats.org/markup-compatibility/2006" xmlns:mv="urn:schemas-microsoft-com:mac:vml" xmlns:p="http://schemas.openxmlformats.org/presentationml/2006/main" xmlns:c="http://schemas.openxmlformats.org/drawingml/2006/chart" xmlns:dgm="http://schemas.openxmlformats.org/drawingml/2006/diagram" xmlns:o="urn:schemas-microsoft-com:office:office" xmlns:v="urn:schemas-microsoft-com:vml" xmlns:pvml="urn:schemas-microsoft-com:office:powerpoint" xmlns:com="http://schemas.openxmlformats.org/drawingml/2006/compatibility" xmlns:p14="http://schemas.microsoft.com/office/powerpoint/2010/main" xmlns:p15="http://schemas.microsoft.com/office/powerpoint/2012/main" xmlns:ahyp="http://schemas.microsoft.com/office/drawing/2018/hyperlinkcolor" matchingName="Title slide" type="title">
+<p:sldLayout xmlns:a="http://schemas.openxmlformats.org/drawingml/2006/main" xmlns:r="http://schemas.openxmlformats.org/officeDocument/2006/relationships" xmlns:p="http://schemas.openxmlformats.org/presentationml/2006/main" matchingName="Title slide" type="title">
   <p:cSld name="TITLE">
     <p:bg>
       <p:bgPr>
         <a:solidFill>
           <a:schemeClr val="dk1"/>
         </a:solidFill>
+        <a:effectLst/>
       </p:bgPr>
     </p:bg>
     <p:spTree>
       <p:nvGrpSpPr>
-        <p:cNvPr id="9" name="Shape 9"/>
+        <p:cNvPr id="1" name="Shape 9"/>
         <p:cNvGrpSpPr/>
         <p:nvPr/>
       </p:nvGrpSpPr>
@@ -1737,9 +1803,13 @@
             <a:ext cx="9144250" cy="4398100"/>
           </a:xfrm>
           <a:custGeom>
-            <a:rect b="b" l="l" r="r" t="t"/>
+            <a:avLst/>
+            <a:gdLst/>
+            <a:ahLst/>
+            <a:cxnLst/>
+            <a:rect l="l" t="t" r="r" b="b"/>
             <a:pathLst>
-              <a:path extrusionOk="0" h="175924" w="365770">
+              <a:path w="365770" h="175924" extrusionOk="0">
                 <a:moveTo>
                   <a:pt x="0" y="0"/>
                 </a:moveTo>
@@ -1767,7 +1837,9 @@
       <p:sp>
         <p:nvSpPr>
           <p:cNvPr id="11" name="Google Shape;11;p2"/>
-          <p:cNvSpPr txBox="1"/>
+          <p:cNvSpPr txBox="1">
+            <a:spLocks noGrp="1"/>
+          </p:cNvSpPr>
           <p:nvPr>
             <p:ph type="ctrTitle"/>
           </p:nvPr>
@@ -1782,7 +1854,7 @@
           </a:prstGeom>
         </p:spPr>
         <p:txBody>
-          <a:bodyPr anchorCtr="0" anchor="t" bIns="91425" lIns="91425" spcFirstLastPara="1" rIns="91425" wrap="square" tIns="91425">
+          <a:bodyPr spcFirstLastPara="1" wrap="square" lIns="91425" tIns="91425" rIns="91425" bIns="91425" anchor="t" anchorCtr="0">
             <a:normAutofit/>
           </a:bodyPr>
           <a:lstStyle>
@@ -1886,15 +1958,19 @@
               <a:defRPr sz="3600"/>
             </a:lvl9pPr>
           </a:lstStyle>
-          <a:p/>
+          <a:p>
+            <a:endParaRPr/>
+          </a:p>
         </p:txBody>
       </p:sp>
       <p:sp>
         <p:nvSpPr>
           <p:cNvPr id="12" name="Google Shape;12;p2"/>
-          <p:cNvSpPr txBox="1"/>
+          <p:cNvSpPr txBox="1">
+            <a:spLocks noGrp="1"/>
+          </p:cNvSpPr>
           <p:nvPr>
-            <p:ph idx="1" type="subTitle"/>
+            <p:ph type="subTitle" idx="1"/>
           </p:nvPr>
         </p:nvSpPr>
         <p:spPr>
@@ -1907,7 +1983,7 @@
           </a:prstGeom>
         </p:spPr>
         <p:txBody>
-          <a:bodyPr anchorCtr="0" anchor="t" bIns="91425" lIns="91425" spcFirstLastPara="1" rIns="91425" wrap="square" tIns="91425">
+          <a:bodyPr spcFirstLastPara="1" wrap="square" lIns="91425" tIns="91425" rIns="91425" bIns="91425" anchor="t" anchorCtr="0">
             <a:normAutofit/>
           </a:bodyPr>
           <a:lstStyle>
@@ -2101,15 +2177,19 @@
               </a:defRPr>
             </a:lvl9pPr>
           </a:lstStyle>
-          <a:p/>
+          <a:p>
+            <a:endParaRPr/>
+          </a:p>
         </p:txBody>
       </p:sp>
       <p:sp>
         <p:nvSpPr>
           <p:cNvPr id="13" name="Google Shape;13;p2"/>
-          <p:cNvSpPr txBox="1"/>
+          <p:cNvSpPr txBox="1">
+            <a:spLocks noGrp="1"/>
+          </p:cNvSpPr>
           <p:nvPr>
-            <p:ph idx="12" type="sldNum"/>
+            <p:ph type="sldNum" idx="12"/>
           </p:nvPr>
         </p:nvSpPr>
         <p:spPr>
@@ -2122,7 +2202,7 @@
           </a:prstGeom>
         </p:spPr>
         <p:txBody>
-          <a:bodyPr anchorCtr="0" anchor="ctr" bIns="91425" lIns="91425" spcFirstLastPara="1" rIns="91425" wrap="square" tIns="91425">
+          <a:bodyPr spcFirstLastPara="1" wrap="square" lIns="91425" tIns="91425" rIns="91425" bIns="91425" anchor="ctr" anchorCtr="0">
             <a:normAutofit/>
           </a:bodyPr>
           <a:lstStyle>
@@ -2200,7 +2280,7 @@
             </a:lvl9pPr>
           </a:lstStyle>
           <a:p>
-            <a:pPr indent="0" lvl="0" marL="0" rtl="0" algn="r">
+            <a:pPr marL="0" lvl="0" indent="0" algn="r" rtl="0">
               <a:spcBef>
                 <a:spcPts val="0"/>
               </a:spcBef>
@@ -2226,18 +2306,19 @@
 </file>
 
 <file path=ppt/slideLayouts/slideLayout10.xml><?xml version="1.0" encoding="utf-8"?>
-<p:sldLayout xmlns:a="http://schemas.openxmlformats.org/drawingml/2006/main" xmlns:r="http://schemas.openxmlformats.org/officeDocument/2006/relationships" xmlns:mc="http://schemas.openxmlformats.org/markup-compatibility/2006" xmlns:mv="urn:schemas-microsoft-com:mac:vml" xmlns:p="http://schemas.openxmlformats.org/presentationml/2006/main" xmlns:c="http://schemas.openxmlformats.org/drawingml/2006/chart" xmlns:dgm="http://schemas.openxmlformats.org/drawingml/2006/diagram" xmlns:o="urn:schemas-microsoft-com:office:office" xmlns:v="urn:schemas-microsoft-com:vml" xmlns:pvml="urn:schemas-microsoft-com:office:powerpoint" xmlns:com="http://schemas.openxmlformats.org/drawingml/2006/compatibility" xmlns:p14="http://schemas.microsoft.com/office/powerpoint/2010/main" xmlns:p15="http://schemas.microsoft.com/office/powerpoint/2012/main" xmlns:ahyp="http://schemas.microsoft.com/office/drawing/2018/hyperlinkcolor" matchingName="Big number">
+<p:sldLayout xmlns:a="http://schemas.openxmlformats.org/drawingml/2006/main" xmlns:r="http://schemas.openxmlformats.org/officeDocument/2006/relationships" xmlns:p="http://schemas.openxmlformats.org/presentationml/2006/main" matchingName="Big number">
   <p:cSld name="BIG_NUMBER">
     <p:bg>
       <p:bgPr>
         <a:solidFill>
           <a:schemeClr val="dk1"/>
         </a:solidFill>
+        <a:effectLst/>
       </p:bgPr>
     </p:bg>
     <p:spTree>
       <p:nvGrpSpPr>
-        <p:cNvPr id="54" name="Shape 54"/>
+        <p:cNvPr id="1" name="Shape 54"/>
         <p:cNvGrpSpPr/>
         <p:nvPr/>
       </p:nvGrpSpPr>
@@ -2252,9 +2333,11 @@
       <p:sp>
         <p:nvSpPr>
           <p:cNvPr id="55" name="Google Shape;55;p11"/>
-          <p:cNvSpPr txBox="1"/>
+          <p:cNvSpPr txBox="1">
+            <a:spLocks noGrp="1"/>
+          </p:cNvSpPr>
           <p:nvPr>
-            <p:ph hasCustomPrompt="1" type="title"/>
+            <p:ph type="title" hasCustomPrompt="1"/>
           </p:nvPr>
         </p:nvSpPr>
         <p:spPr>
@@ -2267,7 +2350,7 @@
           </a:prstGeom>
         </p:spPr>
         <p:txBody>
-          <a:bodyPr anchorCtr="0" anchor="b" bIns="91425" lIns="91425" spcFirstLastPara="1" rIns="91425" wrap="square" tIns="91425">
+          <a:bodyPr spcFirstLastPara="1" wrap="square" lIns="91425" tIns="91425" rIns="91425" bIns="91425" anchor="b" anchorCtr="0">
             <a:normAutofit/>
           </a:bodyPr>
           <a:lstStyle>
@@ -2444,9 +2527,11 @@
       <p:sp>
         <p:nvSpPr>
           <p:cNvPr id="56" name="Google Shape;56;p11"/>
-          <p:cNvSpPr txBox="1"/>
+          <p:cNvSpPr txBox="1">
+            <a:spLocks noGrp="1"/>
+          </p:cNvSpPr>
           <p:nvPr>
-            <p:ph idx="1" type="body"/>
+            <p:ph type="body" idx="1"/>
           </p:nvPr>
         </p:nvSpPr>
         <p:spPr>
@@ -2459,11 +2544,11 @@
           </a:prstGeom>
         </p:spPr>
         <p:txBody>
-          <a:bodyPr anchorCtr="0" anchor="t" bIns="91425" lIns="91425" spcFirstLastPara="1" rIns="91425" wrap="square" tIns="91425">
+          <a:bodyPr spcFirstLastPara="1" wrap="square" lIns="91425" tIns="91425" rIns="91425" bIns="91425" anchor="t" anchorCtr="0">
             <a:normAutofit/>
           </a:bodyPr>
           <a:lstStyle>
-            <a:lvl1pPr indent="-311150" lvl="0" marL="457200" rtl="0">
+            <a:lvl1pPr marL="457200" lvl="0" indent="-311150" rtl="0">
               <a:spcBef>
                 <a:spcPts val="0"/>
               </a:spcBef>
@@ -2481,7 +2566,7 @@
                 </a:solidFill>
               </a:defRPr>
             </a:lvl1pPr>
-            <a:lvl2pPr indent="-298450" lvl="1" marL="914400" rtl="0">
+            <a:lvl2pPr marL="914400" lvl="1" indent="-298450" rtl="0">
               <a:spcBef>
                 <a:spcPts val="0"/>
               </a:spcBef>
@@ -2499,7 +2584,7 @@
                 </a:solidFill>
               </a:defRPr>
             </a:lvl2pPr>
-            <a:lvl3pPr indent="-298450" lvl="2" marL="1371600" rtl="0">
+            <a:lvl3pPr marL="1371600" lvl="2" indent="-298450" rtl="0">
               <a:spcBef>
                 <a:spcPts val="0"/>
               </a:spcBef>
@@ -2517,7 +2602,7 @@
                 </a:solidFill>
               </a:defRPr>
             </a:lvl3pPr>
-            <a:lvl4pPr indent="-298450" lvl="3" marL="1828800" rtl="0">
+            <a:lvl4pPr marL="1828800" lvl="3" indent="-298450" rtl="0">
               <a:spcBef>
                 <a:spcPts val="0"/>
               </a:spcBef>
@@ -2535,7 +2620,7 @@
                 </a:solidFill>
               </a:defRPr>
             </a:lvl4pPr>
-            <a:lvl5pPr indent="-298450" lvl="4" marL="2286000" rtl="0">
+            <a:lvl5pPr marL="2286000" lvl="4" indent="-298450" rtl="0">
               <a:spcBef>
                 <a:spcPts val="0"/>
               </a:spcBef>
@@ -2553,7 +2638,7 @@
                 </a:solidFill>
               </a:defRPr>
             </a:lvl5pPr>
-            <a:lvl6pPr indent="-298450" lvl="5" marL="2743200" rtl="0">
+            <a:lvl6pPr marL="2743200" lvl="5" indent="-298450" rtl="0">
               <a:spcBef>
                 <a:spcPts val="0"/>
               </a:spcBef>
@@ -2571,7 +2656,7 @@
                 </a:solidFill>
               </a:defRPr>
             </a:lvl6pPr>
-            <a:lvl7pPr indent="-298450" lvl="6" marL="3200400" rtl="0">
+            <a:lvl7pPr marL="3200400" lvl="6" indent="-298450" rtl="0">
               <a:spcBef>
                 <a:spcPts val="0"/>
               </a:spcBef>
@@ -2589,7 +2674,7 @@
                 </a:solidFill>
               </a:defRPr>
             </a:lvl7pPr>
-            <a:lvl8pPr indent="-298450" lvl="7" marL="3657600" rtl="0">
+            <a:lvl8pPr marL="3657600" lvl="7" indent="-298450" rtl="0">
               <a:spcBef>
                 <a:spcPts val="0"/>
               </a:spcBef>
@@ -2607,7 +2692,7 @@
                 </a:solidFill>
               </a:defRPr>
             </a:lvl8pPr>
-            <a:lvl9pPr indent="-298450" lvl="8" marL="4114800" rtl="0">
+            <a:lvl9pPr marL="4114800" lvl="8" indent="-298450" rtl="0">
               <a:spcBef>
                 <a:spcPts val="0"/>
               </a:spcBef>
@@ -2626,15 +2711,19 @@
               </a:defRPr>
             </a:lvl9pPr>
           </a:lstStyle>
-          <a:p/>
+          <a:p>
+            <a:endParaRPr/>
+          </a:p>
         </p:txBody>
       </p:sp>
       <p:sp>
         <p:nvSpPr>
           <p:cNvPr id="57" name="Google Shape;57;p11"/>
-          <p:cNvSpPr txBox="1"/>
+          <p:cNvSpPr txBox="1">
+            <a:spLocks noGrp="1"/>
+          </p:cNvSpPr>
           <p:nvPr>
-            <p:ph idx="12" type="sldNum"/>
+            <p:ph type="sldNum" idx="12"/>
           </p:nvPr>
         </p:nvSpPr>
         <p:spPr>
@@ -2647,7 +2736,7 @@
           </a:prstGeom>
         </p:spPr>
         <p:txBody>
-          <a:bodyPr anchorCtr="0" anchor="ctr" bIns="91425" lIns="91425" spcFirstLastPara="1" rIns="91425" wrap="square" tIns="91425">
+          <a:bodyPr spcFirstLastPara="1" wrap="square" lIns="91425" tIns="91425" rIns="91425" bIns="91425" anchor="ctr" anchorCtr="0">
             <a:normAutofit/>
           </a:bodyPr>
           <a:lstStyle>
@@ -2725,7 +2814,7 @@
             </a:lvl9pPr>
           </a:lstStyle>
           <a:p>
-            <a:pPr indent="0" lvl="0" marL="0" rtl="0" algn="r">
+            <a:pPr marL="0" lvl="0" indent="0" algn="r" rtl="0">
               <a:spcBef>
                 <a:spcPts val="0"/>
               </a:spcBef>
@@ -2751,11 +2840,11 @@
 </file>
 
 <file path=ppt/slideLayouts/slideLayout11.xml><?xml version="1.0" encoding="utf-8"?>
-<p:sldLayout xmlns:a="http://schemas.openxmlformats.org/drawingml/2006/main" xmlns:r="http://schemas.openxmlformats.org/officeDocument/2006/relationships" xmlns:mc="http://schemas.openxmlformats.org/markup-compatibility/2006" xmlns:mv="urn:schemas-microsoft-com:mac:vml" xmlns:p="http://schemas.openxmlformats.org/presentationml/2006/main" xmlns:c="http://schemas.openxmlformats.org/drawingml/2006/chart" xmlns:dgm="http://schemas.openxmlformats.org/drawingml/2006/diagram" xmlns:o="urn:schemas-microsoft-com:office:office" xmlns:v="urn:schemas-microsoft-com:vml" xmlns:pvml="urn:schemas-microsoft-com:office:powerpoint" xmlns:com="http://schemas.openxmlformats.org/drawingml/2006/compatibility" xmlns:p14="http://schemas.microsoft.com/office/powerpoint/2010/main" xmlns:p15="http://schemas.microsoft.com/office/powerpoint/2012/main" xmlns:ahyp="http://schemas.microsoft.com/office/drawing/2018/hyperlinkcolor" matchingName="Blank" type="blank">
+<p:sldLayout xmlns:a="http://schemas.openxmlformats.org/drawingml/2006/main" xmlns:r="http://schemas.openxmlformats.org/officeDocument/2006/relationships" xmlns:p="http://schemas.openxmlformats.org/presentationml/2006/main" matchingName="Blank" type="blank">
   <p:cSld name="BLANK">
     <p:spTree>
       <p:nvGrpSpPr>
-        <p:cNvPr id="58" name="Shape 58"/>
+        <p:cNvPr id="1" name="Shape 58"/>
         <p:cNvGrpSpPr/>
         <p:nvPr/>
       </p:nvGrpSpPr>
@@ -2770,9 +2859,11 @@
       <p:sp>
         <p:nvSpPr>
           <p:cNvPr id="59" name="Google Shape;59;p12"/>
-          <p:cNvSpPr txBox="1"/>
+          <p:cNvSpPr txBox="1">
+            <a:spLocks noGrp="1"/>
+          </p:cNvSpPr>
           <p:nvPr>
-            <p:ph idx="12" type="sldNum"/>
+            <p:ph type="sldNum" idx="12"/>
           </p:nvPr>
         </p:nvSpPr>
         <p:spPr>
@@ -2785,7 +2876,7 @@
           </a:prstGeom>
         </p:spPr>
         <p:txBody>
-          <a:bodyPr anchorCtr="0" anchor="ctr" bIns="91425" lIns="91425" spcFirstLastPara="1" rIns="91425" wrap="square" tIns="91425">
+          <a:bodyPr spcFirstLastPara="1" wrap="square" lIns="91425" tIns="91425" rIns="91425" bIns="91425" anchor="ctr" anchorCtr="0">
             <a:normAutofit/>
           </a:bodyPr>
           <a:lstStyle>
@@ -2827,7 +2918,7 @@
             </a:lvl9pPr>
           </a:lstStyle>
           <a:p>
-            <a:pPr indent="0" lvl="0" marL="0" rtl="0" algn="r">
+            <a:pPr marL="0" lvl="0" indent="0" algn="r" rtl="0">
               <a:spcBef>
                 <a:spcPts val="0"/>
               </a:spcBef>
@@ -2853,18 +2944,19 @@
 </file>
 
 <file path=ppt/slideLayouts/slideLayout2.xml><?xml version="1.0" encoding="utf-8"?>
-<p:sldLayout xmlns:a="http://schemas.openxmlformats.org/drawingml/2006/main" xmlns:r="http://schemas.openxmlformats.org/officeDocument/2006/relationships" xmlns:mc="http://schemas.openxmlformats.org/markup-compatibility/2006" xmlns:mv="urn:schemas-microsoft-com:mac:vml" xmlns:p="http://schemas.openxmlformats.org/presentationml/2006/main" xmlns:c="http://schemas.openxmlformats.org/drawingml/2006/chart" xmlns:dgm="http://schemas.openxmlformats.org/drawingml/2006/diagram" xmlns:o="urn:schemas-microsoft-com:office:office" xmlns:v="urn:schemas-microsoft-com:vml" xmlns:pvml="urn:schemas-microsoft-com:office:powerpoint" xmlns:com="http://schemas.openxmlformats.org/drawingml/2006/compatibility" xmlns:p14="http://schemas.microsoft.com/office/powerpoint/2010/main" xmlns:p15="http://schemas.microsoft.com/office/powerpoint/2012/main" xmlns:ahyp="http://schemas.microsoft.com/office/drawing/2018/hyperlinkcolor" matchingName="Section header" type="secHead">
+<p:sldLayout xmlns:a="http://schemas.openxmlformats.org/drawingml/2006/main" xmlns:r="http://schemas.openxmlformats.org/officeDocument/2006/relationships" xmlns:p="http://schemas.openxmlformats.org/presentationml/2006/main" matchingName="Section header" type="secHead">
   <p:cSld name="SECTION_HEADER">
     <p:bg>
       <p:bgPr>
         <a:solidFill>
           <a:schemeClr val="accent3"/>
         </a:solidFill>
+        <a:effectLst/>
       </p:bgPr>
     </p:bg>
     <p:spTree>
       <p:nvGrpSpPr>
-        <p:cNvPr id="14" name="Shape 14"/>
+        <p:cNvPr id="1" name="Shape 14"/>
         <p:cNvGrpSpPr/>
         <p:nvPr/>
       </p:nvGrpSpPr>
@@ -2888,9 +2980,13 @@
             <a:ext cx="9144250" cy="4398100"/>
           </a:xfrm>
           <a:custGeom>
-            <a:rect b="b" l="l" r="r" t="t"/>
+            <a:avLst/>
+            <a:gdLst/>
+            <a:ahLst/>
+            <a:cxnLst/>
+            <a:rect l="l" t="t" r="r" b="b"/>
             <a:pathLst>
-              <a:path extrusionOk="0" h="175924" w="365770">
+              <a:path w="365770" h="175924" extrusionOk="0">
                 <a:moveTo>
                   <a:pt x="0" y="0"/>
                 </a:moveTo>
@@ -2927,9 +3023,13 @@
             <a:ext cx="9144250" cy="4398100"/>
           </a:xfrm>
           <a:custGeom>
-            <a:rect b="b" l="l" r="r" t="t"/>
+            <a:avLst/>
+            <a:gdLst/>
+            <a:ahLst/>
+            <a:cxnLst/>
+            <a:rect l="l" t="t" r="r" b="b"/>
             <a:pathLst>
-              <a:path extrusionOk="0" h="175924" w="365770">
+              <a:path w="365770" h="175924" extrusionOk="0">
                 <a:moveTo>
                   <a:pt x="0" y="0"/>
                 </a:moveTo>
@@ -2957,7 +3057,9 @@
       <p:sp>
         <p:nvSpPr>
           <p:cNvPr id="17" name="Google Shape;17;p3"/>
-          <p:cNvSpPr txBox="1"/>
+          <p:cNvSpPr txBox="1">
+            <a:spLocks noGrp="1"/>
+          </p:cNvSpPr>
           <p:nvPr>
             <p:ph type="title"/>
           </p:nvPr>
@@ -2972,7 +3074,7 @@
           </a:prstGeom>
         </p:spPr>
         <p:txBody>
-          <a:bodyPr anchorCtr="0" anchor="t" bIns="91425" lIns="91425" spcFirstLastPara="1" rIns="91425" wrap="square" tIns="91425">
+          <a:bodyPr spcFirstLastPara="1" wrap="square" lIns="91425" tIns="91425" rIns="91425" bIns="91425" anchor="t" anchorCtr="0">
             <a:normAutofit/>
           </a:bodyPr>
           <a:lstStyle>
@@ -3076,15 +3178,19 @@
               <a:defRPr sz="3600"/>
             </a:lvl9pPr>
           </a:lstStyle>
-          <a:p/>
+          <a:p>
+            <a:endParaRPr/>
+          </a:p>
         </p:txBody>
       </p:sp>
       <p:sp>
         <p:nvSpPr>
           <p:cNvPr id="18" name="Google Shape;18;p3"/>
-          <p:cNvSpPr txBox="1"/>
+          <p:cNvSpPr txBox="1">
+            <a:spLocks noGrp="1"/>
+          </p:cNvSpPr>
           <p:nvPr>
-            <p:ph idx="12" type="sldNum"/>
+            <p:ph type="sldNum" idx="12"/>
           </p:nvPr>
         </p:nvSpPr>
         <p:spPr>
@@ -3097,7 +3203,7 @@
           </a:prstGeom>
         </p:spPr>
         <p:txBody>
-          <a:bodyPr anchorCtr="0" anchor="ctr" bIns="91425" lIns="91425" spcFirstLastPara="1" rIns="91425" wrap="square" tIns="91425">
+          <a:bodyPr spcFirstLastPara="1" wrap="square" lIns="91425" tIns="91425" rIns="91425" bIns="91425" anchor="ctr" anchorCtr="0">
             <a:normAutofit/>
           </a:bodyPr>
           <a:lstStyle>
@@ -3175,7 +3281,7 @@
             </a:lvl9pPr>
           </a:lstStyle>
           <a:p>
-            <a:pPr indent="0" lvl="0" marL="0" rtl="0" algn="r">
+            <a:pPr marL="0" lvl="0" indent="0" algn="r" rtl="0">
               <a:spcBef>
                 <a:spcPts val="0"/>
               </a:spcBef>
@@ -3201,11 +3307,11 @@
 </file>
 
 <file path=ppt/slideLayouts/slideLayout3.xml><?xml version="1.0" encoding="utf-8"?>
-<p:sldLayout xmlns:a="http://schemas.openxmlformats.org/drawingml/2006/main" xmlns:r="http://schemas.openxmlformats.org/officeDocument/2006/relationships" xmlns:mc="http://schemas.openxmlformats.org/markup-compatibility/2006" xmlns:mv="urn:schemas-microsoft-com:mac:vml" xmlns:p="http://schemas.openxmlformats.org/presentationml/2006/main" xmlns:c="http://schemas.openxmlformats.org/drawingml/2006/chart" xmlns:dgm="http://schemas.openxmlformats.org/drawingml/2006/diagram" xmlns:o="urn:schemas-microsoft-com:office:office" xmlns:v="urn:schemas-microsoft-com:vml" xmlns:pvml="urn:schemas-microsoft-com:office:powerpoint" xmlns:com="http://schemas.openxmlformats.org/drawingml/2006/compatibility" xmlns:p14="http://schemas.microsoft.com/office/powerpoint/2010/main" xmlns:p15="http://schemas.microsoft.com/office/powerpoint/2012/main" xmlns:ahyp="http://schemas.microsoft.com/office/drawing/2018/hyperlinkcolor" matchingName="Title and body" type="tx">
+<p:sldLayout xmlns:a="http://schemas.openxmlformats.org/drawingml/2006/main" xmlns:r="http://schemas.openxmlformats.org/officeDocument/2006/relationships" xmlns:p="http://schemas.openxmlformats.org/presentationml/2006/main" matchingName="Title and body" type="tx">
   <p:cSld name="TITLE_AND_BODY">
     <p:spTree>
       <p:nvGrpSpPr>
-        <p:cNvPr id="19" name="Shape 19"/>
+        <p:cNvPr id="1" name="Shape 19"/>
         <p:cNvGrpSpPr/>
         <p:nvPr/>
       </p:nvGrpSpPr>
@@ -3239,23 +3345,20 @@
           </a:ln>
         </p:spPr>
         <p:txBody>
-          <a:bodyPr anchorCtr="0" anchor="ctr" bIns="91425" lIns="91425" spcFirstLastPara="1" rIns="91425" wrap="square" tIns="91425">
+          <a:bodyPr spcFirstLastPara="1" wrap="square" lIns="91425" tIns="91425" rIns="91425" bIns="91425" anchor="ctr" anchorCtr="0">
             <a:noAutofit/>
           </a:bodyPr>
           <a:lstStyle/>
           <a:p>
-            <a:pPr indent="0" lvl="0" marL="0" rtl="0" algn="l">
-              <a:spcBef>
-                <a:spcPts val="0"/>
-              </a:spcBef>
-              <a:spcAft>
-                <a:spcPts val="0"/>
-              </a:spcAft>
-              <a:buNone/>
-            </a:pPr>
-            <a:r>
-              <a:t/>
-            </a:r>
+            <a:pPr marL="0" lvl="0" indent="0" algn="l" rtl="0">
+              <a:spcBef>
+                <a:spcPts val="0"/>
+              </a:spcBef>
+              <a:spcAft>
+                <a:spcPts val="0"/>
+              </a:spcAft>
+              <a:buNone/>
+            </a:pPr>
             <a:endParaRPr/>
           </a:p>
         </p:txBody>
@@ -3272,9 +3375,13 @@
             <a:ext cx="4313625" cy="4399375"/>
           </a:xfrm>
           <a:custGeom>
-            <a:rect b="b" l="l" r="r" t="t"/>
+            <a:avLst/>
+            <a:gdLst/>
+            <a:ahLst/>
+            <a:cxnLst/>
+            <a:rect l="l" t="t" r="r" b="b"/>
             <a:pathLst>
-              <a:path extrusionOk="0" h="175975" w="172545">
+              <a:path w="172545" h="175975" extrusionOk="0">
                 <a:moveTo>
                   <a:pt x="0" y="157"/>
                 </a:moveTo>
@@ -3311,9 +3418,13 @@
             <a:ext cx="4316900" cy="4395600"/>
           </a:xfrm>
           <a:custGeom>
-            <a:rect b="b" l="l" r="r" t="t"/>
+            <a:avLst/>
+            <a:gdLst/>
+            <a:ahLst/>
+            <a:cxnLst/>
+            <a:rect l="l" t="t" r="r" b="b"/>
             <a:pathLst>
-              <a:path extrusionOk="0" h="175824" w="172676">
+              <a:path w="172676" h="175824" extrusionOk="0">
                 <a:moveTo>
                   <a:pt x="0" y="6"/>
                 </a:moveTo>
@@ -3341,7 +3452,9 @@
       <p:sp>
         <p:nvSpPr>
           <p:cNvPr id="23" name="Google Shape;23;p4"/>
-          <p:cNvSpPr txBox="1"/>
+          <p:cNvSpPr txBox="1">
+            <a:spLocks noGrp="1"/>
+          </p:cNvSpPr>
           <p:nvPr>
             <p:ph type="title"/>
           </p:nvPr>
@@ -3356,7 +3469,7 @@
           </a:prstGeom>
         </p:spPr>
         <p:txBody>
-          <a:bodyPr anchorCtr="0" anchor="t" bIns="91425" lIns="91425" spcFirstLastPara="1" rIns="91425" wrap="square" tIns="91425">
+          <a:bodyPr spcFirstLastPara="1" wrap="square" lIns="91425" tIns="91425" rIns="91425" bIns="91425" anchor="t" anchorCtr="0">
             <a:normAutofit/>
           </a:bodyPr>
           <a:lstStyle>
@@ -3523,15 +3636,19 @@
               </a:defRPr>
             </a:lvl9pPr>
           </a:lstStyle>
-          <a:p/>
+          <a:p>
+            <a:endParaRPr/>
+          </a:p>
         </p:txBody>
       </p:sp>
       <p:sp>
         <p:nvSpPr>
           <p:cNvPr id="24" name="Google Shape;24;p4"/>
-          <p:cNvSpPr txBox="1"/>
+          <p:cNvSpPr txBox="1">
+            <a:spLocks noGrp="1"/>
+          </p:cNvSpPr>
           <p:nvPr>
-            <p:ph idx="1" type="body"/>
+            <p:ph type="body" idx="1"/>
           </p:nvPr>
         </p:nvSpPr>
         <p:spPr>
@@ -3544,11 +3661,11 @@
           </a:prstGeom>
         </p:spPr>
         <p:txBody>
-          <a:bodyPr anchorCtr="0" anchor="t" bIns="91425" lIns="91425" spcFirstLastPara="1" rIns="91425" wrap="square" tIns="91425">
+          <a:bodyPr spcFirstLastPara="1" wrap="square" lIns="91425" tIns="91425" rIns="91425" bIns="91425" anchor="t" anchorCtr="0">
             <a:normAutofit/>
           </a:bodyPr>
           <a:lstStyle>
-            <a:lvl1pPr indent="-311150" lvl="0" marL="457200" rtl="0">
+            <a:lvl1pPr marL="457200" lvl="0" indent="-311150" rtl="0">
               <a:spcBef>
                 <a:spcPts val="0"/>
               </a:spcBef>
@@ -3559,7 +3676,7 @@
               <a:buChar char="●"/>
               <a:defRPr/>
             </a:lvl1pPr>
-            <a:lvl2pPr indent="-298450" lvl="1" marL="914400" rtl="0">
+            <a:lvl2pPr marL="914400" lvl="1" indent="-298450" rtl="0">
               <a:spcBef>
                 <a:spcPts val="0"/>
               </a:spcBef>
@@ -3570,7 +3687,7 @@
               <a:buChar char="○"/>
               <a:defRPr/>
             </a:lvl2pPr>
-            <a:lvl3pPr indent="-298450" lvl="2" marL="1371600" rtl="0">
+            <a:lvl3pPr marL="1371600" lvl="2" indent="-298450" rtl="0">
               <a:spcBef>
                 <a:spcPts val="0"/>
               </a:spcBef>
@@ -3581,7 +3698,7 @@
               <a:buChar char="■"/>
               <a:defRPr/>
             </a:lvl3pPr>
-            <a:lvl4pPr indent="-298450" lvl="3" marL="1828800" rtl="0">
+            <a:lvl4pPr marL="1828800" lvl="3" indent="-298450" rtl="0">
               <a:spcBef>
                 <a:spcPts val="0"/>
               </a:spcBef>
@@ -3592,7 +3709,7 @@
               <a:buChar char="●"/>
               <a:defRPr/>
             </a:lvl4pPr>
-            <a:lvl5pPr indent="-298450" lvl="4" marL="2286000" rtl="0">
+            <a:lvl5pPr marL="2286000" lvl="4" indent="-298450" rtl="0">
               <a:spcBef>
                 <a:spcPts val="0"/>
               </a:spcBef>
@@ -3603,7 +3720,7 @@
               <a:buChar char="○"/>
               <a:defRPr/>
             </a:lvl5pPr>
-            <a:lvl6pPr indent="-298450" lvl="5" marL="2743200" rtl="0">
+            <a:lvl6pPr marL="2743200" lvl="5" indent="-298450" rtl="0">
               <a:spcBef>
                 <a:spcPts val="0"/>
               </a:spcBef>
@@ -3614,7 +3731,7 @@
               <a:buChar char="■"/>
               <a:defRPr/>
             </a:lvl6pPr>
-            <a:lvl7pPr indent="-298450" lvl="6" marL="3200400" rtl="0">
+            <a:lvl7pPr marL="3200400" lvl="6" indent="-298450" rtl="0">
               <a:spcBef>
                 <a:spcPts val="0"/>
               </a:spcBef>
@@ -3625,7 +3742,7 @@
               <a:buChar char="●"/>
               <a:defRPr/>
             </a:lvl7pPr>
-            <a:lvl8pPr indent="-298450" lvl="7" marL="3657600" rtl="0">
+            <a:lvl8pPr marL="3657600" lvl="7" indent="-298450" rtl="0">
               <a:spcBef>
                 <a:spcPts val="0"/>
               </a:spcBef>
@@ -3636,7 +3753,7 @@
               <a:buChar char="○"/>
               <a:defRPr/>
             </a:lvl8pPr>
-            <a:lvl9pPr indent="-298450" lvl="8" marL="4114800" rtl="0">
+            <a:lvl9pPr marL="4114800" lvl="8" indent="-298450" rtl="0">
               <a:spcBef>
                 <a:spcPts val="0"/>
               </a:spcBef>
@@ -3648,15 +3765,19 @@
               <a:defRPr/>
             </a:lvl9pPr>
           </a:lstStyle>
-          <a:p/>
+          <a:p>
+            <a:endParaRPr/>
+          </a:p>
         </p:txBody>
       </p:sp>
       <p:sp>
         <p:nvSpPr>
           <p:cNvPr id="25" name="Google Shape;25;p4"/>
-          <p:cNvSpPr txBox="1"/>
+          <p:cNvSpPr txBox="1">
+            <a:spLocks noGrp="1"/>
+          </p:cNvSpPr>
           <p:nvPr>
-            <p:ph idx="12" type="sldNum"/>
+            <p:ph type="sldNum" idx="12"/>
           </p:nvPr>
         </p:nvSpPr>
         <p:spPr>
@@ -3669,7 +3790,7 @@
           </a:prstGeom>
         </p:spPr>
         <p:txBody>
-          <a:bodyPr anchorCtr="0" anchor="ctr" bIns="91425" lIns="91425" spcFirstLastPara="1" rIns="91425" wrap="square" tIns="91425">
+          <a:bodyPr spcFirstLastPara="1" wrap="square" lIns="91425" tIns="91425" rIns="91425" bIns="91425" anchor="ctr" anchorCtr="0">
             <a:normAutofit/>
           </a:bodyPr>
           <a:lstStyle>
@@ -3711,7 +3832,7 @@
             </a:lvl9pPr>
           </a:lstStyle>
           <a:p>
-            <a:pPr indent="0" lvl="0" marL="0" rtl="0" algn="r">
+            <a:pPr marL="0" lvl="0" indent="0" algn="r" rtl="0">
               <a:spcBef>
                 <a:spcPts val="0"/>
               </a:spcBef>
@@ -3737,11 +3858,11 @@
 </file>
 
 <file path=ppt/slideLayouts/slideLayout4.xml><?xml version="1.0" encoding="utf-8"?>
-<p:sldLayout xmlns:a="http://schemas.openxmlformats.org/drawingml/2006/main" xmlns:r="http://schemas.openxmlformats.org/officeDocument/2006/relationships" xmlns:mc="http://schemas.openxmlformats.org/markup-compatibility/2006" xmlns:mv="urn:schemas-microsoft-com:mac:vml" xmlns:p="http://schemas.openxmlformats.org/presentationml/2006/main" xmlns:c="http://schemas.openxmlformats.org/drawingml/2006/chart" xmlns:dgm="http://schemas.openxmlformats.org/drawingml/2006/diagram" xmlns:o="urn:schemas-microsoft-com:office:office" xmlns:v="urn:schemas-microsoft-com:vml" xmlns:pvml="urn:schemas-microsoft-com:office:powerpoint" xmlns:com="http://schemas.openxmlformats.org/drawingml/2006/compatibility" xmlns:p14="http://schemas.microsoft.com/office/powerpoint/2010/main" xmlns:p15="http://schemas.microsoft.com/office/powerpoint/2012/main" xmlns:ahyp="http://schemas.microsoft.com/office/drawing/2018/hyperlinkcolor" matchingName="Title and two columns" type="twoColTx">
+<p:sldLayout xmlns:a="http://schemas.openxmlformats.org/drawingml/2006/main" xmlns:r="http://schemas.openxmlformats.org/officeDocument/2006/relationships" xmlns:p="http://schemas.openxmlformats.org/presentationml/2006/main" matchingName="Title and two columns" type="twoColTx">
   <p:cSld name="TITLE_AND_TWO_COLUMNS">
     <p:spTree>
       <p:nvGrpSpPr>
-        <p:cNvPr id="26" name="Shape 26"/>
+        <p:cNvPr id="1" name="Shape 26"/>
         <p:cNvGrpSpPr/>
         <p:nvPr/>
       </p:nvGrpSpPr>
@@ -3775,23 +3896,20 @@
           </a:ln>
         </p:spPr>
         <p:txBody>
-          <a:bodyPr anchorCtr="0" anchor="ctr" bIns="91425" lIns="91425" spcFirstLastPara="1" rIns="91425" wrap="square" tIns="91425">
+          <a:bodyPr spcFirstLastPara="1" wrap="square" lIns="91425" tIns="91425" rIns="91425" bIns="91425" anchor="ctr" anchorCtr="0">
             <a:noAutofit/>
           </a:bodyPr>
           <a:lstStyle/>
           <a:p>
-            <a:pPr indent="0" lvl="0" marL="0" rtl="0" algn="l">
-              <a:spcBef>
-                <a:spcPts val="0"/>
-              </a:spcBef>
-              <a:spcAft>
-                <a:spcPts val="0"/>
-              </a:spcAft>
-              <a:buNone/>
-            </a:pPr>
-            <a:r>
-              <a:t/>
-            </a:r>
+            <a:pPr marL="0" lvl="0" indent="0" algn="l" rtl="0">
+              <a:spcBef>
+                <a:spcPts val="0"/>
+              </a:spcBef>
+              <a:spcAft>
+                <a:spcPts val="0"/>
+              </a:spcAft>
+              <a:buNone/>
+            </a:pPr>
             <a:endParaRPr/>
           </a:p>
         </p:txBody>
@@ -3799,7 +3917,9 @@
       <p:sp>
         <p:nvSpPr>
           <p:cNvPr id="28" name="Google Shape;28;p5"/>
-          <p:cNvSpPr txBox="1"/>
+          <p:cNvSpPr txBox="1">
+            <a:spLocks noGrp="1"/>
+          </p:cNvSpPr>
           <p:nvPr>
             <p:ph type="title"/>
           </p:nvPr>
@@ -3814,7 +3934,7 @@
           </a:prstGeom>
         </p:spPr>
         <p:txBody>
-          <a:bodyPr anchorCtr="0" anchor="t" bIns="91425" lIns="91425" spcFirstLastPara="1" rIns="91425" wrap="square" tIns="91425">
+          <a:bodyPr spcFirstLastPara="1" wrap="square" lIns="91425" tIns="91425" rIns="91425" bIns="91425" anchor="t" anchorCtr="0">
             <a:normAutofit/>
           </a:bodyPr>
           <a:lstStyle>
@@ -3981,15 +4101,19 @@
               </a:defRPr>
             </a:lvl9pPr>
           </a:lstStyle>
-          <a:p/>
+          <a:p>
+            <a:endParaRPr/>
+          </a:p>
         </p:txBody>
       </p:sp>
       <p:sp>
         <p:nvSpPr>
           <p:cNvPr id="29" name="Google Shape;29;p5"/>
-          <p:cNvSpPr txBox="1"/>
+          <p:cNvSpPr txBox="1">
+            <a:spLocks noGrp="1"/>
+          </p:cNvSpPr>
           <p:nvPr>
-            <p:ph idx="1" type="body"/>
+            <p:ph type="body" idx="1"/>
           </p:nvPr>
         </p:nvSpPr>
         <p:spPr>
@@ -4002,11 +4126,11 @@
           </a:prstGeom>
         </p:spPr>
         <p:txBody>
-          <a:bodyPr anchorCtr="0" anchor="t" bIns="91425" lIns="91425" spcFirstLastPara="1" rIns="91425" wrap="square" tIns="91425">
+          <a:bodyPr spcFirstLastPara="1" wrap="square" lIns="91425" tIns="91425" rIns="91425" bIns="91425" anchor="t" anchorCtr="0">
             <a:normAutofit/>
           </a:bodyPr>
           <a:lstStyle>
-            <a:lvl1pPr indent="-311150" lvl="0" marL="457200" rtl="0">
+            <a:lvl1pPr marL="457200" lvl="0" indent="-311150" rtl="0">
               <a:spcBef>
                 <a:spcPts val="0"/>
               </a:spcBef>
@@ -4017,7 +4141,7 @@
               <a:buChar char="●"/>
               <a:defRPr/>
             </a:lvl1pPr>
-            <a:lvl2pPr indent="-298450" lvl="1" marL="914400" rtl="0">
+            <a:lvl2pPr marL="914400" lvl="1" indent="-298450" rtl="0">
               <a:spcBef>
                 <a:spcPts val="0"/>
               </a:spcBef>
@@ -4028,7 +4152,7 @@
               <a:buChar char="○"/>
               <a:defRPr/>
             </a:lvl2pPr>
-            <a:lvl3pPr indent="-298450" lvl="2" marL="1371600" rtl="0">
+            <a:lvl3pPr marL="1371600" lvl="2" indent="-298450" rtl="0">
               <a:spcBef>
                 <a:spcPts val="0"/>
               </a:spcBef>
@@ -4039,7 +4163,7 @@
               <a:buChar char="■"/>
               <a:defRPr/>
             </a:lvl3pPr>
-            <a:lvl4pPr indent="-298450" lvl="3" marL="1828800" rtl="0">
+            <a:lvl4pPr marL="1828800" lvl="3" indent="-298450" rtl="0">
               <a:spcBef>
                 <a:spcPts val="0"/>
               </a:spcBef>
@@ -4050,7 +4174,7 @@
               <a:buChar char="●"/>
               <a:defRPr/>
             </a:lvl4pPr>
-            <a:lvl5pPr indent="-298450" lvl="4" marL="2286000" rtl="0">
+            <a:lvl5pPr marL="2286000" lvl="4" indent="-298450" rtl="0">
               <a:spcBef>
                 <a:spcPts val="0"/>
               </a:spcBef>
@@ -4061,7 +4185,7 @@
               <a:buChar char="○"/>
               <a:defRPr/>
             </a:lvl5pPr>
-            <a:lvl6pPr indent="-298450" lvl="5" marL="2743200" rtl="0">
+            <a:lvl6pPr marL="2743200" lvl="5" indent="-298450" rtl="0">
               <a:spcBef>
                 <a:spcPts val="0"/>
               </a:spcBef>
@@ -4072,7 +4196,7 @@
               <a:buChar char="■"/>
               <a:defRPr/>
             </a:lvl6pPr>
-            <a:lvl7pPr indent="-298450" lvl="6" marL="3200400" rtl="0">
+            <a:lvl7pPr marL="3200400" lvl="6" indent="-298450" rtl="0">
               <a:spcBef>
                 <a:spcPts val="0"/>
               </a:spcBef>
@@ -4083,7 +4207,7 @@
               <a:buChar char="●"/>
               <a:defRPr/>
             </a:lvl7pPr>
-            <a:lvl8pPr indent="-298450" lvl="7" marL="3657600" rtl="0">
+            <a:lvl8pPr marL="3657600" lvl="7" indent="-298450" rtl="0">
               <a:spcBef>
                 <a:spcPts val="0"/>
               </a:spcBef>
@@ -4094,7 +4218,7 @@
               <a:buChar char="○"/>
               <a:defRPr/>
             </a:lvl8pPr>
-            <a:lvl9pPr indent="-298450" lvl="8" marL="4114800" rtl="0">
+            <a:lvl9pPr marL="4114800" lvl="8" indent="-298450" rtl="0">
               <a:spcBef>
                 <a:spcPts val="0"/>
               </a:spcBef>
@@ -4106,15 +4230,19 @@
               <a:defRPr/>
             </a:lvl9pPr>
           </a:lstStyle>
-          <a:p/>
+          <a:p>
+            <a:endParaRPr/>
+          </a:p>
         </p:txBody>
       </p:sp>
       <p:sp>
         <p:nvSpPr>
           <p:cNvPr id="30" name="Google Shape;30;p5"/>
-          <p:cNvSpPr txBox="1"/>
+          <p:cNvSpPr txBox="1">
+            <a:spLocks noGrp="1"/>
+          </p:cNvSpPr>
           <p:nvPr>
-            <p:ph idx="2" type="body"/>
+            <p:ph type="body" idx="2"/>
           </p:nvPr>
         </p:nvSpPr>
         <p:spPr>
@@ -4127,11 +4255,11 @@
           </a:prstGeom>
         </p:spPr>
         <p:txBody>
-          <a:bodyPr anchorCtr="0" anchor="t" bIns="91425" lIns="91425" spcFirstLastPara="1" rIns="91425" wrap="square" tIns="91425">
+          <a:bodyPr spcFirstLastPara="1" wrap="square" lIns="91425" tIns="91425" rIns="91425" bIns="91425" anchor="t" anchorCtr="0">
             <a:normAutofit/>
           </a:bodyPr>
           <a:lstStyle>
-            <a:lvl1pPr indent="-311150" lvl="0" marL="457200" rtl="0">
+            <a:lvl1pPr marL="457200" lvl="0" indent="-311150" rtl="0">
               <a:spcBef>
                 <a:spcPts val="0"/>
               </a:spcBef>
@@ -4142,7 +4270,7 @@
               <a:buChar char="●"/>
               <a:defRPr/>
             </a:lvl1pPr>
-            <a:lvl2pPr indent="-298450" lvl="1" marL="914400" rtl="0">
+            <a:lvl2pPr marL="914400" lvl="1" indent="-298450" rtl="0">
               <a:spcBef>
                 <a:spcPts val="0"/>
               </a:spcBef>
@@ -4153,7 +4281,7 @@
               <a:buChar char="○"/>
               <a:defRPr/>
             </a:lvl2pPr>
-            <a:lvl3pPr indent="-298450" lvl="2" marL="1371600" rtl="0">
+            <a:lvl3pPr marL="1371600" lvl="2" indent="-298450" rtl="0">
               <a:spcBef>
                 <a:spcPts val="0"/>
               </a:spcBef>
@@ -4164,7 +4292,7 @@
               <a:buChar char="■"/>
               <a:defRPr/>
             </a:lvl3pPr>
-            <a:lvl4pPr indent="-298450" lvl="3" marL="1828800" rtl="0">
+            <a:lvl4pPr marL="1828800" lvl="3" indent="-298450" rtl="0">
               <a:spcBef>
                 <a:spcPts val="0"/>
               </a:spcBef>
@@ -4175,7 +4303,7 @@
               <a:buChar char="●"/>
               <a:defRPr/>
             </a:lvl4pPr>
-            <a:lvl5pPr indent="-298450" lvl="4" marL="2286000" rtl="0">
+            <a:lvl5pPr marL="2286000" lvl="4" indent="-298450" rtl="0">
               <a:spcBef>
                 <a:spcPts val="0"/>
               </a:spcBef>
@@ -4186,7 +4314,7 @@
               <a:buChar char="○"/>
               <a:defRPr/>
             </a:lvl5pPr>
-            <a:lvl6pPr indent="-298450" lvl="5" marL="2743200" rtl="0">
+            <a:lvl6pPr marL="2743200" lvl="5" indent="-298450" rtl="0">
               <a:spcBef>
                 <a:spcPts val="0"/>
               </a:spcBef>
@@ -4197,7 +4325,7 @@
               <a:buChar char="■"/>
               <a:defRPr/>
             </a:lvl6pPr>
-            <a:lvl7pPr indent="-298450" lvl="6" marL="3200400" rtl="0">
+            <a:lvl7pPr marL="3200400" lvl="6" indent="-298450" rtl="0">
               <a:spcBef>
                 <a:spcPts val="0"/>
               </a:spcBef>
@@ -4208,7 +4336,7 @@
               <a:buChar char="●"/>
               <a:defRPr/>
             </a:lvl7pPr>
-            <a:lvl8pPr indent="-298450" lvl="7" marL="3657600" rtl="0">
+            <a:lvl8pPr marL="3657600" lvl="7" indent="-298450" rtl="0">
               <a:spcBef>
                 <a:spcPts val="0"/>
               </a:spcBef>
@@ -4219,7 +4347,7 @@
               <a:buChar char="○"/>
               <a:defRPr/>
             </a:lvl8pPr>
-            <a:lvl9pPr indent="-298450" lvl="8" marL="4114800" rtl="0">
+            <a:lvl9pPr marL="4114800" lvl="8" indent="-298450" rtl="0">
               <a:spcBef>
                 <a:spcPts val="0"/>
               </a:spcBef>
@@ -4231,15 +4359,19 @@
               <a:defRPr/>
             </a:lvl9pPr>
           </a:lstStyle>
-          <a:p/>
+          <a:p>
+            <a:endParaRPr/>
+          </a:p>
         </p:txBody>
       </p:sp>
       <p:sp>
         <p:nvSpPr>
           <p:cNvPr id="31" name="Google Shape;31;p5"/>
-          <p:cNvSpPr txBox="1"/>
+          <p:cNvSpPr txBox="1">
+            <a:spLocks noGrp="1"/>
+          </p:cNvSpPr>
           <p:nvPr>
-            <p:ph idx="12" type="sldNum"/>
+            <p:ph type="sldNum" idx="12"/>
           </p:nvPr>
         </p:nvSpPr>
         <p:spPr>
@@ -4252,7 +4384,7 @@
           </a:prstGeom>
         </p:spPr>
         <p:txBody>
-          <a:bodyPr anchorCtr="0" anchor="ctr" bIns="91425" lIns="91425" spcFirstLastPara="1" rIns="91425" wrap="square" tIns="91425">
+          <a:bodyPr spcFirstLastPara="1" wrap="square" lIns="91425" tIns="91425" rIns="91425" bIns="91425" anchor="ctr" anchorCtr="0">
             <a:normAutofit/>
           </a:bodyPr>
           <a:lstStyle>
@@ -4294,7 +4426,7 @@
             </a:lvl9pPr>
           </a:lstStyle>
           <a:p>
-            <a:pPr indent="0" lvl="0" marL="0" rtl="0" algn="r">
+            <a:pPr marL="0" lvl="0" indent="0" algn="r" rtl="0">
               <a:spcBef>
                 <a:spcPts val="0"/>
               </a:spcBef>
@@ -4320,11 +4452,11 @@
 </file>
 
 <file path=ppt/slideLayouts/slideLayout5.xml><?xml version="1.0" encoding="utf-8"?>
-<p:sldLayout xmlns:a="http://schemas.openxmlformats.org/drawingml/2006/main" xmlns:r="http://schemas.openxmlformats.org/officeDocument/2006/relationships" xmlns:mc="http://schemas.openxmlformats.org/markup-compatibility/2006" xmlns:mv="urn:schemas-microsoft-com:mac:vml" xmlns:p="http://schemas.openxmlformats.org/presentationml/2006/main" xmlns:c="http://schemas.openxmlformats.org/drawingml/2006/chart" xmlns:dgm="http://schemas.openxmlformats.org/drawingml/2006/diagram" xmlns:o="urn:schemas-microsoft-com:office:office" xmlns:v="urn:schemas-microsoft-com:vml" xmlns:pvml="urn:schemas-microsoft-com:office:powerpoint" xmlns:com="http://schemas.openxmlformats.org/drawingml/2006/compatibility" xmlns:p14="http://schemas.microsoft.com/office/powerpoint/2010/main" xmlns:p15="http://schemas.microsoft.com/office/powerpoint/2012/main" xmlns:ahyp="http://schemas.microsoft.com/office/drawing/2018/hyperlinkcolor" matchingName="Title only" type="titleOnly">
+<p:sldLayout xmlns:a="http://schemas.openxmlformats.org/drawingml/2006/main" xmlns:r="http://schemas.openxmlformats.org/officeDocument/2006/relationships" xmlns:p="http://schemas.openxmlformats.org/presentationml/2006/main" matchingName="Title only" type="titleOnly">
   <p:cSld name="TITLE_ONLY">
     <p:spTree>
       <p:nvGrpSpPr>
-        <p:cNvPr id="32" name="Shape 32"/>
+        <p:cNvPr id="1" name="Shape 32"/>
         <p:cNvGrpSpPr/>
         <p:nvPr/>
       </p:nvGrpSpPr>
@@ -4358,23 +4490,20 @@
           </a:ln>
         </p:spPr>
         <p:txBody>
-          <a:bodyPr anchorCtr="0" anchor="ctr" bIns="91425" lIns="91425" spcFirstLastPara="1" rIns="91425" wrap="square" tIns="91425">
+          <a:bodyPr spcFirstLastPara="1" wrap="square" lIns="91425" tIns="91425" rIns="91425" bIns="91425" anchor="ctr" anchorCtr="0">
             <a:noAutofit/>
           </a:bodyPr>
           <a:lstStyle/>
           <a:p>
-            <a:pPr indent="0" lvl="0" marL="0" rtl="0" algn="l">
-              <a:spcBef>
-                <a:spcPts val="0"/>
-              </a:spcBef>
-              <a:spcAft>
-                <a:spcPts val="0"/>
-              </a:spcAft>
-              <a:buNone/>
-            </a:pPr>
-            <a:r>
-              <a:t/>
-            </a:r>
+            <a:pPr marL="0" lvl="0" indent="0" algn="l" rtl="0">
+              <a:spcBef>
+                <a:spcPts val="0"/>
+              </a:spcBef>
+              <a:spcAft>
+                <a:spcPts val="0"/>
+              </a:spcAft>
+              <a:buNone/>
+            </a:pPr>
             <a:endParaRPr/>
           </a:p>
         </p:txBody>
@@ -4382,7 +4511,9 @@
       <p:sp>
         <p:nvSpPr>
           <p:cNvPr id="34" name="Google Shape;34;p6"/>
-          <p:cNvSpPr txBox="1"/>
+          <p:cNvSpPr txBox="1">
+            <a:spLocks noGrp="1"/>
+          </p:cNvSpPr>
           <p:nvPr>
             <p:ph type="title"/>
           </p:nvPr>
@@ -4397,7 +4528,7 @@
           </a:prstGeom>
         </p:spPr>
         <p:txBody>
-          <a:bodyPr anchorCtr="0" anchor="t" bIns="91425" lIns="91425" spcFirstLastPara="1" rIns="91425" wrap="square" tIns="91425">
+          <a:bodyPr spcFirstLastPara="1" wrap="square" lIns="91425" tIns="91425" rIns="91425" bIns="91425" anchor="t" anchorCtr="0">
             <a:normAutofit/>
           </a:bodyPr>
           <a:lstStyle>
@@ -4564,15 +4695,19 @@
               </a:defRPr>
             </a:lvl9pPr>
           </a:lstStyle>
-          <a:p/>
+          <a:p>
+            <a:endParaRPr/>
+          </a:p>
         </p:txBody>
       </p:sp>
       <p:sp>
         <p:nvSpPr>
           <p:cNvPr id="35" name="Google Shape;35;p6"/>
-          <p:cNvSpPr txBox="1"/>
+          <p:cNvSpPr txBox="1">
+            <a:spLocks noGrp="1"/>
+          </p:cNvSpPr>
           <p:nvPr>
-            <p:ph idx="12" type="sldNum"/>
+            <p:ph type="sldNum" idx="12"/>
           </p:nvPr>
         </p:nvSpPr>
         <p:spPr>
@@ -4585,7 +4720,7 @@
           </a:prstGeom>
         </p:spPr>
         <p:txBody>
-          <a:bodyPr anchorCtr="0" anchor="ctr" bIns="91425" lIns="91425" spcFirstLastPara="1" rIns="91425" wrap="square" tIns="91425">
+          <a:bodyPr spcFirstLastPara="1" wrap="square" lIns="91425" tIns="91425" rIns="91425" bIns="91425" anchor="ctr" anchorCtr="0">
             <a:normAutofit/>
           </a:bodyPr>
           <a:lstStyle>
@@ -4627,7 +4762,7 @@
             </a:lvl9pPr>
           </a:lstStyle>
           <a:p>
-            <a:pPr indent="0" lvl="0" marL="0" rtl="0" algn="r">
+            <a:pPr marL="0" lvl="0" indent="0" algn="r" rtl="0">
               <a:spcBef>
                 <a:spcPts val="0"/>
               </a:spcBef>
@@ -4653,11 +4788,11 @@
 </file>
 
 <file path=ppt/slideLayouts/slideLayout6.xml><?xml version="1.0" encoding="utf-8"?>
-<p:sldLayout xmlns:a="http://schemas.openxmlformats.org/drawingml/2006/main" xmlns:r="http://schemas.openxmlformats.org/officeDocument/2006/relationships" xmlns:mc="http://schemas.openxmlformats.org/markup-compatibility/2006" xmlns:mv="urn:schemas-microsoft-com:mac:vml" xmlns:p="http://schemas.openxmlformats.org/presentationml/2006/main" xmlns:c="http://schemas.openxmlformats.org/drawingml/2006/chart" xmlns:dgm="http://schemas.openxmlformats.org/drawingml/2006/diagram" xmlns:o="urn:schemas-microsoft-com:office:office" xmlns:v="urn:schemas-microsoft-com:vml" xmlns:pvml="urn:schemas-microsoft-com:office:powerpoint" xmlns:com="http://schemas.openxmlformats.org/drawingml/2006/compatibility" xmlns:p14="http://schemas.microsoft.com/office/powerpoint/2010/main" xmlns:p15="http://schemas.microsoft.com/office/powerpoint/2012/main" xmlns:ahyp="http://schemas.microsoft.com/office/drawing/2018/hyperlinkcolor" matchingName="One column text">
+<p:sldLayout xmlns:a="http://schemas.openxmlformats.org/drawingml/2006/main" xmlns:r="http://schemas.openxmlformats.org/officeDocument/2006/relationships" xmlns:p="http://schemas.openxmlformats.org/presentationml/2006/main" matchingName="One column text">
   <p:cSld name="ONE_COLUMN_TEXT">
     <p:spTree>
       <p:nvGrpSpPr>
-        <p:cNvPr id="36" name="Shape 36"/>
+        <p:cNvPr id="1" name="Shape 36"/>
         <p:cNvGrpSpPr/>
         <p:nvPr/>
       </p:nvGrpSpPr>
@@ -4691,23 +4826,20 @@
           </a:ln>
         </p:spPr>
         <p:txBody>
-          <a:bodyPr anchorCtr="0" anchor="ctr" bIns="91425" lIns="91425" spcFirstLastPara="1" rIns="91425" wrap="square" tIns="91425">
+          <a:bodyPr spcFirstLastPara="1" wrap="square" lIns="91425" tIns="91425" rIns="91425" bIns="91425" anchor="ctr" anchorCtr="0">
             <a:noAutofit/>
           </a:bodyPr>
           <a:lstStyle/>
           <a:p>
-            <a:pPr indent="0" lvl="0" marL="0" rtl="0" algn="l">
-              <a:spcBef>
-                <a:spcPts val="0"/>
-              </a:spcBef>
-              <a:spcAft>
-                <a:spcPts val="0"/>
-              </a:spcAft>
-              <a:buNone/>
-            </a:pPr>
-            <a:r>
-              <a:t/>
-            </a:r>
+            <a:pPr marL="0" lvl="0" indent="0" algn="l" rtl="0">
+              <a:spcBef>
+                <a:spcPts val="0"/>
+              </a:spcBef>
+              <a:spcAft>
+                <a:spcPts val="0"/>
+              </a:spcAft>
+              <a:buNone/>
+            </a:pPr>
             <a:endParaRPr/>
           </a:p>
         </p:txBody>
@@ -4715,7 +4847,9 @@
       <p:sp>
         <p:nvSpPr>
           <p:cNvPr id="38" name="Google Shape;38;p7"/>
-          <p:cNvSpPr txBox="1"/>
+          <p:cNvSpPr txBox="1">
+            <a:spLocks noGrp="1"/>
+          </p:cNvSpPr>
           <p:nvPr>
             <p:ph type="title"/>
           </p:nvPr>
@@ -4730,7 +4864,7 @@
           </a:prstGeom>
         </p:spPr>
         <p:txBody>
-          <a:bodyPr anchorCtr="0" anchor="t" bIns="91425" lIns="91425" spcFirstLastPara="1" rIns="91425" wrap="square" tIns="91425">
+          <a:bodyPr spcFirstLastPara="1" wrap="square" lIns="91425" tIns="91425" rIns="91425" bIns="91425" anchor="t" anchorCtr="0">
             <a:normAutofit/>
           </a:bodyPr>
           <a:lstStyle>
@@ -4897,15 +5031,19 @@
               </a:defRPr>
             </a:lvl9pPr>
           </a:lstStyle>
-          <a:p/>
+          <a:p>
+            <a:endParaRPr/>
+          </a:p>
         </p:txBody>
       </p:sp>
       <p:sp>
         <p:nvSpPr>
           <p:cNvPr id="39" name="Google Shape;39;p7"/>
-          <p:cNvSpPr txBox="1"/>
+          <p:cNvSpPr txBox="1">
+            <a:spLocks noGrp="1"/>
+          </p:cNvSpPr>
           <p:nvPr>
-            <p:ph idx="1" type="body"/>
+            <p:ph type="body" idx="1"/>
           </p:nvPr>
         </p:nvSpPr>
         <p:spPr>
@@ -4918,11 +5056,11 @@
           </a:prstGeom>
         </p:spPr>
         <p:txBody>
-          <a:bodyPr anchorCtr="0" anchor="t" bIns="91425" lIns="91425" spcFirstLastPara="1" rIns="91425" wrap="square" tIns="91425">
+          <a:bodyPr spcFirstLastPara="1" wrap="square" lIns="91425" tIns="91425" rIns="91425" bIns="91425" anchor="t" anchorCtr="0">
             <a:normAutofit/>
           </a:bodyPr>
           <a:lstStyle>
-            <a:lvl1pPr indent="-311150" lvl="0" marL="457200" rtl="0">
+            <a:lvl1pPr marL="457200" lvl="0" indent="-311150" rtl="0">
               <a:spcBef>
                 <a:spcPts val="0"/>
               </a:spcBef>
@@ -4940,7 +5078,7 @@
                 </a:solidFill>
               </a:defRPr>
             </a:lvl1pPr>
-            <a:lvl2pPr indent="-298450" lvl="1" marL="914400" rtl="0">
+            <a:lvl2pPr marL="914400" lvl="1" indent="-298450" rtl="0">
               <a:spcBef>
                 <a:spcPts val="0"/>
               </a:spcBef>
@@ -4958,7 +5096,7 @@
                 </a:solidFill>
               </a:defRPr>
             </a:lvl2pPr>
-            <a:lvl3pPr indent="-298450" lvl="2" marL="1371600" rtl="0">
+            <a:lvl3pPr marL="1371600" lvl="2" indent="-298450" rtl="0">
               <a:spcBef>
                 <a:spcPts val="0"/>
               </a:spcBef>
@@ -4976,7 +5114,7 @@
                 </a:solidFill>
               </a:defRPr>
             </a:lvl3pPr>
-            <a:lvl4pPr indent="-298450" lvl="3" marL="1828800" rtl="0">
+            <a:lvl4pPr marL="1828800" lvl="3" indent="-298450" rtl="0">
               <a:spcBef>
                 <a:spcPts val="0"/>
               </a:spcBef>
@@ -4994,7 +5132,7 @@
                 </a:solidFill>
               </a:defRPr>
             </a:lvl4pPr>
-            <a:lvl5pPr indent="-298450" lvl="4" marL="2286000" rtl="0">
+            <a:lvl5pPr marL="2286000" lvl="4" indent="-298450" rtl="0">
               <a:spcBef>
                 <a:spcPts val="0"/>
               </a:spcBef>
@@ -5012,7 +5150,7 @@
                 </a:solidFill>
               </a:defRPr>
             </a:lvl5pPr>
-            <a:lvl6pPr indent="-298450" lvl="5" marL="2743200" rtl="0">
+            <a:lvl6pPr marL="2743200" lvl="5" indent="-298450" rtl="0">
               <a:spcBef>
                 <a:spcPts val="0"/>
               </a:spcBef>
@@ -5030,7 +5168,7 @@
                 </a:solidFill>
               </a:defRPr>
             </a:lvl6pPr>
-            <a:lvl7pPr indent="-298450" lvl="6" marL="3200400" rtl="0">
+            <a:lvl7pPr marL="3200400" lvl="6" indent="-298450" rtl="0">
               <a:spcBef>
                 <a:spcPts val="0"/>
               </a:spcBef>
@@ -5048,7 +5186,7 @@
                 </a:solidFill>
               </a:defRPr>
             </a:lvl7pPr>
-            <a:lvl8pPr indent="-298450" lvl="7" marL="3657600" rtl="0">
+            <a:lvl8pPr marL="3657600" lvl="7" indent="-298450" rtl="0">
               <a:spcBef>
                 <a:spcPts val="0"/>
               </a:spcBef>
@@ -5066,7 +5204,7 @@
                 </a:solidFill>
               </a:defRPr>
             </a:lvl8pPr>
-            <a:lvl9pPr indent="-298450" lvl="8" marL="4114800" rtl="0">
+            <a:lvl9pPr marL="4114800" lvl="8" indent="-298450" rtl="0">
               <a:spcBef>
                 <a:spcPts val="0"/>
               </a:spcBef>
@@ -5085,15 +5223,19 @@
               </a:defRPr>
             </a:lvl9pPr>
           </a:lstStyle>
-          <a:p/>
+          <a:p>
+            <a:endParaRPr/>
+          </a:p>
         </p:txBody>
       </p:sp>
       <p:sp>
         <p:nvSpPr>
           <p:cNvPr id="40" name="Google Shape;40;p7"/>
-          <p:cNvSpPr txBox="1"/>
+          <p:cNvSpPr txBox="1">
+            <a:spLocks noGrp="1"/>
+          </p:cNvSpPr>
           <p:nvPr>
-            <p:ph idx="12" type="sldNum"/>
+            <p:ph type="sldNum" idx="12"/>
           </p:nvPr>
         </p:nvSpPr>
         <p:spPr>
@@ -5106,7 +5248,7 @@
           </a:prstGeom>
         </p:spPr>
         <p:txBody>
-          <a:bodyPr anchorCtr="0" anchor="ctr" bIns="91425" lIns="91425" spcFirstLastPara="1" rIns="91425" wrap="square" tIns="91425">
+          <a:bodyPr spcFirstLastPara="1" wrap="square" lIns="91425" tIns="91425" rIns="91425" bIns="91425" anchor="ctr" anchorCtr="0">
             <a:normAutofit/>
           </a:bodyPr>
           <a:lstStyle>
@@ -5148,7 +5290,7 @@
             </a:lvl9pPr>
           </a:lstStyle>
           <a:p>
-            <a:pPr indent="0" lvl="0" marL="0" rtl="0" algn="r">
+            <a:pPr marL="0" lvl="0" indent="0" algn="r" rtl="0">
               <a:spcBef>
                 <a:spcPts val="0"/>
               </a:spcBef>
@@ -5174,18 +5316,19 @@
 </file>
 
 <file path=ppt/slideLayouts/slideLayout7.xml><?xml version="1.0" encoding="utf-8"?>
-<p:sldLayout xmlns:a="http://schemas.openxmlformats.org/drawingml/2006/main" xmlns:r="http://schemas.openxmlformats.org/officeDocument/2006/relationships" xmlns:mc="http://schemas.openxmlformats.org/markup-compatibility/2006" xmlns:mv="urn:schemas-microsoft-com:mac:vml" xmlns:p="http://schemas.openxmlformats.org/presentationml/2006/main" xmlns:c="http://schemas.openxmlformats.org/drawingml/2006/chart" xmlns:dgm="http://schemas.openxmlformats.org/drawingml/2006/diagram" xmlns:o="urn:schemas-microsoft-com:office:office" xmlns:v="urn:schemas-microsoft-com:vml" xmlns:pvml="urn:schemas-microsoft-com:office:powerpoint" xmlns:com="http://schemas.openxmlformats.org/drawingml/2006/compatibility" xmlns:p14="http://schemas.microsoft.com/office/powerpoint/2010/main" xmlns:p15="http://schemas.microsoft.com/office/powerpoint/2012/main" xmlns:ahyp="http://schemas.microsoft.com/office/drawing/2018/hyperlinkcolor" matchingName="Main point">
+<p:sldLayout xmlns:a="http://schemas.openxmlformats.org/drawingml/2006/main" xmlns:r="http://schemas.openxmlformats.org/officeDocument/2006/relationships" xmlns:p="http://schemas.openxmlformats.org/presentationml/2006/main" matchingName="Main point">
   <p:cSld name="MAIN_POINT">
     <p:bg>
       <p:bgPr>
         <a:solidFill>
           <a:schemeClr val="accent3"/>
         </a:solidFill>
+        <a:effectLst/>
       </p:bgPr>
     </p:bg>
     <p:spTree>
       <p:nvGrpSpPr>
-        <p:cNvPr id="41" name="Shape 41"/>
+        <p:cNvPr id="1" name="Shape 41"/>
         <p:cNvGrpSpPr/>
         <p:nvPr/>
       </p:nvGrpSpPr>
@@ -5200,7 +5343,9 @@
       <p:sp>
         <p:nvSpPr>
           <p:cNvPr id="42" name="Google Shape;42;p8"/>
-          <p:cNvSpPr txBox="1"/>
+          <p:cNvSpPr txBox="1">
+            <a:spLocks noGrp="1"/>
+          </p:cNvSpPr>
           <p:nvPr>
             <p:ph type="title"/>
           </p:nvPr>
@@ -5215,7 +5360,7 @@
           </a:prstGeom>
         </p:spPr>
         <p:txBody>
-          <a:bodyPr anchorCtr="0" anchor="ctr" bIns="91425" lIns="91425" spcFirstLastPara="1" rIns="91425" wrap="square" tIns="91425">
+          <a:bodyPr spcFirstLastPara="1" wrap="square" lIns="91425" tIns="91425" rIns="91425" bIns="91425" anchor="ctr" anchorCtr="0">
             <a:normAutofit/>
           </a:bodyPr>
           <a:lstStyle>
@@ -5319,15 +5464,19 @@
               <a:defRPr sz="3600"/>
             </a:lvl9pPr>
           </a:lstStyle>
-          <a:p/>
+          <a:p>
+            <a:endParaRPr/>
+          </a:p>
         </p:txBody>
       </p:sp>
       <p:sp>
         <p:nvSpPr>
           <p:cNvPr id="43" name="Google Shape;43;p8"/>
-          <p:cNvSpPr txBox="1"/>
+          <p:cNvSpPr txBox="1">
+            <a:spLocks noGrp="1"/>
+          </p:cNvSpPr>
           <p:nvPr>
-            <p:ph idx="12" type="sldNum"/>
+            <p:ph type="sldNum" idx="12"/>
           </p:nvPr>
         </p:nvSpPr>
         <p:spPr>
@@ -5340,7 +5489,7 @@
           </a:prstGeom>
         </p:spPr>
         <p:txBody>
-          <a:bodyPr anchorCtr="0" anchor="ctr" bIns="91425" lIns="91425" spcFirstLastPara="1" rIns="91425" wrap="square" tIns="91425">
+          <a:bodyPr spcFirstLastPara="1" wrap="square" lIns="91425" tIns="91425" rIns="91425" bIns="91425" anchor="ctr" anchorCtr="0">
             <a:normAutofit/>
           </a:bodyPr>
           <a:lstStyle>
@@ -5418,7 +5567,7 @@
             </a:lvl9pPr>
           </a:lstStyle>
           <a:p>
-            <a:pPr indent="0" lvl="0" marL="0" rtl="0" algn="r">
+            <a:pPr marL="0" lvl="0" indent="0" algn="r" rtl="0">
               <a:spcBef>
                 <a:spcPts val="0"/>
               </a:spcBef>
@@ -5444,11 +5593,11 @@
 </file>
 
 <file path=ppt/slideLayouts/slideLayout8.xml><?xml version="1.0" encoding="utf-8"?>
-<p:sldLayout xmlns:a="http://schemas.openxmlformats.org/drawingml/2006/main" xmlns:r="http://schemas.openxmlformats.org/officeDocument/2006/relationships" xmlns:mc="http://schemas.openxmlformats.org/markup-compatibility/2006" xmlns:mv="urn:schemas-microsoft-com:mac:vml" xmlns:p="http://schemas.openxmlformats.org/presentationml/2006/main" xmlns:c="http://schemas.openxmlformats.org/drawingml/2006/chart" xmlns:dgm="http://schemas.openxmlformats.org/drawingml/2006/diagram" xmlns:o="urn:schemas-microsoft-com:office:office" xmlns:v="urn:schemas-microsoft-com:vml" xmlns:pvml="urn:schemas-microsoft-com:office:powerpoint" xmlns:com="http://schemas.openxmlformats.org/drawingml/2006/compatibility" xmlns:p14="http://schemas.microsoft.com/office/powerpoint/2010/main" xmlns:p15="http://schemas.microsoft.com/office/powerpoint/2012/main" xmlns:ahyp="http://schemas.microsoft.com/office/drawing/2018/hyperlinkcolor" matchingName="Section title and description">
+<p:sldLayout xmlns:a="http://schemas.openxmlformats.org/drawingml/2006/main" xmlns:r="http://schemas.openxmlformats.org/officeDocument/2006/relationships" xmlns:p="http://schemas.openxmlformats.org/presentationml/2006/main" matchingName="Section title and description">
   <p:cSld name="SECTION_TITLE_AND_DESCRIPTION">
     <p:spTree>
       <p:nvGrpSpPr>
-        <p:cNvPr id="44" name="Shape 44"/>
+        <p:cNvPr id="1" name="Shape 44"/>
         <p:cNvGrpSpPr/>
         <p:nvPr/>
       </p:nvGrpSpPr>
@@ -5482,23 +5631,20 @@
           </a:ln>
         </p:spPr>
         <p:txBody>
-          <a:bodyPr anchorCtr="0" anchor="ctr" bIns="91425" lIns="91425" spcFirstLastPara="1" rIns="91425" wrap="square" tIns="91425">
+          <a:bodyPr spcFirstLastPara="1" wrap="square" lIns="91425" tIns="91425" rIns="91425" bIns="91425" anchor="ctr" anchorCtr="0">
             <a:noAutofit/>
           </a:bodyPr>
           <a:lstStyle/>
           <a:p>
-            <a:pPr indent="0" lvl="0" marL="0" rtl="0" algn="l">
-              <a:spcBef>
-                <a:spcPts val="0"/>
-              </a:spcBef>
-              <a:spcAft>
-                <a:spcPts val="0"/>
-              </a:spcAft>
-              <a:buNone/>
-            </a:pPr>
-            <a:r>
-              <a:t/>
-            </a:r>
+            <a:pPr marL="0" lvl="0" indent="0" algn="l" rtl="0">
+              <a:spcBef>
+                <a:spcPts val="0"/>
+              </a:spcBef>
+              <a:spcAft>
+                <a:spcPts val="0"/>
+              </a:spcAft>
+              <a:buNone/>
+            </a:pPr>
             <a:endParaRPr/>
           </a:p>
         </p:txBody>
@@ -5506,7 +5652,9 @@
       <p:sp>
         <p:nvSpPr>
           <p:cNvPr id="46" name="Google Shape;46;p9"/>
-          <p:cNvSpPr txBox="1"/>
+          <p:cNvSpPr txBox="1">
+            <a:spLocks noGrp="1"/>
+          </p:cNvSpPr>
           <p:nvPr>
             <p:ph type="title"/>
           </p:nvPr>
@@ -5521,7 +5669,7 @@
           </a:prstGeom>
         </p:spPr>
         <p:txBody>
-          <a:bodyPr anchorCtr="0" anchor="t" bIns="91425" lIns="91425" spcFirstLastPara="1" rIns="91425" wrap="square" tIns="91425">
+          <a:bodyPr spcFirstLastPara="1" wrap="square" lIns="91425" tIns="91425" rIns="91425" bIns="91425" anchor="t" anchorCtr="0">
             <a:normAutofit/>
           </a:bodyPr>
           <a:lstStyle>
@@ -5688,15 +5836,19 @@
               </a:defRPr>
             </a:lvl9pPr>
           </a:lstStyle>
-          <a:p/>
+          <a:p>
+            <a:endParaRPr/>
+          </a:p>
         </p:txBody>
       </p:sp>
       <p:sp>
         <p:nvSpPr>
           <p:cNvPr id="47" name="Google Shape;47;p9"/>
-          <p:cNvSpPr txBox="1"/>
+          <p:cNvSpPr txBox="1">
+            <a:spLocks noGrp="1"/>
+          </p:cNvSpPr>
           <p:nvPr>
-            <p:ph idx="1" type="subTitle"/>
+            <p:ph type="subTitle" idx="1"/>
           </p:nvPr>
         </p:nvSpPr>
         <p:spPr>
@@ -5709,7 +5861,7 @@
           </a:prstGeom>
         </p:spPr>
         <p:txBody>
-          <a:bodyPr anchorCtr="0" anchor="t" bIns="91425" lIns="91425" spcFirstLastPara="1" rIns="91425" wrap="square" tIns="91425">
+          <a:bodyPr spcFirstLastPara="1" wrap="square" lIns="91425" tIns="91425" rIns="91425" bIns="91425" anchor="t" anchorCtr="0">
             <a:normAutofit/>
           </a:bodyPr>
           <a:lstStyle>
@@ -5903,15 +6055,19 @@
               </a:defRPr>
             </a:lvl9pPr>
           </a:lstStyle>
-          <a:p/>
+          <a:p>
+            <a:endParaRPr/>
+          </a:p>
         </p:txBody>
       </p:sp>
       <p:sp>
         <p:nvSpPr>
           <p:cNvPr id="48" name="Google Shape;48;p9"/>
-          <p:cNvSpPr txBox="1"/>
+          <p:cNvSpPr txBox="1">
+            <a:spLocks noGrp="1"/>
+          </p:cNvSpPr>
           <p:nvPr>
-            <p:ph idx="2" type="body"/>
+            <p:ph type="body" idx="2"/>
           </p:nvPr>
         </p:nvSpPr>
         <p:spPr>
@@ -5924,11 +6080,11 @@
           </a:prstGeom>
         </p:spPr>
         <p:txBody>
-          <a:bodyPr anchorCtr="0" anchor="t" bIns="91425" lIns="91425" spcFirstLastPara="1" rIns="91425" wrap="square" tIns="91425">
+          <a:bodyPr spcFirstLastPara="1" wrap="square" lIns="91425" tIns="91425" rIns="91425" bIns="91425" anchor="t" anchorCtr="0">
             <a:normAutofit/>
           </a:bodyPr>
           <a:lstStyle>
-            <a:lvl1pPr indent="-311150" lvl="0" marL="457200" rtl="0">
+            <a:lvl1pPr marL="457200" lvl="0" indent="-311150" rtl="0">
               <a:spcBef>
                 <a:spcPts val="0"/>
               </a:spcBef>
@@ -5939,7 +6095,7 @@
               <a:buChar char="●"/>
               <a:defRPr/>
             </a:lvl1pPr>
-            <a:lvl2pPr indent="-298450" lvl="1" marL="914400" rtl="0">
+            <a:lvl2pPr marL="914400" lvl="1" indent="-298450" rtl="0">
               <a:spcBef>
                 <a:spcPts val="0"/>
               </a:spcBef>
@@ -5950,7 +6106,7 @@
               <a:buChar char="○"/>
               <a:defRPr/>
             </a:lvl2pPr>
-            <a:lvl3pPr indent="-298450" lvl="2" marL="1371600" rtl="0">
+            <a:lvl3pPr marL="1371600" lvl="2" indent="-298450" rtl="0">
               <a:spcBef>
                 <a:spcPts val="0"/>
               </a:spcBef>
@@ -5961,7 +6117,7 @@
               <a:buChar char="■"/>
               <a:defRPr/>
             </a:lvl3pPr>
-            <a:lvl4pPr indent="-298450" lvl="3" marL="1828800" rtl="0">
+            <a:lvl4pPr marL="1828800" lvl="3" indent="-298450" rtl="0">
               <a:spcBef>
                 <a:spcPts val="0"/>
               </a:spcBef>
@@ -5972,7 +6128,7 @@
               <a:buChar char="●"/>
               <a:defRPr/>
             </a:lvl4pPr>
-            <a:lvl5pPr indent="-298450" lvl="4" marL="2286000" rtl="0">
+            <a:lvl5pPr marL="2286000" lvl="4" indent="-298450" rtl="0">
               <a:spcBef>
                 <a:spcPts val="0"/>
               </a:spcBef>
@@ -5983,7 +6139,7 @@
               <a:buChar char="○"/>
               <a:defRPr/>
             </a:lvl5pPr>
-            <a:lvl6pPr indent="-298450" lvl="5" marL="2743200" rtl="0">
+            <a:lvl6pPr marL="2743200" lvl="5" indent="-298450" rtl="0">
               <a:spcBef>
                 <a:spcPts val="0"/>
               </a:spcBef>
@@ -5994,7 +6150,7 @@
               <a:buChar char="■"/>
               <a:defRPr/>
             </a:lvl6pPr>
-            <a:lvl7pPr indent="-298450" lvl="6" marL="3200400" rtl="0">
+            <a:lvl7pPr marL="3200400" lvl="6" indent="-298450" rtl="0">
               <a:spcBef>
                 <a:spcPts val="0"/>
               </a:spcBef>
@@ -6005,7 +6161,7 @@
               <a:buChar char="●"/>
               <a:defRPr/>
             </a:lvl7pPr>
-            <a:lvl8pPr indent="-298450" lvl="7" marL="3657600" rtl="0">
+            <a:lvl8pPr marL="3657600" lvl="7" indent="-298450" rtl="0">
               <a:spcBef>
                 <a:spcPts val="0"/>
               </a:spcBef>
@@ -6016,7 +6172,7 @@
               <a:buChar char="○"/>
               <a:defRPr/>
             </a:lvl8pPr>
-            <a:lvl9pPr indent="-298450" lvl="8" marL="4114800" rtl="0">
+            <a:lvl9pPr marL="4114800" lvl="8" indent="-298450" rtl="0">
               <a:spcBef>
                 <a:spcPts val="0"/>
               </a:spcBef>
@@ -6028,15 +6184,19 @@
               <a:defRPr/>
             </a:lvl9pPr>
           </a:lstStyle>
-          <a:p/>
+          <a:p>
+            <a:endParaRPr/>
+          </a:p>
         </p:txBody>
       </p:sp>
       <p:sp>
         <p:nvSpPr>
           <p:cNvPr id="49" name="Google Shape;49;p9"/>
-          <p:cNvSpPr txBox="1"/>
+          <p:cNvSpPr txBox="1">
+            <a:spLocks noGrp="1"/>
+          </p:cNvSpPr>
           <p:nvPr>
-            <p:ph idx="12" type="sldNum"/>
+            <p:ph type="sldNum" idx="12"/>
           </p:nvPr>
         </p:nvSpPr>
         <p:spPr>
@@ -6049,7 +6209,7 @@
           </a:prstGeom>
         </p:spPr>
         <p:txBody>
-          <a:bodyPr anchorCtr="0" anchor="ctr" bIns="91425" lIns="91425" spcFirstLastPara="1" rIns="91425" wrap="square" tIns="91425">
+          <a:bodyPr spcFirstLastPara="1" wrap="square" lIns="91425" tIns="91425" rIns="91425" bIns="91425" anchor="ctr" anchorCtr="0">
             <a:normAutofit/>
           </a:bodyPr>
           <a:lstStyle>
@@ -6091,7 +6251,7 @@
             </a:lvl9pPr>
           </a:lstStyle>
           <a:p>
-            <a:pPr indent="0" lvl="0" marL="0" rtl="0" algn="r">
+            <a:pPr marL="0" lvl="0" indent="0" algn="r" rtl="0">
               <a:spcBef>
                 <a:spcPts val="0"/>
               </a:spcBef>
@@ -6117,11 +6277,11 @@
 </file>
 
 <file path=ppt/slideLayouts/slideLayout9.xml><?xml version="1.0" encoding="utf-8"?>
-<p:sldLayout xmlns:a="http://schemas.openxmlformats.org/drawingml/2006/main" xmlns:r="http://schemas.openxmlformats.org/officeDocument/2006/relationships" xmlns:mc="http://schemas.openxmlformats.org/markup-compatibility/2006" xmlns:mv="urn:schemas-microsoft-com:mac:vml" xmlns:p="http://schemas.openxmlformats.org/presentationml/2006/main" xmlns:c="http://schemas.openxmlformats.org/drawingml/2006/chart" xmlns:dgm="http://schemas.openxmlformats.org/drawingml/2006/diagram" xmlns:o="urn:schemas-microsoft-com:office:office" xmlns:v="urn:schemas-microsoft-com:vml" xmlns:pvml="urn:schemas-microsoft-com:office:powerpoint" xmlns:com="http://schemas.openxmlformats.org/drawingml/2006/compatibility" xmlns:p14="http://schemas.microsoft.com/office/powerpoint/2010/main" xmlns:p15="http://schemas.microsoft.com/office/powerpoint/2012/main" xmlns:ahyp="http://schemas.microsoft.com/office/drawing/2018/hyperlinkcolor" matchingName="Caption">
+<p:sldLayout xmlns:a="http://schemas.openxmlformats.org/drawingml/2006/main" xmlns:r="http://schemas.openxmlformats.org/officeDocument/2006/relationships" xmlns:p="http://schemas.openxmlformats.org/presentationml/2006/main" matchingName="Caption">
   <p:cSld name="CAPTION_ONLY">
     <p:spTree>
       <p:nvGrpSpPr>
-        <p:cNvPr id="50" name="Shape 50"/>
+        <p:cNvPr id="1" name="Shape 50"/>
         <p:cNvGrpSpPr/>
         <p:nvPr/>
       </p:nvGrpSpPr>
@@ -6155,23 +6315,20 @@
           </a:ln>
         </p:spPr>
         <p:txBody>
-          <a:bodyPr anchorCtr="0" anchor="ctr" bIns="91425" lIns="91425" spcFirstLastPara="1" rIns="91425" wrap="square" tIns="91425">
+          <a:bodyPr spcFirstLastPara="1" wrap="square" lIns="91425" tIns="91425" rIns="91425" bIns="91425" anchor="ctr" anchorCtr="0">
             <a:noAutofit/>
           </a:bodyPr>
           <a:lstStyle/>
           <a:p>
-            <a:pPr indent="0" lvl="0" marL="0" rtl="0" algn="l">
-              <a:spcBef>
-                <a:spcPts val="0"/>
-              </a:spcBef>
-              <a:spcAft>
-                <a:spcPts val="0"/>
-              </a:spcAft>
-              <a:buNone/>
-            </a:pPr>
-            <a:r>
-              <a:t/>
-            </a:r>
+            <a:pPr marL="0" lvl="0" indent="0" algn="l" rtl="0">
+              <a:spcBef>
+                <a:spcPts val="0"/>
+              </a:spcBef>
+              <a:spcAft>
+                <a:spcPts val="0"/>
+              </a:spcAft>
+              <a:buNone/>
+            </a:pPr>
             <a:endParaRPr/>
           </a:p>
         </p:txBody>
@@ -6179,9 +6336,11 @@
       <p:sp>
         <p:nvSpPr>
           <p:cNvPr id="52" name="Google Shape;52;p10"/>
-          <p:cNvSpPr txBox="1"/>
+          <p:cNvSpPr txBox="1">
+            <a:spLocks noGrp="1"/>
+          </p:cNvSpPr>
           <p:nvPr>
-            <p:ph idx="1" type="body"/>
+            <p:ph type="body" idx="1"/>
           </p:nvPr>
         </p:nvSpPr>
         <p:spPr>
@@ -6194,11 +6353,11 @@
           </a:prstGeom>
         </p:spPr>
         <p:txBody>
-          <a:bodyPr anchorCtr="0" anchor="ctr" bIns="91425" lIns="91425" spcFirstLastPara="1" rIns="91425" wrap="square" tIns="91425">
+          <a:bodyPr spcFirstLastPara="1" wrap="square" lIns="91425" tIns="91425" rIns="91425" bIns="91425" anchor="ctr" anchorCtr="0">
             <a:normAutofit/>
           </a:bodyPr>
           <a:lstStyle>
-            <a:lvl1pPr indent="-228600" lvl="0" marL="457200" rtl="0">
+            <a:lvl1pPr marL="457200" lvl="0" indent="-228600" rtl="0">
               <a:lnSpc>
                 <a:spcPct val="100000"/>
               </a:lnSpc>
@@ -6225,15 +6384,19 @@
               </a:defRPr>
             </a:lvl1pPr>
           </a:lstStyle>
-          <a:p/>
+          <a:p>
+            <a:endParaRPr/>
+          </a:p>
         </p:txBody>
       </p:sp>
       <p:sp>
         <p:nvSpPr>
           <p:cNvPr id="53" name="Google Shape;53;p10"/>
-          <p:cNvSpPr txBox="1"/>
+          <p:cNvSpPr txBox="1">
+            <a:spLocks noGrp="1"/>
+          </p:cNvSpPr>
           <p:nvPr>
-            <p:ph idx="12" type="sldNum"/>
+            <p:ph type="sldNum" idx="12"/>
           </p:nvPr>
         </p:nvSpPr>
         <p:spPr>
@@ -6246,7 +6409,7 @@
           </a:prstGeom>
         </p:spPr>
         <p:txBody>
-          <a:bodyPr anchorCtr="0" anchor="ctr" bIns="91425" lIns="91425" spcFirstLastPara="1" rIns="91425" wrap="square" tIns="91425">
+          <a:bodyPr spcFirstLastPara="1" wrap="square" lIns="91425" tIns="91425" rIns="91425" bIns="91425" anchor="ctr" anchorCtr="0">
             <a:normAutofit/>
           </a:bodyPr>
           <a:lstStyle>
@@ -6324,7 +6487,7 @@
             </a:lvl9pPr>
           </a:lstStyle>
           <a:p>
-            <a:pPr indent="0" lvl="0" marL="0" rtl="0" algn="r">
+            <a:pPr marL="0" lvl="0" indent="0" algn="r" rtl="0">
               <a:spcBef>
                 <a:spcPts val="0"/>
               </a:spcBef>
@@ -6350,18 +6513,19 @@
 </file>
 
 <file path=ppt/slideMasters/slideMaster1.xml><?xml version="1.0" encoding="utf-8"?>
-<p:sldMaster xmlns:a="http://schemas.openxmlformats.org/drawingml/2006/main" xmlns:r="http://schemas.openxmlformats.org/officeDocument/2006/relationships" xmlns:mc="http://schemas.openxmlformats.org/markup-compatibility/2006" xmlns:mv="urn:schemas-microsoft-com:mac:vml" xmlns:p="http://schemas.openxmlformats.org/presentationml/2006/main" xmlns:c="http://schemas.openxmlformats.org/drawingml/2006/chart" xmlns:dgm="http://schemas.openxmlformats.org/drawingml/2006/diagram" xmlns:o="urn:schemas-microsoft-com:office:office" xmlns:v="urn:schemas-microsoft-com:vml" xmlns:pvml="urn:schemas-microsoft-com:office:powerpoint" xmlns:com="http://schemas.openxmlformats.org/drawingml/2006/compatibility" xmlns:p14="http://schemas.microsoft.com/office/powerpoint/2010/main" xmlns:p15="http://schemas.microsoft.com/office/powerpoint/2012/main" xmlns:ahyp="http://schemas.microsoft.com/office/drawing/2018/hyperlinkcolor">
+<p:sldMaster xmlns:a="http://schemas.openxmlformats.org/drawingml/2006/main" xmlns:r="http://schemas.openxmlformats.org/officeDocument/2006/relationships" xmlns:p="http://schemas.openxmlformats.org/presentationml/2006/main">
   <p:cSld name="paradigm">
     <p:bg>
       <p:bgPr>
         <a:solidFill>
           <a:schemeClr val="lt1"/>
         </a:solidFill>
+        <a:effectLst/>
       </p:bgPr>
     </p:bg>
     <p:spTree>
       <p:nvGrpSpPr>
-        <p:cNvPr id="5" name="Shape 5"/>
+        <p:cNvPr id="1" name="Shape 5"/>
         <p:cNvGrpSpPr/>
         <p:nvPr/>
       </p:nvGrpSpPr>
@@ -6376,7 +6540,9 @@
       <p:sp>
         <p:nvSpPr>
           <p:cNvPr id="6" name="Google Shape;6;p1"/>
-          <p:cNvSpPr txBox="1"/>
+          <p:cNvSpPr txBox="1">
+            <a:spLocks noGrp="1"/>
+          </p:cNvSpPr>
           <p:nvPr>
             <p:ph type="title"/>
           </p:nvPr>
@@ -6395,7 +6561,7 @@
           </a:ln>
         </p:spPr>
         <p:txBody>
-          <a:bodyPr anchorCtr="0" anchor="t" bIns="91425" lIns="91425" spcFirstLastPara="1" rIns="91425" wrap="square" tIns="91425">
+          <a:bodyPr spcFirstLastPara="1" wrap="square" lIns="91425" tIns="91425" rIns="91425" bIns="91425" anchor="t" anchorCtr="0">
             <a:normAutofit/>
           </a:bodyPr>
           <a:lstStyle>
@@ -6607,15 +6773,19 @@
               </a:defRPr>
             </a:lvl9pPr>
           </a:lstStyle>
-          <a:p/>
+          <a:p>
+            <a:endParaRPr/>
+          </a:p>
         </p:txBody>
       </p:sp>
       <p:sp>
         <p:nvSpPr>
           <p:cNvPr id="7" name="Google Shape;7;p1"/>
-          <p:cNvSpPr txBox="1"/>
+          <p:cNvSpPr txBox="1">
+            <a:spLocks noGrp="1"/>
+          </p:cNvSpPr>
           <p:nvPr>
-            <p:ph idx="1" type="body"/>
+            <p:ph type="body" idx="1"/>
           </p:nvPr>
         </p:nvSpPr>
         <p:spPr>
@@ -6632,11 +6802,11 @@
           </a:ln>
         </p:spPr>
         <p:txBody>
-          <a:bodyPr anchorCtr="0" anchor="t" bIns="91425" lIns="91425" spcFirstLastPara="1" rIns="91425" wrap="square" tIns="91425">
+          <a:bodyPr spcFirstLastPara="1" wrap="square" lIns="91425" tIns="91425" rIns="91425" bIns="91425" anchor="t" anchorCtr="0">
             <a:normAutofit/>
           </a:bodyPr>
           <a:lstStyle>
-            <a:lvl1pPr indent="-311150" lvl="0" marL="457200" rtl="0">
+            <a:lvl1pPr marL="457200" lvl="0" indent="-311150" rtl="0">
               <a:lnSpc>
                 <a:spcPct val="115000"/>
               </a:lnSpc>
@@ -6662,7 +6832,7 @@
                 <a:sym typeface="Roboto"/>
               </a:defRPr>
             </a:lvl1pPr>
-            <a:lvl2pPr indent="-298450" lvl="1" marL="914400" rtl="0">
+            <a:lvl2pPr marL="914400" lvl="1" indent="-298450" rtl="0">
               <a:lnSpc>
                 <a:spcPct val="115000"/>
               </a:lnSpc>
@@ -6688,7 +6858,7 @@
                 <a:sym typeface="Roboto"/>
               </a:defRPr>
             </a:lvl2pPr>
-            <a:lvl3pPr indent="-298450" lvl="2" marL="1371600" rtl="0">
+            <a:lvl3pPr marL="1371600" lvl="2" indent="-298450" rtl="0">
               <a:lnSpc>
                 <a:spcPct val="115000"/>
               </a:lnSpc>
@@ -6714,7 +6884,7 @@
                 <a:sym typeface="Roboto"/>
               </a:defRPr>
             </a:lvl3pPr>
-            <a:lvl4pPr indent="-298450" lvl="3" marL="1828800" rtl="0">
+            <a:lvl4pPr marL="1828800" lvl="3" indent="-298450" rtl="0">
               <a:lnSpc>
                 <a:spcPct val="115000"/>
               </a:lnSpc>
@@ -6740,7 +6910,7 @@
                 <a:sym typeface="Roboto"/>
               </a:defRPr>
             </a:lvl4pPr>
-            <a:lvl5pPr indent="-298450" lvl="4" marL="2286000" rtl="0">
+            <a:lvl5pPr marL="2286000" lvl="4" indent="-298450" rtl="0">
               <a:lnSpc>
                 <a:spcPct val="115000"/>
               </a:lnSpc>
@@ -6766,7 +6936,7 @@
                 <a:sym typeface="Roboto"/>
               </a:defRPr>
             </a:lvl5pPr>
-            <a:lvl6pPr indent="-298450" lvl="5" marL="2743200" rtl="0">
+            <a:lvl6pPr marL="2743200" lvl="5" indent="-298450" rtl="0">
               <a:lnSpc>
                 <a:spcPct val="115000"/>
               </a:lnSpc>
@@ -6792,7 +6962,7 @@
                 <a:sym typeface="Roboto"/>
               </a:defRPr>
             </a:lvl6pPr>
-            <a:lvl7pPr indent="-298450" lvl="6" marL="3200400" rtl="0">
+            <a:lvl7pPr marL="3200400" lvl="6" indent="-298450" rtl="0">
               <a:lnSpc>
                 <a:spcPct val="115000"/>
               </a:lnSpc>
@@ -6818,7 +6988,7 @@
                 <a:sym typeface="Roboto"/>
               </a:defRPr>
             </a:lvl7pPr>
-            <a:lvl8pPr indent="-298450" lvl="7" marL="3657600" rtl="0">
+            <a:lvl8pPr marL="3657600" lvl="7" indent="-298450" rtl="0">
               <a:lnSpc>
                 <a:spcPct val="115000"/>
               </a:lnSpc>
@@ -6844,7 +7014,7 @@
                 <a:sym typeface="Roboto"/>
               </a:defRPr>
             </a:lvl8pPr>
-            <a:lvl9pPr indent="-298450" lvl="8" marL="4114800" rtl="0">
+            <a:lvl9pPr marL="4114800" lvl="8" indent="-298450" rtl="0">
               <a:lnSpc>
                 <a:spcPct val="115000"/>
               </a:lnSpc>
@@ -6871,15 +7041,19 @@
               </a:defRPr>
             </a:lvl9pPr>
           </a:lstStyle>
-          <a:p/>
+          <a:p>
+            <a:endParaRPr/>
+          </a:p>
         </p:txBody>
       </p:sp>
       <p:sp>
         <p:nvSpPr>
           <p:cNvPr id="8" name="Google Shape;8;p1"/>
-          <p:cNvSpPr txBox="1"/>
+          <p:cNvSpPr txBox="1">
+            <a:spLocks noGrp="1"/>
+          </p:cNvSpPr>
           <p:nvPr>
-            <p:ph idx="12" type="sldNum"/>
+            <p:ph type="sldNum" idx="12"/>
           </p:nvPr>
         </p:nvSpPr>
         <p:spPr>
@@ -6896,11 +7070,11 @@
           </a:ln>
         </p:spPr>
         <p:txBody>
-          <a:bodyPr anchorCtr="0" anchor="ctr" bIns="91425" lIns="91425" spcFirstLastPara="1" rIns="91425" wrap="square" tIns="91425">
+          <a:bodyPr spcFirstLastPara="1" wrap="square" lIns="91425" tIns="91425" rIns="91425" bIns="91425" anchor="ctr" anchorCtr="0">
             <a:normAutofit/>
           </a:bodyPr>
           <a:lstStyle>
-            <a:lvl1pPr lvl="0" rtl="0" algn="r">
+            <a:lvl1pPr lvl="0" algn="r" rtl="0">
               <a:buNone/>
               <a:defRPr sz="1000">
                 <a:solidFill>
@@ -6912,7 +7086,7 @@
                 <a:sym typeface="Roboto"/>
               </a:defRPr>
             </a:lvl1pPr>
-            <a:lvl2pPr lvl="1" rtl="0" algn="r">
+            <a:lvl2pPr lvl="1" algn="r" rtl="0">
               <a:buNone/>
               <a:defRPr sz="1000">
                 <a:solidFill>
@@ -6924,7 +7098,7 @@
                 <a:sym typeface="Roboto"/>
               </a:defRPr>
             </a:lvl2pPr>
-            <a:lvl3pPr lvl="2" rtl="0" algn="r">
+            <a:lvl3pPr lvl="2" algn="r" rtl="0">
               <a:buNone/>
               <a:defRPr sz="1000">
                 <a:solidFill>
@@ -6936,7 +7110,7 @@
                 <a:sym typeface="Roboto"/>
               </a:defRPr>
             </a:lvl3pPr>
-            <a:lvl4pPr lvl="3" rtl="0" algn="r">
+            <a:lvl4pPr lvl="3" algn="r" rtl="0">
               <a:buNone/>
               <a:defRPr sz="1000">
                 <a:solidFill>
@@ -6948,7 +7122,7 @@
                 <a:sym typeface="Roboto"/>
               </a:defRPr>
             </a:lvl4pPr>
-            <a:lvl5pPr lvl="4" rtl="0" algn="r">
+            <a:lvl5pPr lvl="4" algn="r" rtl="0">
               <a:buNone/>
               <a:defRPr sz="1000">
                 <a:solidFill>
@@ -6960,7 +7134,7 @@
                 <a:sym typeface="Roboto"/>
               </a:defRPr>
             </a:lvl5pPr>
-            <a:lvl6pPr lvl="5" rtl="0" algn="r">
+            <a:lvl6pPr lvl="5" algn="r" rtl="0">
               <a:buNone/>
               <a:defRPr sz="1000">
                 <a:solidFill>
@@ -6972,7 +7146,7 @@
                 <a:sym typeface="Roboto"/>
               </a:defRPr>
             </a:lvl6pPr>
-            <a:lvl7pPr lvl="6" rtl="0" algn="r">
+            <a:lvl7pPr lvl="6" algn="r" rtl="0">
               <a:buNone/>
               <a:defRPr sz="1000">
                 <a:solidFill>
@@ -6984,7 +7158,7 @@
                 <a:sym typeface="Roboto"/>
               </a:defRPr>
             </a:lvl7pPr>
-            <a:lvl8pPr lvl="7" rtl="0" algn="r">
+            <a:lvl8pPr lvl="7" algn="r" rtl="0">
               <a:buNone/>
               <a:defRPr sz="1000">
                 <a:solidFill>
@@ -6996,7 +7170,7 @@
                 <a:sym typeface="Roboto"/>
               </a:defRPr>
             </a:lvl8pPr>
-            <a:lvl9pPr lvl="8" rtl="0" algn="r">
+            <a:lvl9pPr lvl="8" algn="r" rtl="0">
               <a:buNone/>
               <a:defRPr sz="1000">
                 <a:solidFill>
@@ -7010,7 +7184,7 @@
             </a:lvl9pPr>
           </a:lstStyle>
           <a:p>
-            <a:pPr indent="0" lvl="0" marL="0" rtl="0" algn="r">
+            <a:pPr marL="0" lvl="0" indent="0" algn="r" rtl="0">
               <a:spcBef>
                 <a:spcPts val="0"/>
               </a:spcBef>
@@ -7029,7 +7203,7 @@
       </p:sp>
     </p:spTree>
   </p:cSld>
-  <p:clrMap accent1="accent1" accent2="accent2" accent3="accent3" accent4="accent4" accent5="accent5" accent6="accent6" bg1="lt1" bg2="dk2" tx1="dk1" tx2="lt2" folHlink="folHlink" hlink="hlink"/>
+  <p:clrMap bg1="lt1" tx1="dk1" bg2="dk2" tx2="lt2" accent1="accent1" accent2="accent2" accent3="accent3" accent4="accent4" accent5="accent5" accent6="accent6" hlink="hlink" folHlink="folHlink"/>
   <p:sldLayoutIdLst>
     <p:sldLayoutId id="2147483648" r:id="rId1"/>
     <p:sldLayoutId id="2147483649" r:id="rId2"/>
@@ -7043,10 +7217,10 @@
     <p:sldLayoutId id="2147483657" r:id="rId10"/>
     <p:sldLayoutId id="2147483658" r:id="rId11"/>
   </p:sldLayoutIdLst>
-  <p:hf dt="0" ftr="0" hdr="0" sldNum="0"/>
+  <p:hf sldNum="0" hdr="0" ftr="0" dt="0"/>
   <p:txStyles>
     <p:titleStyle>
-      <a:defPPr lvl="0" marR="0" rtl="0" algn="l">
+      <a:defPPr marR="0" lvl="0" algn="l" rtl="0">
         <a:lnSpc>
           <a:spcPct val="100000"/>
         </a:lnSpc>
@@ -7057,7 +7231,7 @@
           <a:spcPts val="0"/>
         </a:spcAft>
       </a:defPPr>
-      <a:lvl1pPr lvl="0" marR="0" rtl="0" algn="l">
+      <a:lvl1pPr marR="0" lvl="0" algn="l" rtl="0">
         <a:lnSpc>
           <a:spcPct val="100000"/>
         </a:lnSpc>
@@ -7071,7 +7245,7 @@
           <a:srgbClr val="000000"/>
         </a:buClr>
         <a:buFont typeface="Arial"/>
-        <a:defRPr b="0" i="0" sz="1400" u="none" cap="none" strike="noStrike">
+        <a:defRPr sz="1400" b="0" i="0" u="none" strike="noStrike" cap="none">
           <a:solidFill>
             <a:srgbClr val="000000"/>
           </a:solidFill>
@@ -7081,7 +7255,7 @@
           <a:sym typeface="Arial"/>
         </a:defRPr>
       </a:lvl1pPr>
-      <a:lvl2pPr lvl="1" marR="0" rtl="0" algn="l">
+      <a:lvl2pPr marR="0" lvl="1" algn="l" rtl="0">
         <a:lnSpc>
           <a:spcPct val="100000"/>
         </a:lnSpc>
@@ -7095,7 +7269,7 @@
           <a:srgbClr val="000000"/>
         </a:buClr>
         <a:buFont typeface="Arial"/>
-        <a:defRPr b="0" i="0" sz="1400" u="none" cap="none" strike="noStrike">
+        <a:defRPr sz="1400" b="0" i="0" u="none" strike="noStrike" cap="none">
           <a:solidFill>
             <a:srgbClr val="000000"/>
           </a:solidFill>
@@ -7105,7 +7279,7 @@
           <a:sym typeface="Arial"/>
         </a:defRPr>
       </a:lvl2pPr>
-      <a:lvl3pPr lvl="2" marR="0" rtl="0" algn="l">
+      <a:lvl3pPr marR="0" lvl="2" algn="l" rtl="0">
         <a:lnSpc>
           <a:spcPct val="100000"/>
         </a:lnSpc>
@@ -7119,7 +7293,7 @@
           <a:srgbClr val="000000"/>
         </a:buClr>
         <a:buFont typeface="Arial"/>
-        <a:defRPr b="0" i="0" sz="1400" u="none" cap="none" strike="noStrike">
+        <a:defRPr sz="1400" b="0" i="0" u="none" strike="noStrike" cap="none">
           <a:solidFill>
             <a:srgbClr val="000000"/>
           </a:solidFill>
@@ -7129,7 +7303,7 @@
           <a:sym typeface="Arial"/>
         </a:defRPr>
       </a:lvl3pPr>
-      <a:lvl4pPr lvl="3" marR="0" rtl="0" algn="l">
+      <a:lvl4pPr marR="0" lvl="3" algn="l" rtl="0">
         <a:lnSpc>
           <a:spcPct val="100000"/>
         </a:lnSpc>
@@ -7143,7 +7317,7 @@
           <a:srgbClr val="000000"/>
         </a:buClr>
         <a:buFont typeface="Arial"/>
-        <a:defRPr b="0" i="0" sz="1400" u="none" cap="none" strike="noStrike">
+        <a:defRPr sz="1400" b="0" i="0" u="none" strike="noStrike" cap="none">
           <a:solidFill>
             <a:srgbClr val="000000"/>
           </a:solidFill>
@@ -7153,7 +7327,7 @@
           <a:sym typeface="Arial"/>
         </a:defRPr>
       </a:lvl4pPr>
-      <a:lvl5pPr lvl="4" marR="0" rtl="0" algn="l">
+      <a:lvl5pPr marR="0" lvl="4" algn="l" rtl="0">
         <a:lnSpc>
           <a:spcPct val="100000"/>
         </a:lnSpc>
@@ -7167,7 +7341,7 @@
           <a:srgbClr val="000000"/>
         </a:buClr>
         <a:buFont typeface="Arial"/>
-        <a:defRPr b="0" i="0" sz="1400" u="none" cap="none" strike="noStrike">
+        <a:defRPr sz="1400" b="0" i="0" u="none" strike="noStrike" cap="none">
           <a:solidFill>
             <a:srgbClr val="000000"/>
           </a:solidFill>
@@ -7177,7 +7351,7 @@
           <a:sym typeface="Arial"/>
         </a:defRPr>
       </a:lvl5pPr>
-      <a:lvl6pPr lvl="5" marR="0" rtl="0" algn="l">
+      <a:lvl6pPr marR="0" lvl="5" algn="l" rtl="0">
         <a:lnSpc>
           <a:spcPct val="100000"/>
         </a:lnSpc>
@@ -7191,7 +7365,7 @@
           <a:srgbClr val="000000"/>
         </a:buClr>
         <a:buFont typeface="Arial"/>
-        <a:defRPr b="0" i="0" sz="1400" u="none" cap="none" strike="noStrike">
+        <a:defRPr sz="1400" b="0" i="0" u="none" strike="noStrike" cap="none">
           <a:solidFill>
             <a:srgbClr val="000000"/>
           </a:solidFill>
@@ -7201,7 +7375,7 @@
           <a:sym typeface="Arial"/>
         </a:defRPr>
       </a:lvl6pPr>
-      <a:lvl7pPr lvl="6" marR="0" rtl="0" algn="l">
+      <a:lvl7pPr marR="0" lvl="6" algn="l" rtl="0">
         <a:lnSpc>
           <a:spcPct val="100000"/>
         </a:lnSpc>
@@ -7215,7 +7389,7 @@
           <a:srgbClr val="000000"/>
         </a:buClr>
         <a:buFont typeface="Arial"/>
-        <a:defRPr b="0" i="0" sz="1400" u="none" cap="none" strike="noStrike">
+        <a:defRPr sz="1400" b="0" i="0" u="none" strike="noStrike" cap="none">
           <a:solidFill>
             <a:srgbClr val="000000"/>
           </a:solidFill>
@@ -7225,7 +7399,7 @@
           <a:sym typeface="Arial"/>
         </a:defRPr>
       </a:lvl7pPr>
-      <a:lvl8pPr lvl="7" marR="0" rtl="0" algn="l">
+      <a:lvl8pPr marR="0" lvl="7" algn="l" rtl="0">
         <a:lnSpc>
           <a:spcPct val="100000"/>
         </a:lnSpc>
@@ -7239,7 +7413,7 @@
           <a:srgbClr val="000000"/>
         </a:buClr>
         <a:buFont typeface="Arial"/>
-        <a:defRPr b="0" i="0" sz="1400" u="none" cap="none" strike="noStrike">
+        <a:defRPr sz="1400" b="0" i="0" u="none" strike="noStrike" cap="none">
           <a:solidFill>
             <a:srgbClr val="000000"/>
           </a:solidFill>
@@ -7249,7 +7423,7 @@
           <a:sym typeface="Arial"/>
         </a:defRPr>
       </a:lvl8pPr>
-      <a:lvl9pPr lvl="8" marR="0" rtl="0" algn="l">
+      <a:lvl9pPr marR="0" lvl="8" algn="l" rtl="0">
         <a:lnSpc>
           <a:spcPct val="100000"/>
         </a:lnSpc>
@@ -7263,7 +7437,7 @@
           <a:srgbClr val="000000"/>
         </a:buClr>
         <a:buFont typeface="Arial"/>
-        <a:defRPr b="0" i="0" sz="1400" u="none" cap="none" strike="noStrike">
+        <a:defRPr sz="1400" b="0" i="0" u="none" strike="noStrike" cap="none">
           <a:solidFill>
             <a:srgbClr val="000000"/>
           </a:solidFill>
@@ -7275,7 +7449,7 @@
       </a:lvl9pPr>
     </p:titleStyle>
     <p:bodyStyle>
-      <a:defPPr lvl="0" marR="0" rtl="0" algn="l">
+      <a:defPPr marR="0" lvl="0" algn="l" rtl="0">
         <a:lnSpc>
           <a:spcPct val="100000"/>
         </a:lnSpc>
@@ -7286,7 +7460,7 @@
           <a:spcPts val="0"/>
         </a:spcAft>
       </a:defPPr>
-      <a:lvl1pPr lvl="0" marR="0" rtl="0" algn="l">
+      <a:lvl1pPr marR="0" lvl="0" algn="l" rtl="0">
         <a:lnSpc>
           <a:spcPct val="100000"/>
         </a:lnSpc>
@@ -7300,7 +7474,7 @@
           <a:srgbClr val="000000"/>
         </a:buClr>
         <a:buFont typeface="Arial"/>
-        <a:defRPr b="0" i="0" sz="1400" u="none" cap="none" strike="noStrike">
+        <a:defRPr sz="1400" b="0" i="0" u="none" strike="noStrike" cap="none">
           <a:solidFill>
             <a:srgbClr val="000000"/>
           </a:solidFill>
@@ -7310,7 +7484,7 @@
           <a:sym typeface="Arial"/>
         </a:defRPr>
       </a:lvl1pPr>
-      <a:lvl2pPr lvl="1" marR="0" rtl="0" algn="l">
+      <a:lvl2pPr marR="0" lvl="1" algn="l" rtl="0">
         <a:lnSpc>
           <a:spcPct val="100000"/>
         </a:lnSpc>
@@ -7324,7 +7498,7 @@
           <a:srgbClr val="000000"/>
         </a:buClr>
         <a:buFont typeface="Arial"/>
-        <a:defRPr b="0" i="0" sz="1400" u="none" cap="none" strike="noStrike">
+        <a:defRPr sz="1400" b="0" i="0" u="none" strike="noStrike" cap="none">
           <a:solidFill>
             <a:srgbClr val="000000"/>
           </a:solidFill>
@@ -7334,7 +7508,7 @@
           <a:sym typeface="Arial"/>
         </a:defRPr>
       </a:lvl2pPr>
-      <a:lvl3pPr lvl="2" marR="0" rtl="0" algn="l">
+      <a:lvl3pPr marR="0" lvl="2" algn="l" rtl="0">
         <a:lnSpc>
           <a:spcPct val="100000"/>
         </a:lnSpc>
@@ -7348,7 +7522,7 @@
           <a:srgbClr val="000000"/>
         </a:buClr>
         <a:buFont typeface="Arial"/>
-        <a:defRPr b="0" i="0" sz="1400" u="none" cap="none" strike="noStrike">
+        <a:defRPr sz="1400" b="0" i="0" u="none" strike="noStrike" cap="none">
           <a:solidFill>
             <a:srgbClr val="000000"/>
           </a:solidFill>
@@ -7358,7 +7532,7 @@
           <a:sym typeface="Arial"/>
         </a:defRPr>
       </a:lvl3pPr>
-      <a:lvl4pPr lvl="3" marR="0" rtl="0" algn="l">
+      <a:lvl4pPr marR="0" lvl="3" algn="l" rtl="0">
         <a:lnSpc>
           <a:spcPct val="100000"/>
         </a:lnSpc>
@@ -7372,7 +7546,7 @@
           <a:srgbClr val="000000"/>
         </a:buClr>
         <a:buFont typeface="Arial"/>
-        <a:defRPr b="0" i="0" sz="1400" u="none" cap="none" strike="noStrike">
+        <a:defRPr sz="1400" b="0" i="0" u="none" strike="noStrike" cap="none">
           <a:solidFill>
             <a:srgbClr val="000000"/>
           </a:solidFill>
@@ -7382,7 +7556,7 @@
           <a:sym typeface="Arial"/>
         </a:defRPr>
       </a:lvl4pPr>
-      <a:lvl5pPr lvl="4" marR="0" rtl="0" algn="l">
+      <a:lvl5pPr marR="0" lvl="4" algn="l" rtl="0">
         <a:lnSpc>
           <a:spcPct val="100000"/>
         </a:lnSpc>
@@ -7396,7 +7570,7 @@
           <a:srgbClr val="000000"/>
         </a:buClr>
         <a:buFont typeface="Arial"/>
-        <a:defRPr b="0" i="0" sz="1400" u="none" cap="none" strike="noStrike">
+        <a:defRPr sz="1400" b="0" i="0" u="none" strike="noStrike" cap="none">
           <a:solidFill>
             <a:srgbClr val="000000"/>
           </a:solidFill>
@@ -7406,7 +7580,7 @@
           <a:sym typeface="Arial"/>
         </a:defRPr>
       </a:lvl5pPr>
-      <a:lvl6pPr lvl="5" marR="0" rtl="0" algn="l">
+      <a:lvl6pPr marR="0" lvl="5" algn="l" rtl="0">
         <a:lnSpc>
           <a:spcPct val="100000"/>
         </a:lnSpc>
@@ -7420,7 +7594,7 @@
           <a:srgbClr val="000000"/>
         </a:buClr>
         <a:buFont typeface="Arial"/>
-        <a:defRPr b="0" i="0" sz="1400" u="none" cap="none" strike="noStrike">
+        <a:defRPr sz="1400" b="0" i="0" u="none" strike="noStrike" cap="none">
           <a:solidFill>
             <a:srgbClr val="000000"/>
           </a:solidFill>
@@ -7430,7 +7604,7 @@
           <a:sym typeface="Arial"/>
         </a:defRPr>
       </a:lvl6pPr>
-      <a:lvl7pPr lvl="6" marR="0" rtl="0" algn="l">
+      <a:lvl7pPr marR="0" lvl="6" algn="l" rtl="0">
         <a:lnSpc>
           <a:spcPct val="100000"/>
         </a:lnSpc>
@@ -7444,7 +7618,7 @@
           <a:srgbClr val="000000"/>
         </a:buClr>
         <a:buFont typeface="Arial"/>
-        <a:defRPr b="0" i="0" sz="1400" u="none" cap="none" strike="noStrike">
+        <a:defRPr sz="1400" b="0" i="0" u="none" strike="noStrike" cap="none">
           <a:solidFill>
             <a:srgbClr val="000000"/>
           </a:solidFill>
@@ -7454,7 +7628,7 @@
           <a:sym typeface="Arial"/>
         </a:defRPr>
       </a:lvl7pPr>
-      <a:lvl8pPr lvl="7" marR="0" rtl="0" algn="l">
+      <a:lvl8pPr marR="0" lvl="7" algn="l" rtl="0">
         <a:lnSpc>
           <a:spcPct val="100000"/>
         </a:lnSpc>
@@ -7468,7 +7642,7 @@
           <a:srgbClr val="000000"/>
         </a:buClr>
         <a:buFont typeface="Arial"/>
-        <a:defRPr b="0" i="0" sz="1400" u="none" cap="none" strike="noStrike">
+        <a:defRPr sz="1400" b="0" i="0" u="none" strike="noStrike" cap="none">
           <a:solidFill>
             <a:srgbClr val="000000"/>
           </a:solidFill>
@@ -7478,7 +7652,7 @@
           <a:sym typeface="Arial"/>
         </a:defRPr>
       </a:lvl8pPr>
-      <a:lvl9pPr lvl="8" marR="0" rtl="0" algn="l">
+      <a:lvl9pPr marR="0" lvl="8" algn="l" rtl="0">
         <a:lnSpc>
           <a:spcPct val="100000"/>
         </a:lnSpc>
@@ -7492,7 +7666,7 @@
           <a:srgbClr val="000000"/>
         </a:buClr>
         <a:buFont typeface="Arial"/>
-        <a:defRPr b="0" i="0" sz="1400" u="none" cap="none" strike="noStrike">
+        <a:defRPr sz="1400" b="0" i="0" u="none" strike="noStrike" cap="none">
           <a:solidFill>
             <a:srgbClr val="000000"/>
           </a:solidFill>
@@ -7504,7 +7678,7 @@
       </a:lvl9pPr>
     </p:bodyStyle>
     <p:otherStyle>
-      <a:defPPr lvl="0" marR="0" rtl="0" algn="l">
+      <a:defPPr marR="0" lvl="0" algn="l" rtl="0">
         <a:lnSpc>
           <a:spcPct val="100000"/>
         </a:lnSpc>
@@ -7515,7 +7689,7 @@
           <a:spcPts val="0"/>
         </a:spcAft>
       </a:defPPr>
-      <a:lvl1pPr lvl="0" marR="0" rtl="0" algn="l">
+      <a:lvl1pPr marR="0" lvl="0" algn="l" rtl="0">
         <a:lnSpc>
           <a:spcPct val="100000"/>
         </a:lnSpc>
@@ -7529,7 +7703,7 @@
           <a:srgbClr val="000000"/>
         </a:buClr>
         <a:buFont typeface="Arial"/>
-        <a:defRPr b="0" i="0" sz="1400" u="none" cap="none" strike="noStrike">
+        <a:defRPr sz="1400" b="0" i="0" u="none" strike="noStrike" cap="none">
           <a:solidFill>
             <a:srgbClr val="000000"/>
           </a:solidFill>
@@ -7539,7 +7713,7 @@
           <a:sym typeface="Arial"/>
         </a:defRPr>
       </a:lvl1pPr>
-      <a:lvl2pPr lvl="1" marR="0" rtl="0" algn="l">
+      <a:lvl2pPr marR="0" lvl="1" algn="l" rtl="0">
         <a:lnSpc>
           <a:spcPct val="100000"/>
         </a:lnSpc>
@@ -7553,7 +7727,7 @@
           <a:srgbClr val="000000"/>
         </a:buClr>
         <a:buFont typeface="Arial"/>
-        <a:defRPr b="0" i="0" sz="1400" u="none" cap="none" strike="noStrike">
+        <a:defRPr sz="1400" b="0" i="0" u="none" strike="noStrike" cap="none">
           <a:solidFill>
             <a:srgbClr val="000000"/>
           </a:solidFill>
@@ -7563,7 +7737,7 @@
           <a:sym typeface="Arial"/>
         </a:defRPr>
       </a:lvl2pPr>
-      <a:lvl3pPr lvl="2" marR="0" rtl="0" algn="l">
+      <a:lvl3pPr marR="0" lvl="2" algn="l" rtl="0">
         <a:lnSpc>
           <a:spcPct val="100000"/>
         </a:lnSpc>
@@ -7577,7 +7751,7 @@
           <a:srgbClr val="000000"/>
         </a:buClr>
         <a:buFont typeface="Arial"/>
-        <a:defRPr b="0" i="0" sz="1400" u="none" cap="none" strike="noStrike">
+        <a:defRPr sz="1400" b="0" i="0" u="none" strike="noStrike" cap="none">
           <a:solidFill>
             <a:srgbClr val="000000"/>
           </a:solidFill>
@@ -7587,7 +7761,7 @@
           <a:sym typeface="Arial"/>
         </a:defRPr>
       </a:lvl3pPr>
-      <a:lvl4pPr lvl="3" marR="0" rtl="0" algn="l">
+      <a:lvl4pPr marR="0" lvl="3" algn="l" rtl="0">
         <a:lnSpc>
           <a:spcPct val="100000"/>
         </a:lnSpc>
@@ -7601,7 +7775,7 @@
           <a:srgbClr val="000000"/>
         </a:buClr>
         <a:buFont typeface="Arial"/>
-        <a:defRPr b="0" i="0" sz="1400" u="none" cap="none" strike="noStrike">
+        <a:defRPr sz="1400" b="0" i="0" u="none" strike="noStrike" cap="none">
           <a:solidFill>
             <a:srgbClr val="000000"/>
           </a:solidFill>
@@ -7611,7 +7785,7 @@
           <a:sym typeface="Arial"/>
         </a:defRPr>
       </a:lvl4pPr>
-      <a:lvl5pPr lvl="4" marR="0" rtl="0" algn="l">
+      <a:lvl5pPr marR="0" lvl="4" algn="l" rtl="0">
         <a:lnSpc>
           <a:spcPct val="100000"/>
         </a:lnSpc>
@@ -7625,7 +7799,7 @@
           <a:srgbClr val="000000"/>
         </a:buClr>
         <a:buFont typeface="Arial"/>
-        <a:defRPr b="0" i="0" sz="1400" u="none" cap="none" strike="noStrike">
+        <a:defRPr sz="1400" b="0" i="0" u="none" strike="noStrike" cap="none">
           <a:solidFill>
             <a:srgbClr val="000000"/>
           </a:solidFill>
@@ -7635,7 +7809,7 @@
           <a:sym typeface="Arial"/>
         </a:defRPr>
       </a:lvl5pPr>
-      <a:lvl6pPr lvl="5" marR="0" rtl="0" algn="l">
+      <a:lvl6pPr marR="0" lvl="5" algn="l" rtl="0">
         <a:lnSpc>
           <a:spcPct val="100000"/>
         </a:lnSpc>
@@ -7649,7 +7823,7 @@
           <a:srgbClr val="000000"/>
         </a:buClr>
         <a:buFont typeface="Arial"/>
-        <a:defRPr b="0" i="0" sz="1400" u="none" cap="none" strike="noStrike">
+        <a:defRPr sz="1400" b="0" i="0" u="none" strike="noStrike" cap="none">
           <a:solidFill>
             <a:srgbClr val="000000"/>
           </a:solidFill>
@@ -7659,7 +7833,7 @@
           <a:sym typeface="Arial"/>
         </a:defRPr>
       </a:lvl6pPr>
-      <a:lvl7pPr lvl="6" marR="0" rtl="0" algn="l">
+      <a:lvl7pPr marR="0" lvl="6" algn="l" rtl="0">
         <a:lnSpc>
           <a:spcPct val="100000"/>
         </a:lnSpc>
@@ -7673,7 +7847,7 @@
           <a:srgbClr val="000000"/>
         </a:buClr>
         <a:buFont typeface="Arial"/>
-        <a:defRPr b="0" i="0" sz="1400" u="none" cap="none" strike="noStrike">
+        <a:defRPr sz="1400" b="0" i="0" u="none" strike="noStrike" cap="none">
           <a:solidFill>
             <a:srgbClr val="000000"/>
           </a:solidFill>
@@ -7683,7 +7857,7 @@
           <a:sym typeface="Arial"/>
         </a:defRPr>
       </a:lvl7pPr>
-      <a:lvl8pPr lvl="7" marR="0" rtl="0" algn="l">
+      <a:lvl8pPr marR="0" lvl="7" algn="l" rtl="0">
         <a:lnSpc>
           <a:spcPct val="100000"/>
         </a:lnSpc>
@@ -7697,7 +7871,7 @@
           <a:srgbClr val="000000"/>
         </a:buClr>
         <a:buFont typeface="Arial"/>
-        <a:defRPr b="0" i="0" sz="1400" u="none" cap="none" strike="noStrike">
+        <a:defRPr sz="1400" b="0" i="0" u="none" strike="noStrike" cap="none">
           <a:solidFill>
             <a:srgbClr val="000000"/>
           </a:solidFill>
@@ -7707,7 +7881,7 @@
           <a:sym typeface="Arial"/>
         </a:defRPr>
       </a:lvl8pPr>
-      <a:lvl9pPr lvl="8" marR="0" rtl="0" algn="l">
+      <a:lvl9pPr marR="0" lvl="8" algn="l" rtl="0">
         <a:lnSpc>
           <a:spcPct val="100000"/>
         </a:lnSpc>
@@ -7721,7 +7895,7 @@
           <a:srgbClr val="000000"/>
         </a:buClr>
         <a:buFont typeface="Arial"/>
-        <a:defRPr b="0" i="0" sz="1400" u="none" cap="none" strike="noStrike">
+        <a:defRPr sz="1400" b="0" i="0" u="none" strike="noStrike" cap="none">
           <a:solidFill>
             <a:srgbClr val="000000"/>
           </a:solidFill>
@@ -7737,11 +7911,11 @@
 </file>
 
 <file path=ppt/slides/slide1.xml><?xml version="1.0" encoding="utf-8"?>
-<p:sld xmlns:a="http://schemas.openxmlformats.org/drawingml/2006/main" xmlns:r="http://schemas.openxmlformats.org/officeDocument/2006/relationships" xmlns:mc="http://schemas.openxmlformats.org/markup-compatibility/2006" xmlns:mv="urn:schemas-microsoft-com:mac:vml" xmlns:p="http://schemas.openxmlformats.org/presentationml/2006/main" xmlns:c="http://schemas.openxmlformats.org/drawingml/2006/chart" xmlns:dgm="http://schemas.openxmlformats.org/drawingml/2006/diagram" xmlns:o="urn:schemas-microsoft-com:office:office" xmlns:v="urn:schemas-microsoft-com:vml" xmlns:pvml="urn:schemas-microsoft-com:office:powerpoint" xmlns:com="http://schemas.openxmlformats.org/drawingml/2006/compatibility" xmlns:p14="http://schemas.microsoft.com/office/powerpoint/2010/main" xmlns:p15="http://schemas.microsoft.com/office/powerpoint/2012/main" xmlns:ahyp="http://schemas.microsoft.com/office/drawing/2018/hyperlinkcolor">
+<p:sld xmlns:a="http://schemas.openxmlformats.org/drawingml/2006/main" xmlns:r="http://schemas.openxmlformats.org/officeDocument/2006/relationships" xmlns:p="http://schemas.openxmlformats.org/presentationml/2006/main">
   <p:cSld>
     <p:spTree>
       <p:nvGrpSpPr>
-        <p:cNvPr id="63" name="Shape 63"/>
+        <p:cNvPr id="1" name="Shape 63"/>
         <p:cNvGrpSpPr/>
         <p:nvPr/>
       </p:nvGrpSpPr>
@@ -7756,7 +7930,9 @@
       <p:sp>
         <p:nvSpPr>
           <p:cNvPr id="64" name="Google Shape;64;p13"/>
-          <p:cNvSpPr txBox="1"/>
+          <p:cNvSpPr txBox="1">
+            <a:spLocks noGrp="1"/>
+          </p:cNvSpPr>
           <p:nvPr>
             <p:ph type="ctrTitle"/>
           </p:nvPr>
@@ -7771,12 +7947,12 @@
           </a:prstGeom>
         </p:spPr>
         <p:txBody>
-          <a:bodyPr anchorCtr="0" anchor="t" bIns="91425" lIns="91425" spcFirstLastPara="1" rIns="91425" wrap="square" tIns="91425">
+          <a:bodyPr spcFirstLastPara="1" wrap="square" lIns="91425" tIns="91425" rIns="91425" bIns="91425" anchor="t" anchorCtr="0">
             <a:normAutofit/>
           </a:bodyPr>
           <a:lstStyle/>
           <a:p>
-            <a:pPr indent="0" lvl="0" marL="0" rtl="0" algn="ctr">
+            <a:pPr marL="0" lvl="0" indent="0" algn="ctr" rtl="0">
               <a:spcBef>
                 <a:spcPts val="0"/>
               </a:spcBef>
@@ -7786,19 +7962,21 @@
               <a:buNone/>
             </a:pPr>
             <a:r>
-              <a:rPr b="1" lang="en" sz="4100"/>
+              <a:rPr lang="en" sz="4100" b="1"/>
               <a:t>Brain Tumor Classification</a:t>
             </a:r>
-            <a:endParaRPr b="1" sz="4100"/>
+            <a:endParaRPr sz="4100" b="1"/>
           </a:p>
         </p:txBody>
       </p:sp>
       <p:sp>
         <p:nvSpPr>
           <p:cNvPr id="65" name="Google Shape;65;p13"/>
-          <p:cNvSpPr txBox="1"/>
+          <p:cNvSpPr txBox="1">
+            <a:spLocks noGrp="1"/>
+          </p:cNvSpPr>
           <p:nvPr>
-            <p:ph idx="1" type="subTitle"/>
+            <p:ph type="subTitle" idx="1"/>
           </p:nvPr>
         </p:nvSpPr>
         <p:spPr>
@@ -7811,12 +7989,12 @@
           </a:prstGeom>
         </p:spPr>
         <p:txBody>
-          <a:bodyPr anchorCtr="0" anchor="t" bIns="91425" lIns="91425" spcFirstLastPara="1" rIns="91425" wrap="square" tIns="91425">
+          <a:bodyPr spcFirstLastPara="1" wrap="square" lIns="91425" tIns="91425" rIns="91425" bIns="91425" anchor="t" anchorCtr="0">
             <a:noAutofit/>
           </a:bodyPr>
           <a:lstStyle/>
           <a:p>
-            <a:pPr indent="0" lvl="0" marL="0" rtl="0" algn="ctr">
+            <a:pPr marL="0" lvl="0" indent="0" algn="ctr" rtl="0">
               <a:spcBef>
                 <a:spcPts val="0"/>
               </a:spcBef>
@@ -7826,7 +8004,7 @@
               <a:buNone/>
             </a:pPr>
             <a:r>
-              <a:rPr b="1" lang="en" sz="2400">
+              <a:rPr lang="en" sz="2400" b="1">
                 <a:solidFill>
                   <a:schemeClr val="lt1"/>
                 </a:solidFill>
@@ -7837,7 +8015,7 @@
               </a:rPr>
               <a:t>Cloud Computing </a:t>
             </a:r>
-            <a:endParaRPr b="1" sz="2400">
+            <a:endParaRPr sz="2400" b="1">
               <a:solidFill>
                 <a:schemeClr val="lt1"/>
               </a:solidFill>
@@ -7848,7 +8026,7 @@
             </a:endParaRPr>
           </a:p>
           <a:p>
-            <a:pPr indent="0" lvl="0" marL="0" rtl="0" algn="ctr">
+            <a:pPr marL="0" lvl="0" indent="0" algn="ctr" rtl="0">
               <a:spcBef>
                 <a:spcPts val="0"/>
               </a:spcBef>
@@ -7858,7 +8036,7 @@
               <a:buNone/>
             </a:pPr>
             <a:r>
-              <a:rPr b="1" lang="en" sz="2400">
+              <a:rPr lang="en" sz="2400" b="1">
                 <a:solidFill>
                   <a:schemeClr val="lt1"/>
                 </a:solidFill>
@@ -7869,7 +8047,7 @@
               </a:rPr>
               <a:t>Fall 2021</a:t>
             </a:r>
-            <a:endParaRPr b="1" sz="2400">
+            <a:endParaRPr sz="2400" b="1">
               <a:solidFill>
                 <a:schemeClr val="lt1"/>
               </a:solidFill>
@@ -7880,7 +8058,7 @@
             </a:endParaRPr>
           </a:p>
           <a:p>
-            <a:pPr indent="0" lvl="0" marL="0" rtl="0" algn="ctr">
+            <a:pPr marL="0" lvl="0" indent="0" algn="ctr" rtl="0">
               <a:spcBef>
                 <a:spcPts val="0"/>
               </a:spcBef>
@@ -7912,7 +8090,7 @@
             </a:endParaRPr>
           </a:p>
           <a:p>
-            <a:pPr indent="0" lvl="0" marL="0" rtl="0" algn="ctr">
+            <a:pPr marL="0" lvl="0" indent="0" algn="ctr" rtl="0">
               <a:spcBef>
                 <a:spcPts val="0"/>
               </a:spcBef>
@@ -7944,7 +8122,7 @@
             </a:endParaRPr>
           </a:p>
           <a:p>
-            <a:pPr indent="0" lvl="0" marL="0" rtl="0" algn="ctr">
+            <a:pPr marL="0" lvl="0" indent="0" algn="ctr" rtl="0">
               <a:spcBef>
                 <a:spcPts val="0"/>
               </a:spcBef>
@@ -8014,11 +8192,11 @@
 </file>
 
 <file path=ppt/slides/slide10.xml><?xml version="1.0" encoding="utf-8"?>
-<p:sld xmlns:a="http://schemas.openxmlformats.org/drawingml/2006/main" xmlns:r="http://schemas.openxmlformats.org/officeDocument/2006/relationships" xmlns:mc="http://schemas.openxmlformats.org/markup-compatibility/2006" xmlns:mv="urn:schemas-microsoft-com:mac:vml" xmlns:p="http://schemas.openxmlformats.org/presentationml/2006/main" xmlns:c="http://schemas.openxmlformats.org/drawingml/2006/chart" xmlns:dgm="http://schemas.openxmlformats.org/drawingml/2006/diagram" xmlns:o="urn:schemas-microsoft-com:office:office" xmlns:v="urn:schemas-microsoft-com:vml" xmlns:pvml="urn:schemas-microsoft-com:office:powerpoint" xmlns:com="http://schemas.openxmlformats.org/drawingml/2006/compatibility" xmlns:p14="http://schemas.microsoft.com/office/powerpoint/2010/main" xmlns:p15="http://schemas.microsoft.com/office/powerpoint/2012/main" xmlns:ahyp="http://schemas.microsoft.com/office/drawing/2018/hyperlinkcolor">
+<p:sld xmlns:a="http://schemas.openxmlformats.org/drawingml/2006/main" xmlns:r="http://schemas.openxmlformats.org/officeDocument/2006/relationships" xmlns:p="http://schemas.openxmlformats.org/presentationml/2006/main">
   <p:cSld>
     <p:spTree>
       <p:nvGrpSpPr>
-        <p:cNvPr id="151" name="Shape 151"/>
+        <p:cNvPr id="1" name="Shape 151"/>
         <p:cNvGrpSpPr/>
         <p:nvPr/>
       </p:nvGrpSpPr>
@@ -8033,7 +8211,9 @@
       <p:sp>
         <p:nvSpPr>
           <p:cNvPr id="152" name="Google Shape;152;p22"/>
-          <p:cNvSpPr txBox="1"/>
+          <p:cNvSpPr txBox="1">
+            <a:spLocks noGrp="1"/>
+          </p:cNvSpPr>
           <p:nvPr>
             <p:ph type="title"/>
           </p:nvPr>
@@ -8048,12 +8228,12 @@
           </a:prstGeom>
         </p:spPr>
         <p:txBody>
-          <a:bodyPr anchorCtr="0" anchor="t" bIns="91425" lIns="91425" spcFirstLastPara="1" rIns="91425" wrap="square" tIns="91425">
+          <a:bodyPr spcFirstLastPara="1" wrap="square" lIns="91425" tIns="91425" rIns="91425" bIns="91425" anchor="t" anchorCtr="0">
             <a:normAutofit fontScale="90000"/>
           </a:bodyPr>
           <a:lstStyle/>
           <a:p>
-            <a:pPr indent="0" lvl="0" marL="0" rtl="0" algn="l">
+            <a:pPr marL="0" lvl="0" indent="0" algn="l" rtl="0">
               <a:spcBef>
                 <a:spcPts val="0"/>
               </a:spcBef>
@@ -8069,7 +8249,7 @@
             <a:endParaRPr sz="3133"/>
           </a:p>
           <a:p>
-            <a:pPr indent="0" lvl="0" marL="0" rtl="0" algn="l">
+            <a:pPr marL="0" lvl="0" indent="0" algn="l" rtl="0">
               <a:spcBef>
                 <a:spcPts val="0"/>
               </a:spcBef>
@@ -8106,12 +8286,12 @@
           </a:ln>
         </p:spPr>
         <p:txBody>
-          <a:bodyPr anchorCtr="0" anchor="t" bIns="91425" lIns="91425" spcFirstLastPara="1" rIns="91425" wrap="square" tIns="91425">
+          <a:bodyPr spcFirstLastPara="1" wrap="square" lIns="91425" tIns="91425" rIns="91425" bIns="91425" anchor="t" anchorCtr="0">
             <a:spAutoFit/>
           </a:bodyPr>
           <a:lstStyle/>
           <a:p>
-            <a:pPr indent="-317500" lvl="0" marL="457200" rtl="0" algn="l">
+            <a:pPr marL="457200" lvl="0" indent="-317500" algn="l" rtl="0">
               <a:lnSpc>
                 <a:spcPct val="150000"/>
               </a:lnSpc>
@@ -8137,7 +8317,7 @@
             <a:endParaRPr/>
           </a:p>
           <a:p>
-            <a:pPr indent="-292100" lvl="1" marL="914400" rtl="0" algn="l">
+            <a:pPr marL="914400" lvl="1" indent="-292100" algn="l" rtl="0">
               <a:lnSpc>
                 <a:spcPct val="150000"/>
               </a:lnSpc>
@@ -8181,7 +8361,7 @@
             </a:endParaRPr>
           </a:p>
           <a:p>
-            <a:pPr indent="-317500" lvl="0" marL="457200" rtl="0" algn="l">
+            <a:pPr marL="457200" lvl="0" indent="-317500" algn="l" rtl="0">
               <a:lnSpc>
                 <a:spcPct val="150000"/>
               </a:lnSpc>
@@ -8212,7 +8392,7 @@
             </a:endParaRPr>
           </a:p>
           <a:p>
-            <a:pPr indent="-292100" lvl="1" marL="914400" rtl="0" algn="l">
+            <a:pPr marL="914400" lvl="1" indent="-292100" algn="l" rtl="0">
               <a:lnSpc>
                 <a:spcPct val="150000"/>
               </a:lnSpc>
@@ -8247,7 +8427,7 @@
             </a:endParaRPr>
           </a:p>
           <a:p>
-            <a:pPr indent="-317500" lvl="0" marL="457200" rtl="0" algn="l">
+            <a:pPr marL="457200" lvl="0" indent="-317500" algn="l" rtl="0">
               <a:lnSpc>
                 <a:spcPct val="150000"/>
               </a:lnSpc>
@@ -8278,7 +8458,7 @@
             </a:endParaRPr>
           </a:p>
           <a:p>
-            <a:pPr indent="-292100" lvl="1" marL="914400" rtl="0" algn="l">
+            <a:pPr marL="914400" lvl="1" indent="-292100" algn="l" rtl="0">
               <a:lnSpc>
                 <a:spcPct val="150000"/>
               </a:lnSpc>
@@ -8313,7 +8493,7 @@
             </a:endParaRPr>
           </a:p>
           <a:p>
-            <a:pPr indent="-317500" lvl="0" marL="457200" rtl="0" algn="l">
+            <a:pPr marL="457200" lvl="0" indent="-317500" algn="l" rtl="0">
               <a:lnSpc>
                 <a:spcPct val="150000"/>
               </a:lnSpc>
@@ -8344,7 +8524,7 @@
             </a:endParaRPr>
           </a:p>
           <a:p>
-            <a:pPr indent="-292100" lvl="1" marL="914400" rtl="0" algn="l">
+            <a:pPr marL="914400" lvl="1" indent="-292100" algn="l" rtl="0">
               <a:lnSpc>
                 <a:spcPct val="150000"/>
               </a:lnSpc>
@@ -8379,7 +8559,7 @@
             </a:endParaRPr>
           </a:p>
           <a:p>
-            <a:pPr indent="-317500" lvl="0" marL="457200" rtl="0" algn="l">
+            <a:pPr marL="457200" lvl="0" indent="-317500" algn="l" rtl="0">
               <a:lnSpc>
                 <a:spcPct val="150000"/>
               </a:lnSpc>
@@ -8410,7 +8590,7 @@
             </a:endParaRPr>
           </a:p>
           <a:p>
-            <a:pPr indent="-292100" lvl="1" marL="914400" rtl="0" algn="l">
+            <a:pPr marL="914400" lvl="1" indent="-292100" algn="l" rtl="0">
               <a:lnSpc>
                 <a:spcPct val="150000"/>
               </a:lnSpc>
@@ -8445,7 +8625,7 @@
             </a:endParaRPr>
           </a:p>
           <a:p>
-            <a:pPr indent="-317500" lvl="0" marL="457200" rtl="0" algn="l">
+            <a:pPr marL="457200" lvl="0" indent="-317500" algn="l" rtl="0">
               <a:lnSpc>
                 <a:spcPct val="150000"/>
               </a:lnSpc>
@@ -8476,7 +8656,7 @@
             </a:endParaRPr>
           </a:p>
           <a:p>
-            <a:pPr indent="-292100" lvl="1" marL="914400" rtl="0" algn="l">
+            <a:pPr marL="914400" lvl="1" indent="-292100" algn="l" rtl="0">
               <a:lnSpc>
                 <a:spcPct val="150000"/>
               </a:lnSpc>
@@ -8502,7 +8682,7 @@
                 <a:hlinkClick r:id="rId8">
                   <a:extLst>
                     <a:ext uri="{A12FA001-AC4F-418D-AE19-62706E023703}">
-                      <ahyp:hlinkClr val="tx"/>
+                      <ahyp:hlinkClr xmlns:ahyp="http://schemas.microsoft.com/office/drawing/2018/hyperlinkcolor" val="tx"/>
                     </a:ext>
                   </a:extLst>
                 </a:hlinkClick>
@@ -8517,18 +8697,15 @@
             </a:endParaRPr>
           </a:p>
           <a:p>
-            <a:pPr indent="0" lvl="0" marL="0" rtl="0" algn="l">
-              <a:spcBef>
-                <a:spcPts val="0"/>
-              </a:spcBef>
-              <a:spcAft>
-                <a:spcPts val="0"/>
-              </a:spcAft>
-              <a:buNone/>
-            </a:pPr>
-            <a:r>
-              <a:t/>
-            </a:r>
+            <a:pPr marL="0" lvl="0" indent="0" algn="l" rtl="0">
+              <a:spcBef>
+                <a:spcPts val="0"/>
+              </a:spcBef>
+              <a:spcAft>
+                <a:spcPts val="0"/>
+              </a:spcAft>
+              <a:buNone/>
+            </a:pPr>
             <a:endParaRPr>
               <a:latin typeface="Merriweather"/>
               <a:ea typeface="Merriweather"/>
@@ -8547,11 +8724,11 @@
 </file>
 
 <file path=ppt/slides/slide2.xml><?xml version="1.0" encoding="utf-8"?>
-<p:sld xmlns:a="http://schemas.openxmlformats.org/drawingml/2006/main" xmlns:r="http://schemas.openxmlformats.org/officeDocument/2006/relationships" xmlns:mc="http://schemas.openxmlformats.org/markup-compatibility/2006" xmlns:mv="urn:schemas-microsoft-com:mac:vml" xmlns:p="http://schemas.openxmlformats.org/presentationml/2006/main" xmlns:c="http://schemas.openxmlformats.org/drawingml/2006/chart" xmlns:dgm="http://schemas.openxmlformats.org/drawingml/2006/diagram" xmlns:o="urn:schemas-microsoft-com:office:office" xmlns:v="urn:schemas-microsoft-com:vml" xmlns:pvml="urn:schemas-microsoft-com:office:powerpoint" xmlns:com="http://schemas.openxmlformats.org/drawingml/2006/compatibility" xmlns:p14="http://schemas.microsoft.com/office/powerpoint/2010/main" xmlns:p15="http://schemas.microsoft.com/office/powerpoint/2012/main" xmlns:ahyp="http://schemas.microsoft.com/office/drawing/2018/hyperlinkcolor">
+<p:sld xmlns:a="http://schemas.openxmlformats.org/drawingml/2006/main" xmlns:r="http://schemas.openxmlformats.org/officeDocument/2006/relationships" xmlns:p="http://schemas.openxmlformats.org/presentationml/2006/main">
   <p:cSld>
     <p:spTree>
       <p:nvGrpSpPr>
-        <p:cNvPr id="70" name="Shape 70"/>
+        <p:cNvPr id="1" name="Shape 70"/>
         <p:cNvGrpSpPr/>
         <p:nvPr/>
       </p:nvGrpSpPr>
@@ -8566,7 +8743,9 @@
       <p:sp>
         <p:nvSpPr>
           <p:cNvPr id="71" name="Google Shape;71;p14"/>
-          <p:cNvSpPr txBox="1"/>
+          <p:cNvSpPr txBox="1">
+            <a:spLocks noGrp="1"/>
+          </p:cNvSpPr>
           <p:nvPr>
             <p:ph type="title"/>
           </p:nvPr>
@@ -8581,12 +8760,12 @@
           </a:prstGeom>
         </p:spPr>
         <p:txBody>
-          <a:bodyPr anchorCtr="0" anchor="t" bIns="91425" lIns="91425" spcFirstLastPara="1" rIns="91425" wrap="square" tIns="91425">
+          <a:bodyPr spcFirstLastPara="1" wrap="square" lIns="91425" tIns="91425" rIns="91425" bIns="91425" anchor="t" anchorCtr="0">
             <a:noAutofit/>
           </a:bodyPr>
           <a:lstStyle/>
           <a:p>
-            <a:pPr indent="0" lvl="0" marL="0" rtl="0" algn="l">
+            <a:pPr marL="0" lvl="0" indent="0" algn="l" rtl="0">
               <a:spcBef>
                 <a:spcPts val="0"/>
               </a:spcBef>
@@ -8602,18 +8781,15 @@
             <a:endParaRPr/>
           </a:p>
           <a:p>
-            <a:pPr indent="0" lvl="0" marL="0" rtl="0" algn="l">
-              <a:spcBef>
-                <a:spcPts val="0"/>
-              </a:spcBef>
-              <a:spcAft>
-                <a:spcPts val="0"/>
-              </a:spcAft>
-              <a:buNone/>
-            </a:pPr>
-            <a:r>
-              <a:t/>
-            </a:r>
+            <a:pPr marL="0" lvl="0" indent="0" algn="l" rtl="0">
+              <a:spcBef>
+                <a:spcPts val="0"/>
+              </a:spcBef>
+              <a:spcAft>
+                <a:spcPts val="0"/>
+              </a:spcAft>
+              <a:buNone/>
+            </a:pPr>
             <a:endParaRPr/>
           </a:p>
         </p:txBody>
@@ -8638,12 +8814,12 @@
           </a:ln>
         </p:spPr>
         <p:txBody>
-          <a:bodyPr anchorCtr="0" anchor="t" bIns="91425" lIns="91425" spcFirstLastPara="1" rIns="91425" wrap="square" tIns="91425">
+          <a:bodyPr spcFirstLastPara="1" wrap="square" lIns="91425" tIns="91425" rIns="91425" bIns="91425" anchor="t" anchorCtr="0">
             <a:spAutoFit/>
           </a:bodyPr>
           <a:lstStyle/>
           <a:p>
-            <a:pPr indent="-342900" lvl="0" marL="457200" rtl="0" algn="l">
+            <a:pPr marL="457200" lvl="0" indent="-342900" algn="l" rtl="0">
               <a:lnSpc>
                 <a:spcPct val="150000"/>
               </a:lnSpc>
@@ -8674,7 +8850,7 @@
             </a:endParaRPr>
           </a:p>
           <a:p>
-            <a:pPr indent="-317500" lvl="1" marL="914400" rtl="0" algn="l">
+            <a:pPr marL="914400" lvl="1" indent="-317500" algn="l" rtl="0">
               <a:lnSpc>
                 <a:spcPct val="150000"/>
               </a:lnSpc>
@@ -8705,7 +8881,7 @@
             </a:endParaRPr>
           </a:p>
           <a:p>
-            <a:pPr indent="-317500" lvl="1" marL="914400" rtl="0" algn="l">
+            <a:pPr marL="914400" lvl="1" indent="-317500" algn="l" rtl="0">
               <a:lnSpc>
                 <a:spcPct val="150000"/>
               </a:lnSpc>
@@ -8736,7 +8912,7 @@
             </a:endParaRPr>
           </a:p>
           <a:p>
-            <a:pPr indent="-342900" lvl="0" marL="457200" rtl="0" algn="l">
+            <a:pPr marL="457200" lvl="0" indent="-342900" algn="l" rtl="0">
               <a:lnSpc>
                 <a:spcPct val="150000"/>
               </a:lnSpc>
@@ -8767,7 +8943,7 @@
             </a:endParaRPr>
           </a:p>
           <a:p>
-            <a:pPr indent="-317500" lvl="1" marL="914400" rtl="0" algn="l">
+            <a:pPr marL="914400" lvl="1" indent="-317500" algn="l" rtl="0">
               <a:lnSpc>
                 <a:spcPct val="150000"/>
               </a:lnSpc>
@@ -8798,7 +8974,7 @@
             </a:endParaRPr>
           </a:p>
           <a:p>
-            <a:pPr indent="-317500" lvl="1" marL="914400" rtl="0" algn="l">
+            <a:pPr marL="914400" lvl="1" indent="-317500" algn="l" rtl="0">
               <a:lnSpc>
                 <a:spcPct val="150000"/>
               </a:lnSpc>
@@ -8829,7 +9005,7 @@
             </a:endParaRPr>
           </a:p>
           <a:p>
-            <a:pPr indent="-317500" lvl="1" marL="914400" rtl="0" algn="l">
+            <a:pPr marL="914400" lvl="1" indent="-317500" algn="l" rtl="0">
               <a:lnSpc>
                 <a:spcPct val="150000"/>
               </a:lnSpc>
@@ -8860,7 +9036,7 @@
             </a:endParaRPr>
           </a:p>
           <a:p>
-            <a:pPr indent="-317500" lvl="1" marL="914400" rtl="0" algn="l">
+            <a:pPr marL="914400" lvl="1" indent="-317500" algn="l" rtl="0">
               <a:lnSpc>
                 <a:spcPct val="150000"/>
               </a:lnSpc>
@@ -8891,7 +9067,7 @@
             </a:endParaRPr>
           </a:p>
           <a:p>
-            <a:pPr indent="-342900" lvl="0" marL="457200" rtl="0" algn="l">
+            <a:pPr marL="457200" lvl="0" indent="-342900" algn="l" rtl="0">
               <a:lnSpc>
                 <a:spcPct val="150000"/>
               </a:lnSpc>
@@ -8922,7 +9098,7 @@
             </a:endParaRPr>
           </a:p>
           <a:p>
-            <a:pPr indent="-317500" lvl="1" marL="914400" rtl="0" algn="l">
+            <a:pPr marL="914400" lvl="1" indent="-317500" algn="l" rtl="0">
               <a:lnSpc>
                 <a:spcPct val="150000"/>
               </a:lnSpc>
@@ -8953,7 +9129,7 @@
             </a:endParaRPr>
           </a:p>
           <a:p>
-            <a:pPr indent="-317500" lvl="1" marL="914400" rtl="0" algn="l">
+            <a:pPr marL="914400" lvl="1" indent="-317500" algn="l" rtl="0">
               <a:lnSpc>
                 <a:spcPct val="150000"/>
               </a:lnSpc>
@@ -8984,18 +9160,15 @@
             </a:endParaRPr>
           </a:p>
           <a:p>
-            <a:pPr indent="0" lvl="0" marL="0" rtl="0" algn="l">
-              <a:spcBef>
-                <a:spcPts val="0"/>
-              </a:spcBef>
-              <a:spcAft>
-                <a:spcPts val="0"/>
-              </a:spcAft>
-              <a:buNone/>
-            </a:pPr>
-            <a:r>
-              <a:t/>
-            </a:r>
+            <a:pPr marL="0" lvl="0" indent="0" algn="l" rtl="0">
+              <a:spcBef>
+                <a:spcPts val="0"/>
+              </a:spcBef>
+              <a:spcAft>
+                <a:spcPts val="0"/>
+              </a:spcAft>
+              <a:buNone/>
+            </a:pPr>
             <a:endParaRPr sz="2000">
               <a:latin typeface="Merriweather"/>
               <a:ea typeface="Merriweather"/>
@@ -9053,12 +9226,12 @@
           </a:ln>
         </p:spPr>
         <p:txBody>
-          <a:bodyPr anchorCtr="0" anchor="t" bIns="91425" lIns="91425" spcFirstLastPara="1" rIns="91425" wrap="square" tIns="91425">
+          <a:bodyPr spcFirstLastPara="1" wrap="square" lIns="91425" tIns="91425" rIns="91425" bIns="91425" anchor="t" anchorCtr="0">
             <a:spAutoFit/>
           </a:bodyPr>
           <a:lstStyle/>
           <a:p>
-            <a:pPr indent="0" lvl="0" marL="0" rtl="0" algn="ctr">
+            <a:pPr marL="0" lvl="0" indent="0" algn="ctr" rtl="0">
               <a:spcBef>
                 <a:spcPts val="0"/>
               </a:spcBef>
@@ -9094,11 +9267,11 @@
 </file>
 
 <file path=ppt/slides/slide3.xml><?xml version="1.0" encoding="utf-8"?>
-<p:sld xmlns:a="http://schemas.openxmlformats.org/drawingml/2006/main" xmlns:r="http://schemas.openxmlformats.org/officeDocument/2006/relationships" xmlns:mc="http://schemas.openxmlformats.org/markup-compatibility/2006" xmlns:mv="urn:schemas-microsoft-com:mac:vml" xmlns:p="http://schemas.openxmlformats.org/presentationml/2006/main" xmlns:c="http://schemas.openxmlformats.org/drawingml/2006/chart" xmlns:dgm="http://schemas.openxmlformats.org/drawingml/2006/diagram" xmlns:o="urn:schemas-microsoft-com:office:office" xmlns:v="urn:schemas-microsoft-com:vml" xmlns:pvml="urn:schemas-microsoft-com:office:powerpoint" xmlns:com="http://schemas.openxmlformats.org/drawingml/2006/compatibility" xmlns:p14="http://schemas.microsoft.com/office/powerpoint/2010/main" xmlns:p15="http://schemas.microsoft.com/office/powerpoint/2012/main" xmlns:ahyp="http://schemas.microsoft.com/office/drawing/2018/hyperlinkcolor">
+<p:sld xmlns:a="http://schemas.openxmlformats.org/drawingml/2006/main" xmlns:r="http://schemas.openxmlformats.org/officeDocument/2006/relationships" xmlns:p="http://schemas.openxmlformats.org/presentationml/2006/main">
   <p:cSld>
     <p:spTree>
       <p:nvGrpSpPr>
-        <p:cNvPr id="78" name="Shape 78"/>
+        <p:cNvPr id="1" name="Shape 78"/>
         <p:cNvGrpSpPr/>
         <p:nvPr/>
       </p:nvGrpSpPr>
@@ -9113,7 +9286,9 @@
       <p:sp>
         <p:nvSpPr>
           <p:cNvPr id="79" name="Google Shape;79;p15"/>
-          <p:cNvSpPr txBox="1"/>
+          <p:cNvSpPr txBox="1">
+            <a:spLocks noGrp="1"/>
+          </p:cNvSpPr>
           <p:nvPr>
             <p:ph type="title"/>
           </p:nvPr>
@@ -9128,12 +9303,12 @@
           </a:prstGeom>
         </p:spPr>
         <p:txBody>
-          <a:bodyPr anchorCtr="0" anchor="t" bIns="91425" lIns="91425" spcFirstLastPara="1" rIns="91425" wrap="square" tIns="91425">
+          <a:bodyPr spcFirstLastPara="1" wrap="square" lIns="91425" tIns="91425" rIns="91425" bIns="91425" anchor="t" anchorCtr="0">
             <a:normAutofit/>
           </a:bodyPr>
           <a:lstStyle/>
           <a:p>
-            <a:pPr indent="0" lvl="0" marL="0" rtl="0" algn="l">
+            <a:pPr marL="0" lvl="0" indent="0" algn="l" rtl="0">
               <a:spcBef>
                 <a:spcPts val="0"/>
               </a:spcBef>
@@ -9170,12 +9345,12 @@
           </a:ln>
         </p:spPr>
         <p:txBody>
-          <a:bodyPr anchorCtr="0" anchor="t" bIns="91425" lIns="91425" spcFirstLastPara="1" rIns="91425" wrap="square" tIns="91425">
+          <a:bodyPr spcFirstLastPara="1" wrap="square" lIns="91425" tIns="91425" rIns="91425" bIns="91425" anchor="t" anchorCtr="0">
             <a:spAutoFit/>
           </a:bodyPr>
           <a:lstStyle/>
           <a:p>
-            <a:pPr indent="0" lvl="0" marL="0" rtl="0" algn="l">
+            <a:pPr marL="0" lvl="0" indent="0" algn="l" rtl="0">
               <a:spcBef>
                 <a:spcPts val="0"/>
               </a:spcBef>
@@ -9250,12 +9425,12 @@
           </a:ln>
         </p:spPr>
         <p:txBody>
-          <a:bodyPr anchorCtr="0" anchor="t" bIns="91425" lIns="91425" spcFirstLastPara="1" rIns="91425" wrap="square" tIns="91425">
+          <a:bodyPr spcFirstLastPara="1" wrap="square" lIns="91425" tIns="91425" rIns="91425" bIns="91425" anchor="t" anchorCtr="0">
             <a:spAutoFit/>
           </a:bodyPr>
           <a:lstStyle/>
           <a:p>
-            <a:pPr indent="0" lvl="0" marL="0" rtl="0" algn="ctr">
+            <a:pPr marL="0" lvl="0" indent="0" algn="ctr" rtl="0">
               <a:spcBef>
                 <a:spcPts val="0"/>
               </a:spcBef>
@@ -9330,12 +9505,12 @@
           </a:ln>
         </p:spPr>
         <p:txBody>
-          <a:bodyPr anchorCtr="0" anchor="t" bIns="91425" lIns="91425" spcFirstLastPara="1" rIns="91425" wrap="square" tIns="91425">
+          <a:bodyPr spcFirstLastPara="1" wrap="square" lIns="91425" tIns="91425" rIns="91425" bIns="91425" anchor="t" anchorCtr="0">
             <a:spAutoFit/>
           </a:bodyPr>
           <a:lstStyle/>
           <a:p>
-            <a:pPr indent="0" lvl="0" marL="0" rtl="0" algn="ctr">
+            <a:pPr marL="0" lvl="0" indent="0" algn="ctr" rtl="0">
               <a:spcBef>
                 <a:spcPts val="0"/>
               </a:spcBef>
@@ -9410,12 +9585,12 @@
           </a:ln>
         </p:spPr>
         <p:txBody>
-          <a:bodyPr anchorCtr="0" anchor="t" bIns="91425" lIns="91425" spcFirstLastPara="1" rIns="91425" wrap="square" tIns="91425">
+          <a:bodyPr spcFirstLastPara="1" wrap="square" lIns="91425" tIns="91425" rIns="91425" bIns="91425" anchor="t" anchorCtr="0">
             <a:spAutoFit/>
           </a:bodyPr>
           <a:lstStyle/>
           <a:p>
-            <a:pPr indent="0" lvl="0" marL="0" rtl="0" algn="ctr">
+            <a:pPr marL="0" lvl="0" indent="0" algn="ctr" rtl="0">
               <a:spcBef>
                 <a:spcPts val="0"/>
               </a:spcBef>
@@ -9490,12 +9665,12 @@
           </a:ln>
         </p:spPr>
         <p:txBody>
-          <a:bodyPr anchorCtr="0" anchor="t" bIns="91425" lIns="91425" spcFirstLastPara="1" rIns="91425" wrap="square" tIns="91425">
+          <a:bodyPr spcFirstLastPara="1" wrap="square" lIns="91425" tIns="91425" rIns="91425" bIns="91425" anchor="t" anchorCtr="0">
             <a:spAutoFit/>
           </a:bodyPr>
           <a:lstStyle/>
           <a:p>
-            <a:pPr indent="0" lvl="0" marL="0" rtl="0" algn="ctr">
+            <a:pPr marL="0" lvl="0" indent="0" algn="ctr" rtl="0">
               <a:spcBef>
                 <a:spcPts val="0"/>
               </a:spcBef>
@@ -9531,11 +9706,11 @@
 </file>
 
 <file path=ppt/slides/slide4.xml><?xml version="1.0" encoding="utf-8"?>
-<p:sld xmlns:a="http://schemas.openxmlformats.org/drawingml/2006/main" xmlns:r="http://schemas.openxmlformats.org/officeDocument/2006/relationships" xmlns:mc="http://schemas.openxmlformats.org/markup-compatibility/2006" xmlns:mv="urn:schemas-microsoft-com:mac:vml" xmlns:p="http://schemas.openxmlformats.org/presentationml/2006/main" xmlns:c="http://schemas.openxmlformats.org/drawingml/2006/chart" xmlns:dgm="http://schemas.openxmlformats.org/drawingml/2006/diagram" xmlns:o="urn:schemas-microsoft-com:office:office" xmlns:v="urn:schemas-microsoft-com:vml" xmlns:pvml="urn:schemas-microsoft-com:office:powerpoint" xmlns:com="http://schemas.openxmlformats.org/drawingml/2006/compatibility" xmlns:p14="http://schemas.microsoft.com/office/powerpoint/2010/main" xmlns:p15="http://schemas.microsoft.com/office/powerpoint/2012/main" xmlns:ahyp="http://schemas.microsoft.com/office/drawing/2018/hyperlinkcolor">
+<p:sld xmlns:a="http://schemas.openxmlformats.org/drawingml/2006/main" xmlns:r="http://schemas.openxmlformats.org/officeDocument/2006/relationships" xmlns:p="http://schemas.openxmlformats.org/presentationml/2006/main">
   <p:cSld>
     <p:spTree>
       <p:nvGrpSpPr>
-        <p:cNvPr id="92" name="Shape 92"/>
+        <p:cNvPr id="1" name="Shape 92"/>
         <p:cNvGrpSpPr/>
         <p:nvPr/>
       </p:nvGrpSpPr>
@@ -9550,7 +9725,9 @@
       <p:sp>
         <p:nvSpPr>
           <p:cNvPr id="93" name="Google Shape;93;p16"/>
-          <p:cNvSpPr txBox="1"/>
+          <p:cNvSpPr txBox="1">
+            <a:spLocks noGrp="1"/>
+          </p:cNvSpPr>
           <p:nvPr>
             <p:ph type="title"/>
           </p:nvPr>
@@ -9565,12 +9742,12 @@
           </a:prstGeom>
         </p:spPr>
         <p:txBody>
-          <a:bodyPr anchorCtr="0" anchor="t" bIns="91425" lIns="91425" spcFirstLastPara="1" rIns="91425" wrap="square" tIns="91425">
+          <a:bodyPr spcFirstLastPara="1" wrap="square" lIns="91425" tIns="91425" rIns="91425" bIns="91425" anchor="t" anchorCtr="0">
             <a:normAutofit/>
           </a:bodyPr>
           <a:lstStyle/>
           <a:p>
-            <a:pPr indent="0" lvl="0" marL="0" rtl="0" algn="l">
+            <a:pPr marL="0" lvl="0" indent="0" algn="l" rtl="0">
               <a:spcBef>
                 <a:spcPts val="0"/>
               </a:spcBef>
@@ -9607,12 +9784,12 @@
           </a:ln>
         </p:spPr>
         <p:txBody>
-          <a:bodyPr anchorCtr="0" anchor="t" bIns="91425" lIns="91425" spcFirstLastPara="1" rIns="91425" wrap="square" tIns="91425">
+          <a:bodyPr spcFirstLastPara="1" wrap="square" lIns="91425" tIns="91425" rIns="91425" bIns="91425" anchor="t" anchorCtr="0">
             <a:spAutoFit/>
           </a:bodyPr>
           <a:lstStyle/>
           <a:p>
-            <a:pPr indent="-342900" lvl="0" marL="457200" rtl="0" algn="l">
+            <a:pPr marL="457200" lvl="0" indent="-342900" algn="l" rtl="0">
               <a:spcBef>
                 <a:spcPts val="0"/>
               </a:spcBef>
@@ -9653,7 +9830,7 @@
             </a:endParaRPr>
           </a:p>
           <a:p>
-            <a:pPr indent="-317500" lvl="1" marL="914400" rtl="0" algn="l">
+            <a:pPr marL="914400" lvl="1" indent="-317500" algn="l" rtl="0">
               <a:spcBef>
                 <a:spcPts val="0"/>
               </a:spcBef>
@@ -9681,7 +9858,7 @@
             </a:endParaRPr>
           </a:p>
           <a:p>
-            <a:pPr indent="-317500" lvl="2" marL="1371600" rtl="0" algn="l">
+            <a:pPr marL="1371600" lvl="2" indent="-317500" algn="l" rtl="0">
               <a:spcBef>
                 <a:spcPts val="0"/>
               </a:spcBef>
@@ -9709,7 +9886,7 @@
             </a:endParaRPr>
           </a:p>
           <a:p>
-            <a:pPr indent="-317500" lvl="2" marL="1371600" rtl="0" algn="l">
+            <a:pPr marL="1371600" lvl="2" indent="-317500" algn="l" rtl="0">
               <a:spcBef>
                 <a:spcPts val="0"/>
               </a:spcBef>
@@ -9737,7 +9914,7 @@
             </a:endParaRPr>
           </a:p>
           <a:p>
-            <a:pPr indent="-317500" lvl="2" marL="1371600" rtl="0" algn="l">
+            <a:pPr marL="1371600" lvl="2" indent="-317500" algn="l" rtl="0">
               <a:spcBef>
                 <a:spcPts val="0"/>
               </a:spcBef>
@@ -9765,7 +9942,7 @@
             </a:endParaRPr>
           </a:p>
           <a:p>
-            <a:pPr indent="-317500" lvl="2" marL="1371600" rtl="0" algn="l">
+            <a:pPr marL="1371600" lvl="2" indent="-317500" algn="l" rtl="0">
               <a:spcBef>
                 <a:spcPts val="0"/>
               </a:spcBef>
@@ -9793,7 +9970,7 @@
             </a:endParaRPr>
           </a:p>
           <a:p>
-            <a:pPr indent="-342900" lvl="0" marL="457200" rtl="0" algn="l">
+            <a:pPr marL="457200" lvl="0" indent="-342900" algn="l" rtl="0">
               <a:spcBef>
                 <a:spcPts val="0"/>
               </a:spcBef>
@@ -9821,7 +9998,7 @@
             </a:endParaRPr>
           </a:p>
           <a:p>
-            <a:pPr indent="-317500" lvl="1" marL="914400" rtl="0" algn="l">
+            <a:pPr marL="914400" lvl="1" indent="-317500" algn="l" rtl="0">
               <a:spcBef>
                 <a:spcPts val="0"/>
               </a:spcBef>
@@ -9849,7 +10026,7 @@
             </a:endParaRPr>
           </a:p>
           <a:p>
-            <a:pPr indent="-317500" lvl="1" marL="914400" rtl="0" algn="l">
+            <a:pPr marL="914400" lvl="1" indent="-317500" algn="l" rtl="0">
               <a:spcBef>
                 <a:spcPts val="0"/>
               </a:spcBef>
@@ -9877,7 +10054,7 @@
             </a:endParaRPr>
           </a:p>
           <a:p>
-            <a:pPr indent="-317500" lvl="1" marL="914400" rtl="0" algn="l">
+            <a:pPr marL="914400" lvl="1" indent="-317500" algn="l" rtl="0">
               <a:spcBef>
                 <a:spcPts val="0"/>
               </a:spcBef>
@@ -9905,7 +10082,7 @@
             </a:endParaRPr>
           </a:p>
           <a:p>
-            <a:pPr indent="-342900" lvl="0" marL="457200" rtl="0" algn="l">
+            <a:pPr marL="457200" lvl="0" indent="-342900" algn="l" rtl="0">
               <a:spcBef>
                 <a:spcPts val="0"/>
               </a:spcBef>
@@ -9933,7 +10110,7 @@
             </a:endParaRPr>
           </a:p>
           <a:p>
-            <a:pPr indent="-317500" lvl="1" marL="914400" rtl="0" algn="l">
+            <a:pPr marL="914400" lvl="1" indent="-317500" algn="l" rtl="0">
               <a:spcBef>
                 <a:spcPts val="0"/>
               </a:spcBef>
@@ -9971,11 +10148,11 @@
 </file>
 
 <file path=ppt/slides/slide5.xml><?xml version="1.0" encoding="utf-8"?>
-<p:sld xmlns:a="http://schemas.openxmlformats.org/drawingml/2006/main" xmlns:r="http://schemas.openxmlformats.org/officeDocument/2006/relationships" xmlns:mc="http://schemas.openxmlformats.org/markup-compatibility/2006" xmlns:mv="urn:schemas-microsoft-com:mac:vml" xmlns:p="http://schemas.openxmlformats.org/presentationml/2006/main" xmlns:c="http://schemas.openxmlformats.org/drawingml/2006/chart" xmlns:dgm="http://schemas.openxmlformats.org/drawingml/2006/diagram" xmlns:o="urn:schemas-microsoft-com:office:office" xmlns:v="urn:schemas-microsoft-com:vml" xmlns:pvml="urn:schemas-microsoft-com:office:powerpoint" xmlns:com="http://schemas.openxmlformats.org/drawingml/2006/compatibility" xmlns:p14="http://schemas.microsoft.com/office/powerpoint/2010/main" xmlns:p15="http://schemas.microsoft.com/office/powerpoint/2012/main" xmlns:ahyp="http://schemas.microsoft.com/office/drawing/2018/hyperlinkcolor">
+<p:sld xmlns:a="http://schemas.openxmlformats.org/drawingml/2006/main" xmlns:r="http://schemas.openxmlformats.org/officeDocument/2006/relationships" xmlns:p="http://schemas.openxmlformats.org/presentationml/2006/main">
   <p:cSld>
     <p:spTree>
       <p:nvGrpSpPr>
-        <p:cNvPr id="98" name="Shape 98"/>
+        <p:cNvPr id="1" name="Shape 98"/>
         <p:cNvGrpSpPr/>
         <p:nvPr/>
       </p:nvGrpSpPr>
@@ -9990,7 +10167,9 @@
       <p:sp>
         <p:nvSpPr>
           <p:cNvPr id="99" name="Google Shape;99;p17"/>
-          <p:cNvSpPr txBox="1"/>
+          <p:cNvSpPr txBox="1">
+            <a:spLocks noGrp="1"/>
+          </p:cNvSpPr>
           <p:nvPr>
             <p:ph type="title"/>
           </p:nvPr>
@@ -10005,12 +10184,12 @@
           </a:prstGeom>
         </p:spPr>
         <p:txBody>
-          <a:bodyPr anchorCtr="0" anchor="t" bIns="91425" lIns="91425" spcFirstLastPara="1" rIns="91425" wrap="square" tIns="91425">
+          <a:bodyPr spcFirstLastPara="1" wrap="square" lIns="91425" tIns="91425" rIns="91425" bIns="91425" anchor="t" anchorCtr="0">
             <a:normAutofit/>
           </a:bodyPr>
           <a:lstStyle/>
           <a:p>
-            <a:pPr indent="0" lvl="0" marL="0" rtl="0" algn="l">
+            <a:pPr marL="0" lvl="0" indent="0" algn="l" rtl="0">
               <a:spcBef>
                 <a:spcPts val="0"/>
               </a:spcBef>
@@ -10075,12 +10254,12 @@
           </a:ln>
         </p:spPr>
         <p:txBody>
-          <a:bodyPr anchorCtr="0" anchor="t" bIns="91425" lIns="91425" spcFirstLastPara="1" rIns="91425" wrap="square" tIns="91425">
+          <a:bodyPr spcFirstLastPara="1" wrap="square" lIns="91425" tIns="91425" rIns="91425" bIns="91425" anchor="t" anchorCtr="0">
             <a:spAutoFit/>
           </a:bodyPr>
           <a:lstStyle/>
           <a:p>
-            <a:pPr indent="-342900" lvl="0" marL="457200" rtl="0" algn="l">
+            <a:pPr marL="457200" lvl="0" indent="-342900" algn="l" rtl="0">
               <a:spcBef>
                 <a:spcPts val="0"/>
               </a:spcBef>
@@ -10108,7 +10287,7 @@
             </a:endParaRPr>
           </a:p>
           <a:p>
-            <a:pPr indent="-317500" lvl="1" marL="914400" rtl="0" algn="l">
+            <a:pPr marL="914400" lvl="1" indent="-317500" algn="l" rtl="0">
               <a:spcBef>
                 <a:spcPts val="0"/>
               </a:spcBef>
@@ -10136,7 +10315,7 @@
             </a:endParaRPr>
           </a:p>
           <a:p>
-            <a:pPr indent="-317500" lvl="1" marL="914400" rtl="0" algn="l">
+            <a:pPr marL="914400" lvl="1" indent="-317500" algn="l" rtl="0">
               <a:spcBef>
                 <a:spcPts val="0"/>
               </a:spcBef>
@@ -10164,7 +10343,7 @@
             </a:endParaRPr>
           </a:p>
           <a:p>
-            <a:pPr indent="-317500" lvl="1" marL="914400" rtl="0" algn="l">
+            <a:pPr marL="914400" lvl="1" indent="-317500" algn="l" rtl="0">
               <a:spcBef>
                 <a:spcPts val="0"/>
               </a:spcBef>
@@ -10192,7 +10371,7 @@
             </a:endParaRPr>
           </a:p>
           <a:p>
-            <a:pPr indent="-342900" lvl="0" marL="457200" rtl="0" algn="l">
+            <a:pPr marL="457200" lvl="0" indent="-342900" algn="l" rtl="0">
               <a:spcBef>
                 <a:spcPts val="0"/>
               </a:spcBef>
@@ -10220,7 +10399,7 @@
             </a:endParaRPr>
           </a:p>
           <a:p>
-            <a:pPr indent="-317500" lvl="1" marL="914400" rtl="0" algn="l">
+            <a:pPr marL="914400" lvl="1" indent="-317500" algn="l" rtl="0">
               <a:spcBef>
                 <a:spcPts val="0"/>
               </a:spcBef>
@@ -10248,7 +10427,7 @@
             </a:endParaRPr>
           </a:p>
           <a:p>
-            <a:pPr indent="-342900" lvl="0" marL="457200" rtl="0" algn="l">
+            <a:pPr marL="457200" lvl="0" indent="-342900" algn="l" rtl="0">
               <a:spcBef>
                 <a:spcPts val="0"/>
               </a:spcBef>
@@ -10276,7 +10455,7 @@
             </a:endParaRPr>
           </a:p>
           <a:p>
-            <a:pPr indent="-342900" lvl="0" marL="457200" rtl="0" algn="l">
+            <a:pPr marL="457200" lvl="0" indent="-342900" algn="l" rtl="0">
               <a:spcBef>
                 <a:spcPts val="0"/>
               </a:spcBef>
@@ -10304,18 +10483,15 @@
             </a:endParaRPr>
           </a:p>
           <a:p>
-            <a:pPr indent="0" lvl="0" marL="457200" rtl="0" algn="l">
-              <a:spcBef>
-                <a:spcPts val="0"/>
-              </a:spcBef>
-              <a:spcAft>
-                <a:spcPts val="0"/>
-              </a:spcAft>
-              <a:buNone/>
-            </a:pPr>
-            <a:r>
-              <a:t/>
-            </a:r>
+            <a:pPr marL="457200" lvl="0" indent="0" algn="l" rtl="0">
+              <a:spcBef>
+                <a:spcPts val="0"/>
+              </a:spcBef>
+              <a:spcAft>
+                <a:spcPts val="0"/>
+              </a:spcAft>
+              <a:buNone/>
+            </a:pPr>
             <a:endParaRPr sz="1800">
               <a:latin typeface="Merriweather"/>
               <a:ea typeface="Merriweather"/>
@@ -10324,7 +10500,7 @@
             </a:endParaRPr>
           </a:p>
           <a:p>
-            <a:pPr indent="-342900" lvl="0" marL="457200" rtl="0" algn="l">
+            <a:pPr marL="457200" lvl="0" indent="-342900" algn="l" rtl="0">
               <a:spcBef>
                 <a:spcPts val="0"/>
               </a:spcBef>
@@ -10384,11 +10560,11 @@
 </file>
 
 <file path=ppt/slides/slide6.xml><?xml version="1.0" encoding="utf-8"?>
-<p:sld xmlns:a="http://schemas.openxmlformats.org/drawingml/2006/main" xmlns:r="http://schemas.openxmlformats.org/officeDocument/2006/relationships" xmlns:mc="http://schemas.openxmlformats.org/markup-compatibility/2006" xmlns:mv="urn:schemas-microsoft-com:mac:vml" xmlns:p="http://schemas.openxmlformats.org/presentationml/2006/main" xmlns:c="http://schemas.openxmlformats.org/drawingml/2006/chart" xmlns:dgm="http://schemas.openxmlformats.org/drawingml/2006/diagram" xmlns:o="urn:schemas-microsoft-com:office:office" xmlns:v="urn:schemas-microsoft-com:vml" xmlns:pvml="urn:schemas-microsoft-com:office:powerpoint" xmlns:com="http://schemas.openxmlformats.org/drawingml/2006/compatibility" xmlns:p14="http://schemas.microsoft.com/office/powerpoint/2010/main" xmlns:p15="http://schemas.microsoft.com/office/powerpoint/2012/main" xmlns:ahyp="http://schemas.microsoft.com/office/drawing/2018/hyperlinkcolor">
+<p:sld xmlns:a="http://schemas.openxmlformats.org/drawingml/2006/main" xmlns:r="http://schemas.openxmlformats.org/officeDocument/2006/relationships" xmlns:p="http://schemas.openxmlformats.org/presentationml/2006/main">
   <p:cSld>
     <p:spTree>
       <p:nvGrpSpPr>
-        <p:cNvPr id="105" name="Shape 105"/>
+        <p:cNvPr id="1" name="Shape 105"/>
         <p:cNvGrpSpPr/>
         <p:nvPr/>
       </p:nvGrpSpPr>
@@ -10403,7 +10579,9 @@
       <p:sp>
         <p:nvSpPr>
           <p:cNvPr id="106" name="Google Shape;106;p18"/>
-          <p:cNvSpPr txBox="1"/>
+          <p:cNvSpPr txBox="1">
+            <a:spLocks noGrp="1"/>
+          </p:cNvSpPr>
           <p:nvPr>
             <p:ph type="title"/>
           </p:nvPr>
@@ -10418,12 +10596,12 @@
           </a:prstGeom>
         </p:spPr>
         <p:txBody>
-          <a:bodyPr anchorCtr="0" anchor="t" bIns="91425" lIns="91425" spcFirstLastPara="1" rIns="91425" wrap="square" tIns="91425">
+          <a:bodyPr spcFirstLastPara="1" wrap="square" lIns="91425" tIns="91425" rIns="91425" bIns="91425" anchor="t" anchorCtr="0">
             <a:normAutofit/>
           </a:bodyPr>
           <a:lstStyle/>
           <a:p>
-            <a:pPr indent="0" lvl="0" marL="0" rtl="0" algn="l">
+            <a:pPr marL="0" lvl="0" indent="0" algn="l" rtl="0">
               <a:spcBef>
                 <a:spcPts val="0"/>
               </a:spcBef>
@@ -10457,34 +10635,31 @@
           <a:solidFill>
             <a:srgbClr val="C9DAF8"/>
           </a:solidFill>
-          <a:ln cap="flat" cmpd="sng" w="9525">
+          <a:ln w="9525" cap="flat" cmpd="sng">
             <a:solidFill>
               <a:schemeClr val="dk2"/>
             </a:solidFill>
             <a:prstDash val="solid"/>
             <a:round/>
-            <a:headEnd len="sm" w="sm" type="none"/>
-            <a:tailEnd len="sm" w="sm" type="none"/>
+            <a:headEnd type="none" w="sm" len="sm"/>
+            <a:tailEnd type="none" w="sm" len="sm"/>
           </a:ln>
         </p:spPr>
         <p:txBody>
-          <a:bodyPr anchorCtr="0" anchor="ctr" bIns="91425" lIns="91425" spcFirstLastPara="1" rIns="91425" wrap="square" tIns="91425">
+          <a:bodyPr spcFirstLastPara="1" wrap="square" lIns="91425" tIns="91425" rIns="91425" bIns="91425" anchor="ctr" anchorCtr="0">
             <a:noAutofit/>
           </a:bodyPr>
           <a:lstStyle/>
           <a:p>
-            <a:pPr indent="0" lvl="0" marL="0" rtl="0" algn="l">
-              <a:spcBef>
-                <a:spcPts val="0"/>
-              </a:spcBef>
-              <a:spcAft>
-                <a:spcPts val="0"/>
-              </a:spcAft>
-              <a:buNone/>
-            </a:pPr>
-            <a:r>
-              <a:t/>
-            </a:r>
+            <a:pPr marL="0" lvl="0" indent="0" algn="l" rtl="0">
+              <a:spcBef>
+                <a:spcPts val="0"/>
+              </a:spcBef>
+              <a:spcAft>
+                <a:spcPts val="0"/>
+              </a:spcAft>
+              <a:buNone/>
+            </a:pPr>
             <a:endParaRPr/>
           </a:p>
         </p:txBody>
@@ -10506,34 +10681,31 @@
           <a:solidFill>
             <a:srgbClr val="F9CB9C"/>
           </a:solidFill>
-          <a:ln cap="flat" cmpd="sng" w="9525">
+          <a:ln w="9525" cap="flat" cmpd="sng">
             <a:solidFill>
               <a:schemeClr val="dk2"/>
             </a:solidFill>
             <a:prstDash val="solid"/>
             <a:round/>
-            <a:headEnd len="sm" w="sm" type="none"/>
-            <a:tailEnd len="sm" w="sm" type="none"/>
+            <a:headEnd type="none" w="sm" len="sm"/>
+            <a:tailEnd type="none" w="sm" len="sm"/>
           </a:ln>
         </p:spPr>
         <p:txBody>
-          <a:bodyPr anchorCtr="0" anchor="ctr" bIns="91425" lIns="91425" spcFirstLastPara="1" rIns="91425" wrap="square" tIns="91425">
+          <a:bodyPr spcFirstLastPara="1" wrap="square" lIns="91425" tIns="91425" rIns="91425" bIns="91425" anchor="ctr" anchorCtr="0">
             <a:noAutofit/>
           </a:bodyPr>
           <a:lstStyle/>
           <a:p>
-            <a:pPr indent="0" lvl="0" marL="0" rtl="0" algn="l">
-              <a:spcBef>
-                <a:spcPts val="0"/>
-              </a:spcBef>
-              <a:spcAft>
-                <a:spcPts val="0"/>
-              </a:spcAft>
-              <a:buNone/>
-            </a:pPr>
-            <a:r>
-              <a:t/>
-            </a:r>
+            <a:pPr marL="0" lvl="0" indent="0" algn="l" rtl="0">
+              <a:spcBef>
+                <a:spcPts val="0"/>
+              </a:spcBef>
+              <a:spcAft>
+                <a:spcPts val="0"/>
+              </a:spcAft>
+              <a:buNone/>
+            </a:pPr>
             <a:endParaRPr/>
           </a:p>
         </p:txBody>
@@ -10555,34 +10727,31 @@
           <a:solidFill>
             <a:srgbClr val="B6D7A8"/>
           </a:solidFill>
-          <a:ln cap="flat" cmpd="sng" w="9525">
+          <a:ln w="9525" cap="flat" cmpd="sng">
             <a:solidFill>
               <a:schemeClr val="dk2"/>
             </a:solidFill>
             <a:prstDash val="solid"/>
             <a:round/>
-            <a:headEnd len="sm" w="sm" type="none"/>
-            <a:tailEnd len="sm" w="sm" type="none"/>
+            <a:headEnd type="none" w="sm" len="sm"/>
+            <a:tailEnd type="none" w="sm" len="sm"/>
           </a:ln>
         </p:spPr>
         <p:txBody>
-          <a:bodyPr anchorCtr="0" anchor="ctr" bIns="91425" lIns="91425" spcFirstLastPara="1" rIns="91425" wrap="square" tIns="91425">
+          <a:bodyPr spcFirstLastPara="1" wrap="square" lIns="91425" tIns="91425" rIns="91425" bIns="91425" anchor="ctr" anchorCtr="0">
             <a:noAutofit/>
           </a:bodyPr>
           <a:lstStyle/>
           <a:p>
-            <a:pPr indent="0" lvl="0" marL="0" rtl="0" algn="l">
-              <a:spcBef>
-                <a:spcPts val="0"/>
-              </a:spcBef>
-              <a:spcAft>
-                <a:spcPts val="0"/>
-              </a:spcAft>
-              <a:buNone/>
-            </a:pPr>
-            <a:r>
-              <a:t/>
-            </a:r>
+            <a:pPr marL="0" lvl="0" indent="0" algn="l" rtl="0">
+              <a:spcBef>
+                <a:spcPts val="0"/>
+              </a:spcBef>
+              <a:spcAft>
+                <a:spcPts val="0"/>
+              </a:spcAft>
+              <a:buNone/>
+            </a:pPr>
             <a:endParaRPr/>
           </a:p>
         </p:txBody>
@@ -10607,12 +10776,12 @@
           </a:ln>
         </p:spPr>
         <p:txBody>
-          <a:bodyPr anchorCtr="0" anchor="t" bIns="91425" lIns="91425" spcFirstLastPara="1" rIns="91425" wrap="square" tIns="91425">
+          <a:bodyPr spcFirstLastPara="1" wrap="square" lIns="91425" tIns="91425" rIns="91425" bIns="91425" anchor="t" anchorCtr="0">
             <a:spAutoFit/>
           </a:bodyPr>
           <a:lstStyle/>
           <a:p>
-            <a:pPr indent="0" lvl="0" marL="0" rtl="0" algn="l">
+            <a:pPr marL="0" lvl="0" indent="0" algn="l" rtl="0">
               <a:spcBef>
                 <a:spcPts val="0"/>
               </a:spcBef>
@@ -10622,7 +10791,7 @@
               <a:buNone/>
             </a:pPr>
             <a:r>
-              <a:rPr b="1" lang="en" sz="1200">
+              <a:rPr lang="en" sz="1200" b="1">
                 <a:latin typeface="Merriweather"/>
                 <a:ea typeface="Merriweather"/>
                 <a:cs typeface="Merriweather"/>
@@ -10630,7 +10799,7 @@
               </a:rPr>
               <a:t>Private AWS access</a:t>
             </a:r>
-            <a:endParaRPr b="1" sz="1200">
+            <a:endParaRPr sz="1200" b="1">
               <a:latin typeface="Merriweather"/>
               <a:ea typeface="Merriweather"/>
               <a:cs typeface="Merriweather"/>
@@ -10659,12 +10828,12 @@
           </a:ln>
         </p:spPr>
         <p:txBody>
-          <a:bodyPr anchorCtr="0" anchor="t" bIns="91425" lIns="91425" spcFirstLastPara="1" rIns="91425" wrap="square" tIns="91425">
+          <a:bodyPr spcFirstLastPara="1" wrap="square" lIns="91425" tIns="91425" rIns="91425" bIns="91425" anchor="t" anchorCtr="0">
             <a:spAutoFit/>
           </a:bodyPr>
           <a:lstStyle/>
           <a:p>
-            <a:pPr indent="0" lvl="0" marL="0" rtl="0" algn="l">
+            <a:pPr marL="0" lvl="0" indent="0" algn="l" rtl="0">
               <a:spcBef>
                 <a:spcPts val="0"/>
               </a:spcBef>
@@ -10674,7 +10843,7 @@
               <a:buNone/>
             </a:pPr>
             <a:r>
-              <a:rPr b="1" lang="en" sz="1200">
+              <a:rPr lang="en" sz="1200" b="1">
                 <a:latin typeface="Merriweather"/>
                 <a:ea typeface="Merriweather"/>
                 <a:cs typeface="Merriweather"/>
@@ -10682,7 +10851,7 @@
               </a:rPr>
               <a:t>Public AWS access</a:t>
             </a:r>
-            <a:endParaRPr b="1" sz="1200">
+            <a:endParaRPr sz="1200" b="1">
               <a:latin typeface="Merriweather"/>
               <a:ea typeface="Merriweather"/>
               <a:cs typeface="Merriweather"/>
@@ -10704,29 +10873,29 @@
           </a:xfrm>
           <a:prstGeom prst="roundRect">
             <a:avLst>
-              <a:gd fmla="val 16667" name="adj"/>
+              <a:gd name="adj" fmla="val 16667"/>
             </a:avLst>
           </a:prstGeom>
           <a:solidFill>
             <a:srgbClr val="D9D9D9"/>
           </a:solidFill>
-          <a:ln cap="flat" cmpd="sng" w="9525">
+          <a:ln w="9525" cap="flat" cmpd="sng">
             <a:solidFill>
               <a:schemeClr val="dk2"/>
             </a:solidFill>
             <a:prstDash val="solid"/>
             <a:round/>
-            <a:headEnd len="sm" w="sm" type="none"/>
-            <a:tailEnd len="sm" w="sm" type="none"/>
+            <a:headEnd type="none" w="sm" len="sm"/>
+            <a:tailEnd type="none" w="sm" len="sm"/>
           </a:ln>
         </p:spPr>
         <p:txBody>
-          <a:bodyPr anchorCtr="0" anchor="ctr" bIns="91425" lIns="91425" spcFirstLastPara="1" rIns="91425" wrap="square" tIns="91425">
+          <a:bodyPr spcFirstLastPara="1" wrap="square" lIns="91425" tIns="91425" rIns="91425" bIns="91425" anchor="ctr" anchorCtr="0">
             <a:noAutofit/>
           </a:bodyPr>
           <a:lstStyle/>
           <a:p>
-            <a:pPr indent="0" lvl="0" marL="0" rtl="0" algn="l">
+            <a:pPr marL="0" lvl="0" indent="0" algn="l" rtl="0">
               <a:spcBef>
                 <a:spcPts val="0"/>
               </a:spcBef>
@@ -10766,29 +10935,29 @@
           </a:xfrm>
           <a:prstGeom prst="roundRect">
             <a:avLst>
-              <a:gd fmla="val 16667" name="adj"/>
+              <a:gd name="adj" fmla="val 16667"/>
             </a:avLst>
           </a:prstGeom>
           <a:solidFill>
             <a:srgbClr val="D9D9D9"/>
           </a:solidFill>
-          <a:ln cap="flat" cmpd="sng" w="9525">
+          <a:ln w="9525" cap="flat" cmpd="sng">
             <a:solidFill>
               <a:schemeClr val="dk2"/>
             </a:solidFill>
             <a:prstDash val="solid"/>
             <a:round/>
-            <a:headEnd len="sm" w="sm" type="none"/>
-            <a:tailEnd len="sm" w="sm" type="none"/>
+            <a:headEnd type="none" w="sm" len="sm"/>
+            <a:tailEnd type="none" w="sm" len="sm"/>
           </a:ln>
         </p:spPr>
         <p:txBody>
-          <a:bodyPr anchorCtr="0" anchor="ctr" bIns="91425" lIns="91425" spcFirstLastPara="1" rIns="91425" wrap="square" tIns="91425">
+          <a:bodyPr spcFirstLastPara="1" wrap="square" lIns="91425" tIns="91425" rIns="91425" bIns="91425" anchor="ctr" anchorCtr="0">
             <a:noAutofit/>
           </a:bodyPr>
           <a:lstStyle/>
           <a:p>
-            <a:pPr indent="0" lvl="0" marL="0" rtl="0" algn="l">
+            <a:pPr marL="0" lvl="0" indent="0" algn="l" rtl="0">
               <a:spcBef>
                 <a:spcPts val="0"/>
               </a:spcBef>
@@ -10835,12 +11004,12 @@
           </a:ln>
         </p:spPr>
         <p:txBody>
-          <a:bodyPr anchorCtr="0" anchor="t" bIns="91425" lIns="91425" spcFirstLastPara="1" rIns="91425" wrap="square" tIns="91425">
+          <a:bodyPr spcFirstLastPara="1" wrap="square" lIns="91425" tIns="91425" rIns="91425" bIns="91425" anchor="t" anchorCtr="0">
             <a:spAutoFit/>
           </a:bodyPr>
           <a:lstStyle/>
           <a:p>
-            <a:pPr indent="0" lvl="0" marL="0" rtl="0" algn="l">
+            <a:pPr marL="0" lvl="0" indent="0" algn="l" rtl="0">
               <a:spcBef>
                 <a:spcPts val="0"/>
               </a:spcBef>
@@ -10850,7 +11019,7 @@
               <a:buNone/>
             </a:pPr>
             <a:r>
-              <a:rPr b="1" lang="en" sz="1200">
+              <a:rPr lang="en" sz="1200" b="1">
                 <a:latin typeface="Merriweather"/>
                 <a:ea typeface="Merriweather"/>
                 <a:cs typeface="Merriweather"/>
@@ -10858,7 +11027,7 @@
               </a:rPr>
               <a:t>Non-AWS</a:t>
             </a:r>
-            <a:endParaRPr b="1" sz="1200">
+            <a:endParaRPr sz="1200" b="1">
               <a:latin typeface="Merriweather"/>
               <a:ea typeface="Merriweather"/>
               <a:cs typeface="Merriweather"/>
@@ -10880,29 +11049,29 @@
           </a:xfrm>
           <a:prstGeom prst="roundRect">
             <a:avLst>
-              <a:gd fmla="val 16667" name="adj"/>
+              <a:gd name="adj" fmla="val 16667"/>
             </a:avLst>
           </a:prstGeom>
           <a:solidFill>
             <a:srgbClr val="D9D9D9"/>
           </a:solidFill>
-          <a:ln cap="flat" cmpd="sng" w="9525">
+          <a:ln w="9525" cap="flat" cmpd="sng">
             <a:solidFill>
               <a:schemeClr val="dk2"/>
             </a:solidFill>
             <a:prstDash val="solid"/>
             <a:round/>
-            <a:headEnd len="sm" w="sm" type="none"/>
-            <a:tailEnd len="sm" w="sm" type="none"/>
+            <a:headEnd type="none" w="sm" len="sm"/>
+            <a:tailEnd type="none" w="sm" len="sm"/>
           </a:ln>
         </p:spPr>
         <p:txBody>
-          <a:bodyPr anchorCtr="0" anchor="ctr" bIns="91425" lIns="91425" spcFirstLastPara="1" rIns="91425" wrap="square" tIns="91425">
+          <a:bodyPr spcFirstLastPara="1" wrap="square" lIns="91425" tIns="91425" rIns="91425" bIns="91425" anchor="ctr" anchorCtr="0">
             <a:noAutofit/>
           </a:bodyPr>
           <a:lstStyle/>
           <a:p>
-            <a:pPr indent="0" lvl="0" marL="0" rtl="0" algn="l">
+            <a:pPr marL="0" lvl="0" indent="0" algn="l" rtl="0">
               <a:spcBef>
                 <a:spcPts val="0"/>
               </a:spcBef>
@@ -10942,29 +11111,29 @@
           </a:xfrm>
           <a:prstGeom prst="roundRect">
             <a:avLst>
-              <a:gd fmla="val 16667" name="adj"/>
+              <a:gd name="adj" fmla="val 16667"/>
             </a:avLst>
           </a:prstGeom>
           <a:solidFill>
             <a:srgbClr val="D9D9D9"/>
           </a:solidFill>
-          <a:ln cap="flat" cmpd="sng" w="9525">
+          <a:ln w="9525" cap="flat" cmpd="sng">
             <a:solidFill>
               <a:schemeClr val="dk2"/>
             </a:solidFill>
             <a:prstDash val="solid"/>
             <a:round/>
-            <a:headEnd len="sm" w="sm" type="none"/>
-            <a:tailEnd len="sm" w="sm" type="none"/>
+            <a:headEnd type="none" w="sm" len="sm"/>
+            <a:tailEnd type="none" w="sm" len="sm"/>
           </a:ln>
         </p:spPr>
         <p:txBody>
-          <a:bodyPr anchorCtr="0" anchor="ctr" bIns="91425" lIns="91425" spcFirstLastPara="1" rIns="91425" wrap="square" tIns="91425">
+          <a:bodyPr spcFirstLastPara="1" wrap="square" lIns="91425" tIns="91425" rIns="91425" bIns="91425" anchor="ctr" anchorCtr="0">
             <a:noAutofit/>
           </a:bodyPr>
           <a:lstStyle/>
           <a:p>
-            <a:pPr indent="0" lvl="0" marL="0" rtl="0" algn="l">
+            <a:pPr marL="0" lvl="0" indent="0" algn="l" rtl="0">
               <a:spcBef>
                 <a:spcPts val="0"/>
               </a:spcBef>
@@ -10980,16 +11149,7 @@
                 <a:cs typeface="Merriweather"/>
                 <a:sym typeface="Merriweather"/>
               </a:rPr>
-              <a:t>Create user identity pool</a:t>
-            </a:r>
-            <a:r>
-              <a:rPr lang="en" sz="1200">
-                <a:latin typeface="Merriweather"/>
-                <a:ea typeface="Merriweather"/>
-                <a:cs typeface="Merriweather"/>
-                <a:sym typeface="Merriweather"/>
-              </a:rPr>
-              <a:t> with Cognito</a:t>
+              <a:t>Create user identity pool with Cognito</a:t>
             </a:r>
             <a:endParaRPr sz="1200">
               <a:latin typeface="Merriweather"/>
@@ -11013,29 +11173,29 @@
           </a:xfrm>
           <a:prstGeom prst="roundRect">
             <a:avLst>
-              <a:gd fmla="val 16667" name="adj"/>
+              <a:gd name="adj" fmla="val 16667"/>
             </a:avLst>
           </a:prstGeom>
           <a:solidFill>
             <a:srgbClr val="D9D9D9"/>
           </a:solidFill>
-          <a:ln cap="flat" cmpd="sng" w="9525">
+          <a:ln w="9525" cap="flat" cmpd="sng">
             <a:solidFill>
               <a:schemeClr val="dk2"/>
             </a:solidFill>
             <a:prstDash val="solid"/>
             <a:round/>
-            <a:headEnd len="sm" w="sm" type="none"/>
-            <a:tailEnd len="sm" w="sm" type="none"/>
+            <a:headEnd type="none" w="sm" len="sm"/>
+            <a:tailEnd type="none" w="sm" len="sm"/>
           </a:ln>
         </p:spPr>
         <p:txBody>
-          <a:bodyPr anchorCtr="0" anchor="ctr" bIns="91425" lIns="91425" spcFirstLastPara="1" rIns="91425" wrap="square" tIns="91425">
+          <a:bodyPr spcFirstLastPara="1" wrap="square" lIns="91425" tIns="91425" rIns="91425" bIns="91425" anchor="ctr" anchorCtr="0">
             <a:noAutofit/>
           </a:bodyPr>
           <a:lstStyle/>
           <a:p>
-            <a:pPr indent="0" lvl="0" marL="0" rtl="0" algn="l">
+            <a:pPr marL="0" lvl="0" indent="0" algn="l" rtl="0">
               <a:spcBef>
                 <a:spcPts val="0"/>
               </a:spcBef>
@@ -11075,29 +11235,29 @@
           </a:xfrm>
           <a:prstGeom prst="roundRect">
             <a:avLst>
-              <a:gd fmla="val 16667" name="adj"/>
+              <a:gd name="adj" fmla="val 16667"/>
             </a:avLst>
           </a:prstGeom>
           <a:solidFill>
             <a:srgbClr val="D9D9D9"/>
           </a:solidFill>
-          <a:ln cap="flat" cmpd="sng" w="9525">
+          <a:ln w="9525" cap="flat" cmpd="sng">
             <a:solidFill>
               <a:schemeClr val="dk2"/>
             </a:solidFill>
             <a:prstDash val="solid"/>
             <a:round/>
-            <a:headEnd len="sm" w="sm" type="none"/>
-            <a:tailEnd len="sm" w="sm" type="none"/>
+            <a:headEnd type="none" w="sm" len="sm"/>
+            <a:tailEnd type="none" w="sm" len="sm"/>
           </a:ln>
         </p:spPr>
         <p:txBody>
-          <a:bodyPr anchorCtr="0" anchor="ctr" bIns="91425" lIns="91425" spcFirstLastPara="1" rIns="91425" wrap="square" tIns="91425">
+          <a:bodyPr spcFirstLastPara="1" wrap="square" lIns="91425" tIns="91425" rIns="91425" bIns="91425" anchor="ctr" anchorCtr="0">
             <a:noAutofit/>
           </a:bodyPr>
           <a:lstStyle/>
           <a:p>
-            <a:pPr indent="0" lvl="0" marL="0" rtl="0" algn="l">
+            <a:pPr marL="0" lvl="0" indent="0" algn="l" rtl="0">
               <a:spcBef>
                 <a:spcPts val="0"/>
               </a:spcBef>
@@ -11137,29 +11297,29 @@
           </a:xfrm>
           <a:prstGeom prst="roundRect">
             <a:avLst>
-              <a:gd fmla="val 16667" name="adj"/>
+              <a:gd name="adj" fmla="val 16667"/>
             </a:avLst>
           </a:prstGeom>
           <a:solidFill>
             <a:srgbClr val="D9D9D9"/>
           </a:solidFill>
-          <a:ln cap="flat" cmpd="sng" w="9525">
+          <a:ln w="9525" cap="flat" cmpd="sng">
             <a:solidFill>
               <a:schemeClr val="dk2"/>
             </a:solidFill>
             <a:prstDash val="solid"/>
             <a:round/>
-            <a:headEnd len="sm" w="sm" type="none"/>
-            <a:tailEnd len="sm" w="sm" type="none"/>
+            <a:headEnd type="none" w="sm" len="sm"/>
+            <a:tailEnd type="none" w="sm" len="sm"/>
           </a:ln>
         </p:spPr>
         <p:txBody>
-          <a:bodyPr anchorCtr="0" anchor="ctr" bIns="91425" lIns="91425" spcFirstLastPara="1" rIns="91425" wrap="square" tIns="91425">
+          <a:bodyPr spcFirstLastPara="1" wrap="square" lIns="91425" tIns="91425" rIns="91425" bIns="91425" anchor="ctr" anchorCtr="0">
             <a:noAutofit/>
           </a:bodyPr>
           <a:lstStyle/>
           <a:p>
-            <a:pPr indent="0" lvl="0" marL="0" rtl="0" algn="l">
+            <a:pPr marL="0" lvl="0" indent="0" algn="l" rtl="0">
               <a:spcBef>
                 <a:spcPts val="0"/>
               </a:spcBef>
@@ -11199,29 +11359,29 @@
           </a:xfrm>
           <a:prstGeom prst="roundRect">
             <a:avLst>
-              <a:gd fmla="val 16667" name="adj"/>
+              <a:gd name="adj" fmla="val 16667"/>
             </a:avLst>
           </a:prstGeom>
           <a:solidFill>
             <a:srgbClr val="D9D9D9"/>
           </a:solidFill>
-          <a:ln cap="flat" cmpd="sng" w="9525">
+          <a:ln w="9525" cap="flat" cmpd="sng">
             <a:solidFill>
               <a:schemeClr val="dk2"/>
             </a:solidFill>
             <a:prstDash val="solid"/>
             <a:round/>
-            <a:headEnd len="sm" w="sm" type="none"/>
-            <a:tailEnd len="sm" w="sm" type="none"/>
+            <a:headEnd type="none" w="sm" len="sm"/>
+            <a:tailEnd type="none" w="sm" len="sm"/>
           </a:ln>
         </p:spPr>
         <p:txBody>
-          <a:bodyPr anchorCtr="0" anchor="ctr" bIns="91425" lIns="91425" spcFirstLastPara="1" rIns="91425" wrap="square" tIns="91425">
+          <a:bodyPr spcFirstLastPara="1" wrap="square" lIns="91425" tIns="91425" rIns="91425" bIns="91425" anchor="ctr" anchorCtr="0">
             <a:noAutofit/>
           </a:bodyPr>
           <a:lstStyle/>
           <a:p>
-            <a:pPr indent="0" lvl="0" marL="0" rtl="0" algn="l">
+            <a:pPr marL="0" lvl="0" indent="0" algn="l" rtl="0">
               <a:spcBef>
                 <a:spcPts val="0"/>
               </a:spcBef>
@@ -11263,14 +11423,14 @@
             <a:avLst/>
           </a:prstGeom>
           <a:noFill/>
-          <a:ln cap="flat" cmpd="sng" w="28575">
+          <a:ln w="28575" cap="flat" cmpd="sng">
             <a:solidFill>
               <a:schemeClr val="dk2"/>
             </a:solidFill>
             <a:prstDash val="solid"/>
             <a:round/>
-            <a:headEnd len="med" w="med" type="none"/>
-            <a:tailEnd len="med" w="med" type="triangle"/>
+            <a:headEnd type="none" w="med" len="med"/>
+            <a:tailEnd type="triangle" w="med" len="med"/>
           </a:ln>
         </p:spPr>
       </p:cxnSp>
@@ -11281,7 +11441,7 @@
           <p:nvPr/>
         </p:nvCxnSpPr>
         <p:spPr>
-          <a:xfrm flipH="1" rot="10800000">
+          <a:xfrm rot="10800000" flipH="1">
             <a:off x="3014425" y="3412675"/>
             <a:ext cx="1188600" cy="470700"/>
           </a:xfrm>
@@ -11289,14 +11449,14 @@
             <a:avLst/>
           </a:prstGeom>
           <a:noFill/>
-          <a:ln cap="flat" cmpd="sng" w="28575">
+          <a:ln w="28575" cap="flat" cmpd="sng">
             <a:solidFill>
               <a:schemeClr val="dk2"/>
             </a:solidFill>
             <a:prstDash val="solid"/>
             <a:round/>
-            <a:headEnd len="med" w="med" type="none"/>
-            <a:tailEnd len="med" w="med" type="triangle"/>
+            <a:headEnd type="none" w="med" len="med"/>
+            <a:tailEnd type="triangle" w="med" len="med"/>
           </a:ln>
         </p:spPr>
       </p:cxnSp>
@@ -11317,14 +11477,14 @@
             <a:avLst/>
           </a:prstGeom>
           <a:noFill/>
-          <a:ln cap="flat" cmpd="sng" w="28575">
+          <a:ln w="28575" cap="flat" cmpd="sng">
             <a:solidFill>
               <a:schemeClr val="dk2"/>
             </a:solidFill>
             <a:prstDash val="solid"/>
             <a:round/>
-            <a:headEnd len="med" w="med" type="none"/>
-            <a:tailEnd len="med" w="med" type="triangle"/>
+            <a:headEnd type="none" w="med" len="med"/>
+            <a:tailEnd type="triangle" w="med" len="med"/>
           </a:ln>
         </p:spPr>
       </p:cxnSp>
@@ -11343,14 +11503,14 @@
             <a:avLst/>
           </a:prstGeom>
           <a:noFill/>
-          <a:ln cap="flat" cmpd="sng" w="28575">
+          <a:ln w="28575" cap="flat" cmpd="sng">
             <a:solidFill>
               <a:schemeClr val="dk2"/>
             </a:solidFill>
             <a:prstDash val="solid"/>
             <a:round/>
-            <a:headEnd len="med" w="med" type="none"/>
-            <a:tailEnd len="med" w="med" type="triangle"/>
+            <a:headEnd type="none" w="med" len="med"/>
+            <a:tailEnd type="triangle" w="med" len="med"/>
           </a:ln>
         </p:spPr>
       </p:cxnSp>
@@ -11369,14 +11529,14 @@
             <a:avLst/>
           </a:prstGeom>
           <a:noFill/>
-          <a:ln cap="flat" cmpd="sng" w="28575">
+          <a:ln w="28575" cap="flat" cmpd="sng">
             <a:solidFill>
               <a:schemeClr val="dk2"/>
             </a:solidFill>
             <a:prstDash val="solid"/>
             <a:round/>
-            <a:headEnd len="med" w="med" type="none"/>
-            <a:tailEnd len="med" w="med" type="triangle"/>
+            <a:headEnd type="none" w="med" len="med"/>
+            <a:tailEnd type="triangle" w="med" len="med"/>
           </a:ln>
         </p:spPr>
       </p:cxnSp>
@@ -11395,14 +11555,14 @@
             <a:avLst/>
           </a:prstGeom>
           <a:noFill/>
-          <a:ln cap="flat" cmpd="sng" w="28575">
+          <a:ln w="28575" cap="flat" cmpd="sng">
             <a:solidFill>
               <a:schemeClr val="dk2"/>
             </a:solidFill>
             <a:prstDash val="solid"/>
             <a:round/>
-            <a:headEnd len="med" w="med" type="none"/>
-            <a:tailEnd len="med" w="med" type="triangle"/>
+            <a:headEnd type="none" w="med" len="med"/>
+            <a:tailEnd type="triangle" w="med" len="med"/>
           </a:ln>
         </p:spPr>
       </p:cxnSp>
@@ -11421,14 +11581,14 @@
             <a:avLst/>
           </a:prstGeom>
           <a:noFill/>
-          <a:ln cap="flat" cmpd="sng" w="28575">
+          <a:ln w="28575" cap="flat" cmpd="sng">
             <a:solidFill>
               <a:schemeClr val="dk2"/>
             </a:solidFill>
             <a:prstDash val="solid"/>
             <a:round/>
-            <a:headEnd len="med" w="med" type="none"/>
-            <a:tailEnd len="med" w="med" type="triangle"/>
+            <a:headEnd type="none" w="med" len="med"/>
+            <a:tailEnd type="triangle" w="med" len="med"/>
           </a:ln>
         </p:spPr>
       </p:cxnSp>
@@ -11445,29 +11605,29 @@
           </a:xfrm>
           <a:prstGeom prst="roundRect">
             <a:avLst>
-              <a:gd fmla="val 16667" name="adj"/>
+              <a:gd name="adj" fmla="val 16667"/>
             </a:avLst>
           </a:prstGeom>
           <a:solidFill>
             <a:srgbClr val="D9D9D9"/>
           </a:solidFill>
-          <a:ln cap="flat" cmpd="sng" w="9525">
+          <a:ln w="9525" cap="flat" cmpd="sng">
             <a:solidFill>
               <a:schemeClr val="dk2"/>
             </a:solidFill>
             <a:prstDash val="solid"/>
             <a:round/>
-            <a:headEnd len="sm" w="sm" type="none"/>
-            <a:tailEnd len="sm" w="sm" type="none"/>
+            <a:headEnd type="none" w="sm" len="sm"/>
+            <a:tailEnd type="none" w="sm" len="sm"/>
           </a:ln>
         </p:spPr>
         <p:txBody>
-          <a:bodyPr anchorCtr="0" anchor="ctr" bIns="91425" lIns="91425" spcFirstLastPara="1" rIns="91425" wrap="square" tIns="91425">
+          <a:bodyPr spcFirstLastPara="1" wrap="square" lIns="91425" tIns="91425" rIns="91425" bIns="91425" anchor="ctr" anchorCtr="0">
             <a:noAutofit/>
           </a:bodyPr>
           <a:lstStyle/>
           <a:p>
-            <a:pPr indent="0" lvl="0" marL="0" rtl="0" algn="l">
+            <a:pPr marL="0" lvl="0" indent="0" algn="l" rtl="0">
               <a:spcBef>
                 <a:spcPts val="0"/>
               </a:spcBef>
@@ -11501,7 +11661,7 @@
           <p:nvPr/>
         </p:nvCxnSpPr>
         <p:spPr>
-          <a:xfrm flipH="1" rot="10800000">
+          <a:xfrm rot="10800000" flipH="1">
             <a:off x="6578225" y="3408175"/>
             <a:ext cx="822900" cy="4500"/>
           </a:xfrm>
@@ -11509,14 +11669,14 @@
             <a:avLst/>
           </a:prstGeom>
           <a:noFill/>
-          <a:ln cap="flat" cmpd="sng" w="28575">
+          <a:ln w="28575" cap="flat" cmpd="sng">
             <a:solidFill>
               <a:schemeClr val="dk2"/>
             </a:solidFill>
             <a:prstDash val="solid"/>
             <a:round/>
-            <a:headEnd len="med" w="med" type="none"/>
-            <a:tailEnd len="med" w="med" type="triangle"/>
+            <a:headEnd type="none" w="med" len="med"/>
+            <a:tailEnd type="triangle" w="med" len="med"/>
           </a:ln>
         </p:spPr>
       </p:cxnSp>
@@ -11529,11 +11689,11 @@
 </file>
 
 <file path=ppt/slides/slide7.xml><?xml version="1.0" encoding="utf-8"?>
-<p:sld xmlns:a="http://schemas.openxmlformats.org/drawingml/2006/main" xmlns:r="http://schemas.openxmlformats.org/officeDocument/2006/relationships" xmlns:mc="http://schemas.openxmlformats.org/markup-compatibility/2006" xmlns:mv="urn:schemas-microsoft-com:mac:vml" xmlns:p="http://schemas.openxmlformats.org/presentationml/2006/main" xmlns:c="http://schemas.openxmlformats.org/drawingml/2006/chart" xmlns:dgm="http://schemas.openxmlformats.org/drawingml/2006/diagram" xmlns:o="urn:schemas-microsoft-com:office:office" xmlns:v="urn:schemas-microsoft-com:vml" xmlns:pvml="urn:schemas-microsoft-com:office:powerpoint" xmlns:com="http://schemas.openxmlformats.org/drawingml/2006/compatibility" xmlns:p14="http://schemas.microsoft.com/office/powerpoint/2010/main" xmlns:p15="http://schemas.microsoft.com/office/powerpoint/2012/main" xmlns:ahyp="http://schemas.microsoft.com/office/drawing/2018/hyperlinkcolor">
+<p:sld xmlns:a="http://schemas.openxmlformats.org/drawingml/2006/main" xmlns:r="http://schemas.openxmlformats.org/officeDocument/2006/relationships" xmlns:p="http://schemas.openxmlformats.org/presentationml/2006/main">
   <p:cSld>
     <p:spTree>
       <p:nvGrpSpPr>
-        <p:cNvPr id="133" name="Shape 133"/>
+        <p:cNvPr id="1" name="Shape 133"/>
         <p:cNvGrpSpPr/>
         <p:nvPr/>
       </p:nvGrpSpPr>
@@ -11548,7 +11708,9 @@
       <p:sp>
         <p:nvSpPr>
           <p:cNvPr id="134" name="Google Shape;134;p19"/>
-          <p:cNvSpPr txBox="1"/>
+          <p:cNvSpPr txBox="1">
+            <a:spLocks noGrp="1"/>
+          </p:cNvSpPr>
           <p:nvPr>
             <p:ph type="title"/>
           </p:nvPr>
@@ -11563,12 +11725,12 @@
           </a:prstGeom>
         </p:spPr>
         <p:txBody>
-          <a:bodyPr anchorCtr="0" anchor="t" bIns="91425" lIns="91425" spcFirstLastPara="1" rIns="91425" wrap="square" tIns="91425">
+          <a:bodyPr spcFirstLastPara="1" wrap="square" lIns="91425" tIns="91425" rIns="91425" bIns="91425" anchor="t" anchorCtr="0">
             <a:normAutofit/>
           </a:bodyPr>
           <a:lstStyle/>
           <a:p>
-            <a:pPr indent="0" lvl="0" marL="0" rtl="0" algn="l">
+            <a:pPr marL="0" lvl="0" indent="0" algn="l" rtl="0">
               <a:spcBef>
                 <a:spcPts val="0"/>
               </a:spcBef>
@@ -11605,12 +11767,12 @@
           </a:ln>
         </p:spPr>
         <p:txBody>
-          <a:bodyPr anchorCtr="0" anchor="t" bIns="91425" lIns="91425" spcFirstLastPara="1" rIns="91425" wrap="square" tIns="91425">
+          <a:bodyPr spcFirstLastPara="1" wrap="square" lIns="91425" tIns="91425" rIns="91425" bIns="91425" anchor="t" anchorCtr="0">
             <a:spAutoFit/>
           </a:bodyPr>
           <a:lstStyle/>
           <a:p>
-            <a:pPr indent="-342900" lvl="0" marL="457200" rtl="0" algn="l">
+            <a:pPr marL="457200" lvl="0" indent="-342900" algn="l" rtl="0">
               <a:spcBef>
                 <a:spcPts val="0"/>
               </a:spcBef>
@@ -11638,7 +11800,7 @@
             </a:endParaRPr>
           </a:p>
           <a:p>
-            <a:pPr indent="-317500" lvl="1" marL="914400" rtl="0" algn="l">
+            <a:pPr marL="914400" lvl="1" indent="-317500" algn="l" rtl="0">
               <a:spcBef>
                 <a:spcPts val="0"/>
               </a:spcBef>
@@ -11666,7 +11828,7 @@
             </a:endParaRPr>
           </a:p>
           <a:p>
-            <a:pPr indent="-317500" lvl="1" marL="914400" rtl="0" algn="l">
+            <a:pPr marL="914400" lvl="1" indent="-317500" algn="l" rtl="0">
               <a:spcBef>
                 <a:spcPts val="0"/>
               </a:spcBef>
@@ -11694,7 +11856,7 @@
             </a:endParaRPr>
           </a:p>
           <a:p>
-            <a:pPr indent="-317500" lvl="2" marL="1371600" rtl="0" algn="l">
+            <a:pPr marL="1371600" lvl="2" indent="-317500" algn="l" rtl="0">
               <a:spcBef>
                 <a:spcPts val="0"/>
               </a:spcBef>
@@ -11722,18 +11884,15 @@
             </a:endParaRPr>
           </a:p>
           <a:p>
-            <a:pPr indent="0" lvl="0" marL="914400" rtl="0" algn="l">
-              <a:spcBef>
-                <a:spcPts val="0"/>
-              </a:spcBef>
-              <a:spcAft>
-                <a:spcPts val="0"/>
-              </a:spcAft>
-              <a:buNone/>
-            </a:pPr>
-            <a:r>
-              <a:t/>
-            </a:r>
+            <a:pPr marL="914400" lvl="0" indent="0" algn="l" rtl="0">
+              <a:spcBef>
+                <a:spcPts val="0"/>
+              </a:spcBef>
+              <a:spcAft>
+                <a:spcPts val="0"/>
+              </a:spcAft>
+              <a:buNone/>
+            </a:pPr>
             <a:endParaRPr sz="1800">
               <a:latin typeface="Merriweather"/>
               <a:ea typeface="Merriweather"/>
@@ -11742,7 +11901,7 @@
             </a:endParaRPr>
           </a:p>
           <a:p>
-            <a:pPr indent="-342900" lvl="0" marL="457200" rtl="0" algn="l">
+            <a:pPr marL="457200" lvl="0" indent="-342900" algn="l" rtl="0">
               <a:spcBef>
                 <a:spcPts val="0"/>
               </a:spcBef>
@@ -11770,7 +11929,7 @@
             </a:endParaRPr>
           </a:p>
           <a:p>
-            <a:pPr indent="-317500" lvl="1" marL="914400" rtl="0" algn="l">
+            <a:pPr marL="914400" lvl="1" indent="-317500" algn="l" rtl="0">
               <a:spcBef>
                 <a:spcPts val="0"/>
               </a:spcBef>
@@ -11798,7 +11957,7 @@
             </a:endParaRPr>
           </a:p>
           <a:p>
-            <a:pPr indent="-317500" lvl="1" marL="914400" rtl="0" algn="l">
+            <a:pPr marL="914400" lvl="1" indent="-317500" algn="l" rtl="0">
               <a:spcBef>
                 <a:spcPts val="0"/>
               </a:spcBef>
@@ -11826,7 +11985,7 @@
             </a:endParaRPr>
           </a:p>
           <a:p>
-            <a:pPr indent="-317500" lvl="1" marL="914400" rtl="0" algn="l">
+            <a:pPr marL="914400" lvl="1" indent="-317500" algn="l" rtl="0">
               <a:spcBef>
                 <a:spcPts val="0"/>
               </a:spcBef>
@@ -11854,7 +12013,7 @@
             </a:endParaRPr>
           </a:p>
           <a:p>
-            <a:pPr indent="-317500" lvl="1" marL="914400" rtl="0" algn="l">
+            <a:pPr marL="914400" lvl="1" indent="-317500" algn="l" rtl="0">
               <a:spcBef>
                 <a:spcPts val="0"/>
               </a:spcBef>
@@ -11882,18 +12041,15 @@
             </a:endParaRPr>
           </a:p>
           <a:p>
-            <a:pPr indent="0" lvl="0" marL="0" rtl="0" algn="l">
-              <a:spcBef>
-                <a:spcPts val="0"/>
-              </a:spcBef>
-              <a:spcAft>
-                <a:spcPts val="0"/>
-              </a:spcAft>
-              <a:buNone/>
-            </a:pPr>
-            <a:r>
-              <a:t/>
-            </a:r>
+            <a:pPr marL="0" lvl="0" indent="0" algn="l" rtl="0">
+              <a:spcBef>
+                <a:spcPts val="0"/>
+              </a:spcBef>
+              <a:spcAft>
+                <a:spcPts val="0"/>
+              </a:spcAft>
+              <a:buNone/>
+            </a:pPr>
             <a:endParaRPr sz="1800">
               <a:latin typeface="Merriweather"/>
               <a:ea typeface="Merriweather"/>
@@ -11902,7 +12058,7 @@
             </a:endParaRPr>
           </a:p>
           <a:p>
-            <a:pPr indent="-342900" lvl="0" marL="457200" rtl="0" algn="l">
+            <a:pPr marL="457200" lvl="0" indent="-342900" algn="l" rtl="0">
               <a:spcBef>
                 <a:spcPts val="0"/>
               </a:spcBef>
@@ -11930,7 +12086,7 @@
             </a:endParaRPr>
           </a:p>
           <a:p>
-            <a:pPr indent="-317500" lvl="1" marL="914400" rtl="0" algn="l">
+            <a:pPr marL="914400" lvl="1" indent="-317500" algn="l" rtl="0">
               <a:spcBef>
                 <a:spcPts val="0"/>
               </a:spcBef>
@@ -11958,7 +12114,7 @@
             </a:endParaRPr>
           </a:p>
           <a:p>
-            <a:pPr indent="-317500" lvl="1" marL="914400" rtl="0" algn="l">
+            <a:pPr marL="914400" lvl="1" indent="-317500" algn="l" rtl="0">
               <a:spcBef>
                 <a:spcPts val="0"/>
               </a:spcBef>
@@ -11996,11 +12152,11 @@
 </file>
 
 <file path=ppt/slides/slide8.xml><?xml version="1.0" encoding="utf-8"?>
-<p:sld xmlns:a="http://schemas.openxmlformats.org/drawingml/2006/main" xmlns:r="http://schemas.openxmlformats.org/officeDocument/2006/relationships" xmlns:mc="http://schemas.openxmlformats.org/markup-compatibility/2006" xmlns:mv="urn:schemas-microsoft-com:mac:vml" xmlns:p="http://schemas.openxmlformats.org/presentationml/2006/main" xmlns:c="http://schemas.openxmlformats.org/drawingml/2006/chart" xmlns:dgm="http://schemas.openxmlformats.org/drawingml/2006/diagram" xmlns:o="urn:schemas-microsoft-com:office:office" xmlns:v="urn:schemas-microsoft-com:vml" xmlns:pvml="urn:schemas-microsoft-com:office:powerpoint" xmlns:com="http://schemas.openxmlformats.org/drawingml/2006/compatibility" xmlns:p14="http://schemas.microsoft.com/office/powerpoint/2010/main" xmlns:p15="http://schemas.microsoft.com/office/powerpoint/2012/main" xmlns:ahyp="http://schemas.microsoft.com/office/drawing/2018/hyperlinkcolor">
+<p:sld xmlns:a="http://schemas.openxmlformats.org/drawingml/2006/main" xmlns:r="http://schemas.openxmlformats.org/officeDocument/2006/relationships" xmlns:p="http://schemas.openxmlformats.org/presentationml/2006/main">
   <p:cSld>
     <p:spTree>
       <p:nvGrpSpPr>
-        <p:cNvPr id="139" name="Shape 139"/>
+        <p:cNvPr id="1" name="Shape 139"/>
         <p:cNvGrpSpPr/>
         <p:nvPr/>
       </p:nvGrpSpPr>
@@ -12015,7 +12171,9 @@
       <p:sp>
         <p:nvSpPr>
           <p:cNvPr id="140" name="Google Shape;140;p20"/>
-          <p:cNvSpPr txBox="1"/>
+          <p:cNvSpPr txBox="1">
+            <a:spLocks noGrp="1"/>
+          </p:cNvSpPr>
           <p:nvPr>
             <p:ph type="title"/>
           </p:nvPr>
@@ -12030,12 +12188,12 @@
           </a:prstGeom>
         </p:spPr>
         <p:txBody>
-          <a:bodyPr anchorCtr="0" anchor="t" bIns="91425" lIns="91425" spcFirstLastPara="1" rIns="91425" wrap="square" tIns="91425">
+          <a:bodyPr spcFirstLastPara="1" wrap="square" lIns="91425" tIns="91425" rIns="91425" bIns="91425" anchor="t" anchorCtr="0">
             <a:normAutofit/>
           </a:bodyPr>
           <a:lstStyle/>
           <a:p>
-            <a:pPr indent="0" lvl="0" marL="0" rtl="0" algn="l">
+            <a:pPr marL="0" lvl="0" indent="0" algn="l" rtl="0">
               <a:spcBef>
                 <a:spcPts val="0"/>
               </a:spcBef>
@@ -12072,12 +12230,12 @@
           </a:ln>
         </p:spPr>
         <p:txBody>
-          <a:bodyPr anchorCtr="0" anchor="t" bIns="91425" lIns="91425" spcFirstLastPara="1" rIns="91425" wrap="square" tIns="91425">
+          <a:bodyPr spcFirstLastPara="1" wrap="square" lIns="91425" tIns="91425" rIns="91425" bIns="91425" anchor="t" anchorCtr="0">
             <a:spAutoFit/>
           </a:bodyPr>
           <a:lstStyle/>
           <a:p>
-            <a:pPr indent="-342900" lvl="0" marL="457200" rtl="0" algn="l">
+            <a:pPr marL="457200" lvl="0" indent="-342900" algn="l" rtl="0">
               <a:spcBef>
                 <a:spcPts val="0"/>
               </a:spcBef>
@@ -12105,7 +12263,7 @@
             </a:endParaRPr>
           </a:p>
           <a:p>
-            <a:pPr indent="-317500" lvl="1" marL="914400" rtl="0" algn="l">
+            <a:pPr marL="914400" lvl="1" indent="-317500" algn="l" rtl="0">
               <a:spcBef>
                 <a:spcPts val="0"/>
               </a:spcBef>
@@ -12133,7 +12291,7 @@
             </a:endParaRPr>
           </a:p>
           <a:p>
-            <a:pPr indent="-317500" lvl="1" marL="914400" rtl="0" algn="l">
+            <a:pPr marL="914400" lvl="1" indent="-317500" algn="l" rtl="0">
               <a:spcBef>
                 <a:spcPts val="0"/>
               </a:spcBef>
@@ -12161,18 +12319,15 @@
             </a:endParaRPr>
           </a:p>
           <a:p>
-            <a:pPr indent="0" lvl="0" marL="914400" rtl="0" algn="l">
-              <a:spcBef>
-                <a:spcPts val="0"/>
-              </a:spcBef>
-              <a:spcAft>
-                <a:spcPts val="0"/>
-              </a:spcAft>
-              <a:buNone/>
-            </a:pPr>
-            <a:r>
-              <a:t/>
-            </a:r>
+            <a:pPr marL="914400" lvl="0" indent="0" algn="l" rtl="0">
+              <a:spcBef>
+                <a:spcPts val="0"/>
+              </a:spcBef>
+              <a:spcAft>
+                <a:spcPts val="0"/>
+              </a:spcAft>
+              <a:buNone/>
+            </a:pPr>
             <a:endParaRPr sz="1800">
               <a:latin typeface="Merriweather"/>
               <a:ea typeface="Merriweather"/>
@@ -12181,7 +12336,7 @@
             </a:endParaRPr>
           </a:p>
           <a:p>
-            <a:pPr indent="-342900" lvl="0" marL="457200" rtl="0" algn="l">
+            <a:pPr marL="457200" lvl="0" indent="-342900" algn="l" rtl="0">
               <a:spcBef>
                 <a:spcPts val="0"/>
               </a:spcBef>
@@ -12209,7 +12364,7 @@
             </a:endParaRPr>
           </a:p>
           <a:p>
-            <a:pPr indent="-317500" lvl="1" marL="914400" rtl="0" algn="l">
+            <a:pPr marL="914400" lvl="1" indent="-317500" algn="l" rtl="0">
               <a:spcBef>
                 <a:spcPts val="0"/>
               </a:spcBef>
@@ -12237,18 +12392,15 @@
             </a:endParaRPr>
           </a:p>
           <a:p>
-            <a:pPr indent="0" lvl="0" marL="914400" rtl="0" algn="l">
-              <a:spcBef>
-                <a:spcPts val="0"/>
-              </a:spcBef>
-              <a:spcAft>
-                <a:spcPts val="0"/>
-              </a:spcAft>
-              <a:buNone/>
-            </a:pPr>
-            <a:r>
-              <a:t/>
-            </a:r>
+            <a:pPr marL="914400" lvl="0" indent="0" algn="l" rtl="0">
+              <a:spcBef>
+                <a:spcPts val="0"/>
+              </a:spcBef>
+              <a:spcAft>
+                <a:spcPts val="0"/>
+              </a:spcAft>
+              <a:buNone/>
+            </a:pPr>
             <a:endParaRPr sz="1800">
               <a:latin typeface="Merriweather"/>
               <a:ea typeface="Merriweather"/>
@@ -12257,7 +12409,7 @@
             </a:endParaRPr>
           </a:p>
           <a:p>
-            <a:pPr indent="-342900" lvl="0" marL="457200" rtl="0" algn="l">
+            <a:pPr marL="457200" lvl="0" indent="-342900" algn="l" rtl="0">
               <a:spcBef>
                 <a:spcPts val="0"/>
               </a:spcBef>
@@ -12285,7 +12437,7 @@
             </a:endParaRPr>
           </a:p>
           <a:p>
-            <a:pPr indent="-317500" lvl="1" marL="914400" rtl="0" algn="l">
+            <a:pPr marL="914400" lvl="1" indent="-317500" algn="l" rtl="0">
               <a:spcBef>
                 <a:spcPts val="0"/>
               </a:spcBef>
@@ -12313,7 +12465,7 @@
             </a:endParaRPr>
           </a:p>
           <a:p>
-            <a:pPr indent="-317500" lvl="1" marL="914400" rtl="0" algn="l">
+            <a:pPr marL="914400" lvl="1" indent="-317500" algn="l" rtl="0">
               <a:spcBef>
                 <a:spcPts val="0"/>
               </a:spcBef>
@@ -12341,7 +12493,7 @@
             </a:endParaRPr>
           </a:p>
           <a:p>
-            <a:pPr indent="-317500" lvl="1" marL="914400" rtl="0" algn="l">
+            <a:pPr marL="914400" lvl="1" indent="-317500" algn="l" rtl="0">
               <a:spcBef>
                 <a:spcPts val="0"/>
               </a:spcBef>
@@ -12369,18 +12521,15 @@
             </a:endParaRPr>
           </a:p>
           <a:p>
-            <a:pPr indent="0" lvl="0" marL="0" rtl="0" algn="l">
-              <a:spcBef>
-                <a:spcPts val="0"/>
-              </a:spcBef>
-              <a:spcAft>
-                <a:spcPts val="0"/>
-              </a:spcAft>
-              <a:buNone/>
-            </a:pPr>
-            <a:r>
-              <a:t/>
-            </a:r>
+            <a:pPr marL="0" lvl="0" indent="0" algn="l" rtl="0">
+              <a:spcBef>
+                <a:spcPts val="0"/>
+              </a:spcBef>
+              <a:spcAft>
+                <a:spcPts val="0"/>
+              </a:spcAft>
+              <a:buNone/>
+            </a:pPr>
             <a:endParaRPr sz="1800">
               <a:latin typeface="Merriweather"/>
               <a:ea typeface="Merriweather"/>
@@ -12389,7 +12538,7 @@
             </a:endParaRPr>
           </a:p>
           <a:p>
-            <a:pPr indent="-342900" lvl="0" marL="457200" rtl="0" algn="l">
+            <a:pPr marL="457200" lvl="0" indent="-342900" algn="l" rtl="0">
               <a:spcBef>
                 <a:spcPts val="0"/>
               </a:spcBef>
@@ -12417,7 +12566,7 @@
             </a:endParaRPr>
           </a:p>
           <a:p>
-            <a:pPr indent="-317500" lvl="1" marL="914400" rtl="0" algn="l">
+            <a:pPr marL="914400" lvl="1" indent="-317500" algn="l" rtl="0">
               <a:spcBef>
                 <a:spcPts val="0"/>
               </a:spcBef>
@@ -12455,11 +12604,11 @@
 </file>
 
 <file path=ppt/slides/slide9.xml><?xml version="1.0" encoding="utf-8"?>
-<p:sld xmlns:a="http://schemas.openxmlformats.org/drawingml/2006/main" xmlns:r="http://schemas.openxmlformats.org/officeDocument/2006/relationships" xmlns:mc="http://schemas.openxmlformats.org/markup-compatibility/2006" xmlns:mv="urn:schemas-microsoft-com:mac:vml" xmlns:p="http://schemas.openxmlformats.org/presentationml/2006/main" xmlns:c="http://schemas.openxmlformats.org/drawingml/2006/chart" xmlns:dgm="http://schemas.openxmlformats.org/drawingml/2006/diagram" xmlns:o="urn:schemas-microsoft-com:office:office" xmlns:v="urn:schemas-microsoft-com:vml" xmlns:pvml="urn:schemas-microsoft-com:office:powerpoint" xmlns:com="http://schemas.openxmlformats.org/drawingml/2006/compatibility" xmlns:p14="http://schemas.microsoft.com/office/powerpoint/2010/main" xmlns:p15="http://schemas.microsoft.com/office/powerpoint/2012/main" xmlns:ahyp="http://schemas.microsoft.com/office/drawing/2018/hyperlinkcolor">
+<p:sld xmlns:a="http://schemas.openxmlformats.org/drawingml/2006/main" xmlns:r="http://schemas.openxmlformats.org/officeDocument/2006/relationships" xmlns:p="http://schemas.openxmlformats.org/presentationml/2006/main">
   <p:cSld>
     <p:spTree>
       <p:nvGrpSpPr>
-        <p:cNvPr id="145" name="Shape 145"/>
+        <p:cNvPr id="1" name="Shape 145"/>
         <p:cNvGrpSpPr/>
         <p:nvPr/>
       </p:nvGrpSpPr>
@@ -12474,7 +12623,9 @@
       <p:sp>
         <p:nvSpPr>
           <p:cNvPr id="146" name="Google Shape;146;p21"/>
-          <p:cNvSpPr txBox="1"/>
+          <p:cNvSpPr txBox="1">
+            <a:spLocks noGrp="1"/>
+          </p:cNvSpPr>
           <p:nvPr>
             <p:ph type="title"/>
           </p:nvPr>
@@ -12489,12 +12640,12 @@
           </a:prstGeom>
         </p:spPr>
         <p:txBody>
-          <a:bodyPr anchorCtr="0" anchor="t" bIns="91425" lIns="91425" spcFirstLastPara="1" rIns="91425" wrap="square" tIns="91425">
+          <a:bodyPr spcFirstLastPara="1" wrap="square" lIns="91425" tIns="91425" rIns="91425" bIns="91425" anchor="t" anchorCtr="0">
             <a:normAutofit/>
           </a:bodyPr>
           <a:lstStyle/>
           <a:p>
-            <a:pPr indent="0" lvl="0" marL="0" rtl="0" algn="l">
+            <a:pPr marL="0" lvl="0" indent="0" algn="l" rtl="0">
               <a:spcBef>
                 <a:spcPts val="0"/>
               </a:spcBef>
@@ -12531,12 +12682,12 @@
           </a:ln>
         </p:spPr>
         <p:txBody>
-          <a:bodyPr anchorCtr="0" anchor="t" bIns="91425" lIns="91425" spcFirstLastPara="1" rIns="91425" wrap="square" tIns="91425">
+          <a:bodyPr spcFirstLastPara="1" wrap="square" lIns="91425" tIns="91425" rIns="91425" bIns="91425" anchor="t" anchorCtr="0">
             <a:spAutoFit/>
           </a:bodyPr>
           <a:lstStyle/>
           <a:p>
-            <a:pPr indent="-342900" lvl="0" marL="457200" rtl="0" algn="l">
+            <a:pPr marL="457200" lvl="0" indent="-342900" algn="l" rtl="0">
               <a:spcBef>
                 <a:spcPts val="0"/>
               </a:spcBef>
@@ -12564,7 +12715,7 @@
             </a:endParaRPr>
           </a:p>
           <a:p>
-            <a:pPr indent="-342900" lvl="1" marL="914400" rtl="0" algn="l">
+            <a:pPr marL="914400" lvl="1" indent="-342900" algn="l" rtl="0">
               <a:spcBef>
                 <a:spcPts val="0"/>
               </a:spcBef>
@@ -12596,18 +12747,15 @@
             </a:endParaRPr>
           </a:p>
           <a:p>
-            <a:pPr indent="0" lvl="0" marL="457200" rtl="0" algn="l">
-              <a:spcBef>
-                <a:spcPts val="0"/>
-              </a:spcBef>
-              <a:spcAft>
-                <a:spcPts val="0"/>
-              </a:spcAft>
-              <a:buNone/>
-            </a:pPr>
-            <a:r>
-              <a:t/>
-            </a:r>
+            <a:pPr marL="457200" lvl="0" indent="0" algn="l" rtl="0">
+              <a:spcBef>
+                <a:spcPts val="0"/>
+              </a:spcBef>
+              <a:spcAft>
+                <a:spcPts val="0"/>
+              </a:spcAft>
+              <a:buNone/>
+            </a:pPr>
             <a:endParaRPr sz="1800">
               <a:latin typeface="Merriweather"/>
               <a:ea typeface="Merriweather"/>
@@ -12616,7 +12764,7 @@
             </a:endParaRPr>
           </a:p>
           <a:p>
-            <a:pPr indent="-342900" lvl="0" marL="457200" rtl="0" algn="l">
+            <a:pPr marL="457200" lvl="0" indent="-342900" algn="l" rtl="0">
               <a:spcBef>
                 <a:spcPts val="0"/>
               </a:spcBef>
@@ -12644,7 +12792,7 @@
             </a:endParaRPr>
           </a:p>
           <a:p>
-            <a:pPr indent="-342900" lvl="1" marL="914400" rtl="0" algn="l">
+            <a:pPr marL="914400" lvl="1" indent="-342900" algn="l" rtl="0">
               <a:spcBef>
                 <a:spcPts val="0"/>
               </a:spcBef>
@@ -12695,7 +12843,7 @@
 </file>
 
 <file path=ppt/theme/theme1.xml><?xml version="1.0" encoding="utf-8"?>
-<a:theme xmlns:a="http://schemas.openxmlformats.org/drawingml/2006/main" xmlns:r="http://schemas.openxmlformats.org/officeDocument/2006/relationships" name="Paradigm">
+<a:theme xmlns:a="http://schemas.openxmlformats.org/drawingml/2006/main" name="Paradigm">
   <a:themeElements>
     <a:clrScheme name="Paradigm">
       <a:dk1>
@@ -12970,11 +13118,13 @@
       </a:bgFillStyleLst>
     </a:fmtScheme>
   </a:themeElements>
+  <a:objectDefaults/>
+  <a:extraClrSchemeLst/>
 </a:theme>
 </file>
 
 <file path=ppt/theme/theme2.xml><?xml version="1.0" encoding="utf-8"?>
-<a:theme xmlns:a="http://schemas.openxmlformats.org/drawingml/2006/main" xmlns:r="http://schemas.openxmlformats.org/officeDocument/2006/relationships">
+<a:theme xmlns:a="http://schemas.openxmlformats.org/drawingml/2006/main">
   <a:themeElements>
     <a:clrScheme name="Default">
       <a:dk1>
@@ -13249,5 +13399,7 @@
       </a:bgFillStyleLst>
     </a:fmtScheme>
   </a:themeElements>
+  <a:objectDefaults/>
+  <a:extraClrSchemeLst/>
 </a:theme>
 </file>